--- a/doc/ppt/PlaatSign Design.pptx
+++ b/doc/ppt/PlaatSign Design.pptx
@@ -200,7 +200,7 @@
             <a:fld id="{AAA9B6CD-1D48-452A-A7F2-8CBBE02CC7D2}" type="datetimeFigureOut">
               <a:rPr lang="nl-NL" smtClean="0"/>
               <a:pPr/>
-              <a:t>18-9-2016</a:t>
+              <a:t>20-9-2016</a:t>
             </a:fld>
             <a:endParaRPr lang="nl-NL"/>
           </a:p>
@@ -362,7 +362,7 @@
             <a:fld id="{3F950F4F-C5AF-4494-B3CA-9201F9D52D46}" type="slidenum">
               <a:rPr lang="nl-NL" smtClean="0"/>
               <a:pPr/>
-              <a:t>‹#›</a:t>
+              <a:t>‹nr.›</a:t>
             </a:fld>
             <a:endParaRPr lang="nl-NL"/>
           </a:p>
@@ -371,7 +371,7 @@
     </p:spTree>
     <p:extLst>
       <p:ext uri="{BB962C8B-B14F-4D97-AF65-F5344CB8AC3E}">
-        <p14:creationId xmlns:p14="http://schemas.microsoft.com/office/powerpoint/2010/main" val="758923214"/>
+        <p14:creationId xmlns:p14="http://schemas.microsoft.com/office/powerpoint/2010/main" xmlns="" val="758923214"/>
       </p:ext>
     </p:extLst>
   </p:cSld>
@@ -664,7 +664,7 @@
             <a:fld id="{96BAE843-BE96-40CB-B634-F63C679A4CF5}" type="datetimeFigureOut">
               <a:rPr lang="nl-NL" smtClean="0"/>
               <a:pPr/>
-              <a:t>18-9-2016</a:t>
+              <a:t>20-9-2016</a:t>
             </a:fld>
             <a:endParaRPr lang="nl-NL"/>
           </a:p>
@@ -688,7 +688,7 @@
             <a:fld id="{727BD2AF-9C77-4256-BC44-28E620F1C4BA}" type="slidenum">
               <a:rPr lang="nl-NL" smtClean="0"/>
               <a:pPr/>
-              <a:t>‹#›</a:t>
+              <a:t>‹nr.›</a:t>
             </a:fld>
             <a:endParaRPr lang="nl-NL"/>
           </a:p>
@@ -831,7 +831,7 @@
             <a:fld id="{96BAE843-BE96-40CB-B634-F63C679A4CF5}" type="datetimeFigureOut">
               <a:rPr lang="nl-NL" smtClean="0"/>
               <a:pPr/>
-              <a:t>18-9-2016</a:t>
+              <a:t>20-9-2016</a:t>
             </a:fld>
             <a:endParaRPr lang="nl-NL"/>
           </a:p>
@@ -874,7 +874,7 @@
             <a:fld id="{727BD2AF-9C77-4256-BC44-28E620F1C4BA}" type="slidenum">
               <a:rPr lang="nl-NL" smtClean="0"/>
               <a:pPr/>
-              <a:t>‹#›</a:t>
+              <a:t>‹nr.›</a:t>
             </a:fld>
             <a:endParaRPr lang="nl-NL"/>
           </a:p>
@@ -1008,7 +1008,7 @@
             <a:fld id="{96BAE843-BE96-40CB-B634-F63C679A4CF5}" type="datetimeFigureOut">
               <a:rPr lang="nl-NL" smtClean="0"/>
               <a:pPr/>
-              <a:t>18-9-2016</a:t>
+              <a:t>20-9-2016</a:t>
             </a:fld>
             <a:endParaRPr lang="nl-NL"/>
           </a:p>
@@ -1051,7 +1051,7 @@
             <a:fld id="{727BD2AF-9C77-4256-BC44-28E620F1C4BA}" type="slidenum">
               <a:rPr lang="nl-NL" smtClean="0"/>
               <a:pPr/>
-              <a:t>‹#›</a:t>
+              <a:t>‹nr.›</a:t>
             </a:fld>
             <a:endParaRPr lang="nl-NL"/>
           </a:p>
@@ -1193,7 +1193,7 @@
             <a:fld id="{96BAE843-BE96-40CB-B634-F63C679A4CF5}" type="datetimeFigureOut">
               <a:rPr lang="nl-NL" smtClean="0"/>
               <a:pPr/>
-              <a:t>18-9-2016</a:t>
+              <a:t>20-9-2016</a:t>
             </a:fld>
             <a:endParaRPr lang="nl-NL"/>
           </a:p>
@@ -1236,7 +1236,7 @@
             <a:fld id="{727BD2AF-9C77-4256-BC44-28E620F1C4BA}" type="slidenum">
               <a:rPr lang="nl-NL" smtClean="0"/>
               <a:pPr/>
-              <a:t>‹#›</a:t>
+              <a:t>‹nr.›</a:t>
             </a:fld>
             <a:endParaRPr lang="nl-NL"/>
           </a:p>
@@ -1457,7 +1457,7 @@
             <a:fld id="{96BAE843-BE96-40CB-B634-F63C679A4CF5}" type="datetimeFigureOut">
               <a:rPr lang="nl-NL" smtClean="0"/>
               <a:pPr/>
-              <a:t>18-9-2016</a:t>
+              <a:t>20-9-2016</a:t>
             </a:fld>
             <a:endParaRPr lang="nl-NL"/>
           </a:p>
@@ -1500,7 +1500,7 @@
             <a:fld id="{727BD2AF-9C77-4256-BC44-28E620F1C4BA}" type="slidenum">
               <a:rPr lang="nl-NL" smtClean="0"/>
               <a:pPr/>
-              <a:t>‹#›</a:t>
+              <a:t>‹nr.›</a:t>
             </a:fld>
             <a:endParaRPr lang="nl-NL"/>
           </a:p>
@@ -1807,7 +1807,7 @@
             <a:fld id="{96BAE843-BE96-40CB-B634-F63C679A4CF5}" type="datetimeFigureOut">
               <a:rPr lang="nl-NL" smtClean="0"/>
               <a:pPr/>
-              <a:t>18-9-2016</a:t>
+              <a:t>20-9-2016</a:t>
             </a:fld>
             <a:endParaRPr lang="nl-NL"/>
           </a:p>
@@ -1850,7 +1850,7 @@
             <a:fld id="{727BD2AF-9C77-4256-BC44-28E620F1C4BA}" type="slidenum">
               <a:rPr lang="nl-NL" smtClean="0"/>
               <a:pPr/>
-              <a:t>‹#›</a:t>
+              <a:t>‹nr.›</a:t>
             </a:fld>
             <a:endParaRPr lang="nl-NL"/>
           </a:p>
@@ -2117,7 +2117,7 @@
             <a:fld id="{96BAE843-BE96-40CB-B634-F63C679A4CF5}" type="datetimeFigureOut">
               <a:rPr lang="nl-NL" smtClean="0"/>
               <a:pPr/>
-              <a:t>18-9-2016</a:t>
+              <a:t>20-9-2016</a:t>
             </a:fld>
             <a:endParaRPr lang="nl-NL"/>
           </a:p>
@@ -2160,7 +2160,7 @@
             <a:fld id="{727BD2AF-9C77-4256-BC44-28E620F1C4BA}" type="slidenum">
               <a:rPr lang="nl-NL" smtClean="0"/>
               <a:pPr/>
-              <a:t>‹#›</a:t>
+              <a:t>‹nr.›</a:t>
             </a:fld>
             <a:endParaRPr lang="nl-NL"/>
           </a:p>
@@ -2346,7 +2346,7 @@
             <a:fld id="{96BAE843-BE96-40CB-B634-F63C679A4CF5}" type="datetimeFigureOut">
               <a:rPr lang="nl-NL" smtClean="0"/>
               <a:pPr/>
-              <a:t>18-9-2016</a:t>
+              <a:t>20-9-2016</a:t>
             </a:fld>
             <a:endParaRPr lang="nl-NL"/>
           </a:p>
@@ -2389,7 +2389,7 @@
             <a:fld id="{727BD2AF-9C77-4256-BC44-28E620F1C4BA}" type="slidenum">
               <a:rPr lang="nl-NL" smtClean="0"/>
               <a:pPr/>
-              <a:t>‹#›</a:t>
+              <a:t>‹nr.›</a:t>
             </a:fld>
             <a:endParaRPr lang="nl-NL"/>
           </a:p>
@@ -2438,7 +2438,7 @@
             <a:fld id="{96BAE843-BE96-40CB-B634-F63C679A4CF5}" type="datetimeFigureOut">
               <a:rPr lang="nl-NL" smtClean="0"/>
               <a:pPr/>
-              <a:t>18-9-2016</a:t>
+              <a:t>20-9-2016</a:t>
             </a:fld>
             <a:endParaRPr lang="nl-NL"/>
           </a:p>
@@ -2481,7 +2481,7 @@
             <a:fld id="{727BD2AF-9C77-4256-BC44-28E620F1C4BA}" type="slidenum">
               <a:rPr lang="nl-NL" smtClean="0"/>
               <a:pPr/>
-              <a:t>‹#›</a:t>
+              <a:t>‹nr.›</a:t>
             </a:fld>
             <a:endParaRPr lang="nl-NL"/>
           </a:p>
@@ -2728,7 +2728,7 @@
             <a:fld id="{96BAE843-BE96-40CB-B634-F63C679A4CF5}" type="datetimeFigureOut">
               <a:rPr lang="nl-NL" smtClean="0"/>
               <a:pPr/>
-              <a:t>18-9-2016</a:t>
+              <a:t>20-9-2016</a:t>
             </a:fld>
             <a:endParaRPr lang="nl-NL"/>
           </a:p>
@@ -2771,7 +2771,7 @@
             <a:fld id="{727BD2AF-9C77-4256-BC44-28E620F1C4BA}" type="slidenum">
               <a:rPr lang="nl-NL" smtClean="0"/>
               <a:pPr/>
-              <a:t>‹#›</a:t>
+              <a:t>‹nr.›</a:t>
             </a:fld>
             <a:endParaRPr lang="nl-NL"/>
           </a:p>
@@ -2999,7 +2999,7 @@
             <a:fld id="{96BAE843-BE96-40CB-B634-F63C679A4CF5}" type="datetimeFigureOut">
               <a:rPr lang="nl-NL" smtClean="0"/>
               <a:pPr/>
-              <a:t>18-9-2016</a:t>
+              <a:t>20-9-2016</a:t>
             </a:fld>
             <a:endParaRPr lang="nl-NL"/>
           </a:p>
@@ -3042,7 +3042,7 @@
             <a:fld id="{727BD2AF-9C77-4256-BC44-28E620F1C4BA}" type="slidenum">
               <a:rPr lang="nl-NL" smtClean="0"/>
               <a:pPr/>
-              <a:t>‹#›</a:t>
+              <a:t>‹nr.›</a:t>
             </a:fld>
             <a:endParaRPr lang="nl-NL"/>
           </a:p>
@@ -3211,7 +3211,7 @@
             <a:fld id="{96BAE843-BE96-40CB-B634-F63C679A4CF5}" type="datetimeFigureOut">
               <a:rPr lang="nl-NL" smtClean="0"/>
               <a:pPr/>
-              <a:t>18-9-2016</a:t>
+              <a:t>20-9-2016</a:t>
             </a:fld>
             <a:endParaRPr lang="nl-NL"/>
           </a:p>
@@ -3294,7 +3294,7 @@
             <a:fld id="{727BD2AF-9C77-4256-BC44-28E620F1C4BA}" type="slidenum">
               <a:rPr lang="nl-NL" smtClean="0"/>
               <a:pPr/>
-              <a:t>‹#›</a:t>
+              <a:t>‹nr.›</a:t>
             </a:fld>
             <a:endParaRPr lang="nl-NL"/>
           </a:p>
@@ -3753,7 +3753,7 @@
           <a:lstStyle/>
           <a:p>
             <a:r>
-              <a:rPr lang="nl-NL" sz="4400" b="1" noProof="0" dirty="0" err="1" smtClean="0"/>
+              <a:rPr lang="nl-NL" sz="4400" b="1" noProof="0" dirty="0" smtClean="0"/>
               <a:t>PlaatSign</a:t>
             </a:r>
             <a:r>
@@ -3864,7 +3864,7 @@
     </p:spTree>
     <p:extLst>
       <p:ext uri="{BB962C8B-B14F-4D97-AF65-F5344CB8AC3E}">
-        <p14:creationId xmlns:p14="http://schemas.microsoft.com/office/powerpoint/2010/main" val="1900872650"/>
+        <p14:creationId xmlns:p14="http://schemas.microsoft.com/office/powerpoint/2010/main" xmlns="" val="1900872650"/>
       </p:ext>
     </p:extLst>
   </p:cSld>
@@ -3970,7 +3970,7 @@
           <a:blip r:embed="rId2" cstate="print">
             <a:extLst>
               <a:ext uri="{28A0092B-C50C-407E-A947-70E740481C1C}">
-                <a14:useLocalDpi xmlns:a14="http://schemas.microsoft.com/office/drawing/2010/main" val="0"/>
+                <a14:useLocalDpi xmlns:a14="http://schemas.microsoft.com/office/drawing/2010/main" xmlns="" val="0"/>
               </a:ext>
             </a:extLst>
           </a:blip>
@@ -3993,14 +3993,14 @@
           </a:ln>
           <a:extLst>
             <a:ext uri="{909E8E84-426E-40DD-AFC4-6F175D3DCCD1}">
-              <a14:hiddenFill xmlns:a14="http://schemas.microsoft.com/office/drawing/2010/main">
+              <a14:hiddenFill xmlns:a14="http://schemas.microsoft.com/office/drawing/2010/main" xmlns="">
                 <a:solidFill>
                   <a:schemeClr val="accent1"/>
                 </a:solidFill>
               </a14:hiddenFill>
             </a:ext>
             <a:ext uri="{91240B29-F687-4F45-9708-019B960494DF}">
-              <a14:hiddenLine xmlns:a14="http://schemas.microsoft.com/office/drawing/2010/main" w="9525">
+              <a14:hiddenLine xmlns:a14="http://schemas.microsoft.com/office/drawing/2010/main" xmlns="" w="9525">
                 <a:solidFill>
                   <a:schemeClr val="tx1"/>
                 </a:solidFill>
@@ -4015,7 +4015,7 @@
     </p:spTree>
     <p:extLst>
       <p:ext uri="{BB962C8B-B14F-4D97-AF65-F5344CB8AC3E}">
-        <p14:creationId xmlns:p14="http://schemas.microsoft.com/office/powerpoint/2010/main" val="1402062280"/>
+        <p14:creationId xmlns:p14="http://schemas.microsoft.com/office/powerpoint/2010/main" xmlns="" val="1402062280"/>
       </p:ext>
     </p:extLst>
   </p:cSld>
@@ -4101,23 +4101,7 @@
           <a:p>
             <a:r>
               <a:rPr lang="en-US" sz="2800" dirty="0" smtClean="0"/>
-              <a:t>Lets create an </a:t>
-            </a:r>
-            <a:r>
-              <a:rPr lang="en-US" sz="2800" dirty="0" smtClean="0"/>
-              <a:t>(web) application </a:t>
-            </a:r>
-            <a:r>
-              <a:rPr lang="en-US" sz="2800" dirty="0" smtClean="0"/>
-              <a:t>were digital content </a:t>
-            </a:r>
-            <a:r>
-              <a:rPr lang="en-US" sz="2800" dirty="0" smtClean="0"/>
-              <a:t>can be </a:t>
-            </a:r>
-            <a:r>
-              <a:rPr lang="en-US" sz="2800" dirty="0" smtClean="0"/>
-              <a:t>managed </a:t>
+              <a:t>Lets create an (web) application were digital content can be managed </a:t>
             </a:r>
           </a:p>
           <a:p>
@@ -4129,11 +4113,7 @@
           <a:p>
             <a:r>
               <a:rPr lang="en-US" sz="2800" dirty="0" smtClean="0"/>
-              <a:t>Use </a:t>
-            </a:r>
-            <a:r>
-              <a:rPr lang="en-US" sz="2800" dirty="0" smtClean="0"/>
-              <a:t>low cost hardware</a:t>
+              <a:t>Use low cost hardware</a:t>
             </a:r>
           </a:p>
         </p:txBody>
@@ -4150,7 +4130,7 @@
           <a:blip r:embed="rId2" cstate="print">
             <a:extLst>
               <a:ext uri="{28A0092B-C50C-407E-A947-70E740481C1C}">
-                <a14:useLocalDpi xmlns:a14="http://schemas.microsoft.com/office/drawing/2010/main" val="0"/>
+                <a14:useLocalDpi xmlns:a14="http://schemas.microsoft.com/office/drawing/2010/main" xmlns="" val="0"/>
               </a:ext>
             </a:extLst>
           </a:blip>
@@ -4173,14 +4153,14 @@
           </a:ln>
           <a:extLst>
             <a:ext uri="{909E8E84-426E-40DD-AFC4-6F175D3DCCD1}">
-              <a14:hiddenFill xmlns:a14="http://schemas.microsoft.com/office/drawing/2010/main">
+              <a14:hiddenFill xmlns:a14="http://schemas.microsoft.com/office/drawing/2010/main" xmlns="">
                 <a:solidFill>
                   <a:schemeClr val="accent1"/>
                 </a:solidFill>
               </a14:hiddenFill>
             </a:ext>
             <a:ext uri="{91240B29-F687-4F45-9708-019B960494DF}">
-              <a14:hiddenLine xmlns:a14="http://schemas.microsoft.com/office/drawing/2010/main" w="9525">
+              <a14:hiddenLine xmlns:a14="http://schemas.microsoft.com/office/drawing/2010/main" xmlns="" w="9525">
                 <a:solidFill>
                   <a:schemeClr val="tx1"/>
                 </a:solidFill>
@@ -4204,7 +4184,7 @@
           <a:blip r:embed="rId3" cstate="print">
             <a:extLst>
               <a:ext uri="{28A0092B-C50C-407E-A947-70E740481C1C}">
-                <a14:useLocalDpi xmlns:a14="http://schemas.microsoft.com/office/drawing/2010/main" val="0"/>
+                <a14:useLocalDpi xmlns:a14="http://schemas.microsoft.com/office/drawing/2010/main" xmlns="" val="0"/>
               </a:ext>
             </a:extLst>
           </a:blip>
@@ -4227,14 +4207,14 @@
           </a:ln>
           <a:extLst>
             <a:ext uri="{909E8E84-426E-40DD-AFC4-6F175D3DCCD1}">
-              <a14:hiddenFill xmlns:a14="http://schemas.microsoft.com/office/drawing/2010/main">
+              <a14:hiddenFill xmlns:a14="http://schemas.microsoft.com/office/drawing/2010/main" xmlns="">
                 <a:solidFill>
                   <a:schemeClr val="accent1"/>
                 </a:solidFill>
               </a14:hiddenFill>
             </a:ext>
             <a:ext uri="{91240B29-F687-4F45-9708-019B960494DF}">
-              <a14:hiddenLine xmlns:a14="http://schemas.microsoft.com/office/drawing/2010/main" w="9525">
+              <a14:hiddenLine xmlns:a14="http://schemas.microsoft.com/office/drawing/2010/main" xmlns="" w="9525">
                 <a:solidFill>
                   <a:schemeClr val="tx1"/>
                 </a:solidFill>
@@ -4249,7 +4229,7 @@
     </p:spTree>
     <p:extLst>
       <p:ext uri="{BB962C8B-B14F-4D97-AF65-F5344CB8AC3E}">
-        <p14:creationId xmlns:p14="http://schemas.microsoft.com/office/powerpoint/2010/main" val="643864294"/>
+        <p14:creationId xmlns:p14="http://schemas.microsoft.com/office/powerpoint/2010/main" xmlns="" val="643864294"/>
       </p:ext>
     </p:extLst>
   </p:cSld>
@@ -4304,12 +4284,8 @@
           <a:lstStyle/>
           <a:p>
             <a:r>
-              <a:rPr lang="en-US" sz="4400" dirty="0" err="1" smtClean="0"/>
-              <a:t>PlaatSign</a:t>
-            </a:r>
-            <a:r>
               <a:rPr lang="en-US" sz="4400" dirty="0" smtClean="0"/>
-              <a:t> - Features</a:t>
+              <a:t>PlaatSign - Features</a:t>
             </a:r>
             <a:endParaRPr lang="nl-NL" sz="4400" dirty="0"/>
           </a:p>
@@ -4370,12 +4346,12 @@
               <a:t>Display content </a:t>
             </a:r>
             <a:r>
-              <a:rPr lang="en-US" sz="2800" dirty="0" err="1" smtClean="0"/>
-              <a:t>realtime</a:t>
-            </a:r>
-            <a:r>
               <a:rPr lang="en-US" sz="2800" dirty="0" smtClean="0"/>
-              <a:t> on attached Full HD Monitor</a:t>
+              <a:t>real time </a:t>
+            </a:r>
+            <a:r>
+              <a:rPr lang="en-US" sz="2800" dirty="0" smtClean="0"/>
+              <a:t>on attached Full HD Monitor</a:t>
             </a:r>
           </a:p>
           <a:p>
@@ -4425,7 +4401,7 @@
           <a:noFill/>
           <a:extLst>
             <a:ext uri="{909E8E84-426E-40DD-AFC4-6F175D3DCCD1}">
-              <a14:hiddenFill xmlns:a14="http://schemas.microsoft.com/office/drawing/2010/main">
+              <a14:hiddenFill xmlns:a14="http://schemas.microsoft.com/office/drawing/2010/main" xmlns="">
                 <a:solidFill>
                   <a:srgbClr val="FFFFFF"/>
                 </a:solidFill>
@@ -4441,7 +4417,7 @@
           </a:bodyPr>
           <a:lstStyle/>
           <a:p>
-            <a:endParaRPr lang="nl-NL"/>
+            <a:endParaRPr lang="nl-NL" dirty="0"/>
           </a:p>
         </p:txBody>
       </p:sp>
@@ -4464,7 +4440,7 @@
           <a:noFill/>
           <a:extLst>
             <a:ext uri="{909E8E84-426E-40DD-AFC4-6F175D3DCCD1}">
-              <a14:hiddenFill xmlns:a14="http://schemas.microsoft.com/office/drawing/2010/main">
+              <a14:hiddenFill xmlns:a14="http://schemas.microsoft.com/office/drawing/2010/main" xmlns="">
                 <a:solidFill>
                   <a:srgbClr val="FFFFFF"/>
                 </a:solidFill>
@@ -4480,7 +4456,7 @@
           </a:bodyPr>
           <a:lstStyle/>
           <a:p>
-            <a:endParaRPr lang="nl-NL"/>
+            <a:endParaRPr lang="nl-NL" dirty="0"/>
           </a:p>
         </p:txBody>
       </p:sp>
@@ -4503,7 +4479,7 @@
           <a:noFill/>
           <a:extLst>
             <a:ext uri="{909E8E84-426E-40DD-AFC4-6F175D3DCCD1}">
-              <a14:hiddenFill xmlns:a14="http://schemas.microsoft.com/office/drawing/2010/main">
+              <a14:hiddenFill xmlns:a14="http://schemas.microsoft.com/office/drawing/2010/main" xmlns="">
                 <a:solidFill>
                   <a:srgbClr val="FFFFFF"/>
                 </a:solidFill>
@@ -4519,7 +4495,7 @@
           </a:bodyPr>
           <a:lstStyle/>
           <a:p>
-            <a:endParaRPr lang="nl-NL"/>
+            <a:endParaRPr lang="nl-NL" dirty="0"/>
           </a:p>
         </p:txBody>
       </p:sp>
@@ -4542,7 +4518,7 @@
           <a:noFill/>
           <a:extLst>
             <a:ext uri="{909E8E84-426E-40DD-AFC4-6F175D3DCCD1}">
-              <a14:hiddenFill xmlns:a14="http://schemas.microsoft.com/office/drawing/2010/main">
+              <a14:hiddenFill xmlns:a14="http://schemas.microsoft.com/office/drawing/2010/main" xmlns="">
                 <a:solidFill>
                   <a:srgbClr val="FFFFFF"/>
                 </a:solidFill>
@@ -4558,7 +4534,7 @@
           </a:bodyPr>
           <a:lstStyle/>
           <a:p>
-            <a:endParaRPr lang="nl-NL"/>
+            <a:endParaRPr lang="nl-NL" dirty="0"/>
           </a:p>
         </p:txBody>
       </p:sp>
@@ -4617,12 +4593,8 @@
           <a:lstStyle/>
           <a:p>
             <a:r>
-              <a:rPr lang="en-US" sz="4400" dirty="0" err="1" smtClean="0"/>
-              <a:t>PlaatSign</a:t>
-            </a:r>
-            <a:r>
               <a:rPr lang="en-US" sz="4400" dirty="0" smtClean="0"/>
-              <a:t> Software Architecture</a:t>
+              <a:t>PlaatSign Software Architecture</a:t>
             </a:r>
             <a:endParaRPr lang="nl-NL" sz="4400" dirty="0"/>
           </a:p>
@@ -5027,11 +4999,7 @@
           <a:p>
             <a:r>
               <a:rPr lang="en-US" dirty="0" smtClean="0"/>
-              <a:t> </a:t>
-            </a:r>
-            <a:r>
-              <a:rPr lang="en-US" dirty="0" smtClean="0"/>
-              <a:t>Linux Tools</a:t>
+              <a:t> Linux Tools</a:t>
             </a:r>
             <a:endParaRPr lang="nl-NL" dirty="0"/>
           </a:p>
@@ -5165,7 +5133,7 @@
     </p:spTree>
     <p:extLst>
       <p:ext uri="{BB962C8B-B14F-4D97-AF65-F5344CB8AC3E}">
-        <p14:creationId xmlns:p14="http://schemas.microsoft.com/office/powerpoint/2010/main" val="2896979787"/>
+        <p14:creationId xmlns:p14="http://schemas.microsoft.com/office/powerpoint/2010/main" xmlns="" val="2896979787"/>
       </p:ext>
     </p:extLst>
   </p:cSld>
@@ -5312,7 +5280,7 @@
           <a:noFill/>
           <a:extLst>
             <a:ext uri="{909E8E84-426E-40DD-AFC4-6F175D3DCCD1}">
-              <a14:hiddenFill xmlns:a14="http://schemas.microsoft.com/office/drawing/2010/main">
+              <a14:hiddenFill xmlns:a14="http://schemas.microsoft.com/office/drawing/2010/main" xmlns="">
                 <a:solidFill>
                   <a:srgbClr val="FFFFFF"/>
                 </a:solidFill>
@@ -5328,7 +5296,7 @@
           </a:bodyPr>
           <a:lstStyle/>
           <a:p>
-            <a:endParaRPr lang="nl-NL"/>
+            <a:endParaRPr lang="nl-NL" dirty="0"/>
           </a:p>
         </p:txBody>
       </p:sp>
@@ -5351,7 +5319,7 @@
           <a:noFill/>
           <a:extLst>
             <a:ext uri="{909E8E84-426E-40DD-AFC4-6F175D3DCCD1}">
-              <a14:hiddenFill xmlns:a14="http://schemas.microsoft.com/office/drawing/2010/main">
+              <a14:hiddenFill xmlns:a14="http://schemas.microsoft.com/office/drawing/2010/main" xmlns="">
                 <a:solidFill>
                   <a:srgbClr val="FFFFFF"/>
                 </a:solidFill>
@@ -5367,7 +5335,7 @@
           </a:bodyPr>
           <a:lstStyle/>
           <a:p>
-            <a:endParaRPr lang="nl-NL"/>
+            <a:endParaRPr lang="nl-NL" dirty="0"/>
           </a:p>
         </p:txBody>
       </p:sp>
@@ -5383,7 +5351,7 @@
           <a:blip r:embed="rId2" cstate="print">
             <a:extLst>
               <a:ext uri="{28A0092B-C50C-407E-A947-70E740481C1C}">
-                <a14:useLocalDpi xmlns:a14="http://schemas.microsoft.com/office/drawing/2010/main" val="0"/>
+                <a14:useLocalDpi xmlns:a14="http://schemas.microsoft.com/office/drawing/2010/main" xmlns="" val="0"/>
               </a:ext>
             </a:extLst>
           </a:blip>
@@ -5406,14 +5374,14 @@
           </a:ln>
           <a:extLst>
             <a:ext uri="{909E8E84-426E-40DD-AFC4-6F175D3DCCD1}">
-              <a14:hiddenFill xmlns:a14="http://schemas.microsoft.com/office/drawing/2010/main">
+              <a14:hiddenFill xmlns:a14="http://schemas.microsoft.com/office/drawing/2010/main" xmlns="">
                 <a:solidFill>
                   <a:schemeClr val="accent1"/>
                 </a:solidFill>
               </a14:hiddenFill>
             </a:ext>
             <a:ext uri="{91240B29-F687-4F45-9708-019B960494DF}">
-              <a14:hiddenLine xmlns:a14="http://schemas.microsoft.com/office/drawing/2010/main" w="9525">
+              <a14:hiddenLine xmlns:a14="http://schemas.microsoft.com/office/drawing/2010/main" xmlns="" w="9525">
                 <a:solidFill>
                   <a:schemeClr val="tx1"/>
                 </a:solidFill>
@@ -5437,7 +5405,7 @@
           <a:blip r:embed="rId3" cstate="print">
             <a:extLst>
               <a:ext uri="{28A0092B-C50C-407E-A947-70E740481C1C}">
-                <a14:useLocalDpi xmlns:a14="http://schemas.microsoft.com/office/drawing/2010/main" val="0"/>
+                <a14:useLocalDpi xmlns:a14="http://schemas.microsoft.com/office/drawing/2010/main" xmlns="" val="0"/>
               </a:ext>
             </a:extLst>
           </a:blip>
@@ -5460,14 +5428,14 @@
           </a:ln>
           <a:extLst>
             <a:ext uri="{909E8E84-426E-40DD-AFC4-6F175D3DCCD1}">
-              <a14:hiddenFill xmlns:a14="http://schemas.microsoft.com/office/drawing/2010/main">
+              <a14:hiddenFill xmlns:a14="http://schemas.microsoft.com/office/drawing/2010/main" xmlns="">
                 <a:solidFill>
                   <a:schemeClr val="accent1"/>
                 </a:solidFill>
               </a14:hiddenFill>
             </a:ext>
             <a:ext uri="{91240B29-F687-4F45-9708-019B960494DF}">
-              <a14:hiddenLine xmlns:a14="http://schemas.microsoft.com/office/drawing/2010/main" w="9525">
+              <a14:hiddenLine xmlns:a14="http://schemas.microsoft.com/office/drawing/2010/main" xmlns="" w="9525">
                 <a:solidFill>
                   <a:schemeClr val="tx1"/>
                 </a:solidFill>
@@ -5491,7 +5459,7 @@
           <a:blip r:embed="rId4" cstate="print">
             <a:extLst>
               <a:ext uri="{28A0092B-C50C-407E-A947-70E740481C1C}">
-                <a14:useLocalDpi xmlns:a14="http://schemas.microsoft.com/office/drawing/2010/main" val="0"/>
+                <a14:useLocalDpi xmlns:a14="http://schemas.microsoft.com/office/drawing/2010/main" xmlns="" val="0"/>
               </a:ext>
             </a:extLst>
           </a:blip>
@@ -5514,14 +5482,14 @@
           </a:ln>
           <a:extLst>
             <a:ext uri="{909E8E84-426E-40DD-AFC4-6F175D3DCCD1}">
-              <a14:hiddenFill xmlns:a14="http://schemas.microsoft.com/office/drawing/2010/main">
+              <a14:hiddenFill xmlns:a14="http://schemas.microsoft.com/office/drawing/2010/main" xmlns="">
                 <a:solidFill>
                   <a:schemeClr val="accent1"/>
                 </a:solidFill>
               </a14:hiddenFill>
             </a:ext>
             <a:ext uri="{91240B29-F687-4F45-9708-019B960494DF}">
-              <a14:hiddenLine xmlns:a14="http://schemas.microsoft.com/office/drawing/2010/main" w="9525">
+              <a14:hiddenLine xmlns:a14="http://schemas.microsoft.com/office/drawing/2010/main" xmlns="" w="9525">
                 <a:solidFill>
                   <a:schemeClr val="tx1"/>
                 </a:solidFill>
@@ -5545,7 +5513,7 @@
           <a:blip r:embed="rId5" cstate="print">
             <a:extLst>
               <a:ext uri="{28A0092B-C50C-407E-A947-70E740481C1C}">
-                <a14:useLocalDpi xmlns:a14="http://schemas.microsoft.com/office/drawing/2010/main" val="0"/>
+                <a14:useLocalDpi xmlns:a14="http://schemas.microsoft.com/office/drawing/2010/main" xmlns="" val="0"/>
               </a:ext>
             </a:extLst>
           </a:blip>
@@ -5568,14 +5536,14 @@
           </a:ln>
           <a:extLst>
             <a:ext uri="{909E8E84-426E-40DD-AFC4-6F175D3DCCD1}">
-              <a14:hiddenFill xmlns:a14="http://schemas.microsoft.com/office/drawing/2010/main">
+              <a14:hiddenFill xmlns:a14="http://schemas.microsoft.com/office/drawing/2010/main" xmlns="">
                 <a:solidFill>
                   <a:schemeClr val="accent1"/>
                 </a:solidFill>
               </a14:hiddenFill>
             </a:ext>
             <a:ext uri="{91240B29-F687-4F45-9708-019B960494DF}">
-              <a14:hiddenLine xmlns:a14="http://schemas.microsoft.com/office/drawing/2010/main" w="9525">
+              <a14:hiddenLine xmlns:a14="http://schemas.microsoft.com/office/drawing/2010/main" xmlns="" w="9525">
                 <a:solidFill>
                   <a:schemeClr val="tx1"/>
                 </a:solidFill>
@@ -5596,10 +5564,10 @@
           <p:nvPr/>
         </p:nvPicPr>
         <p:blipFill>
-          <a:blip r:embed="rId6">
+          <a:blip r:embed="rId6" cstate="print">
             <a:extLst>
               <a:ext uri="{28A0092B-C50C-407E-A947-70E740481C1C}">
-                <a14:useLocalDpi xmlns:a14="http://schemas.microsoft.com/office/drawing/2010/main" val="0"/>
+                <a14:useLocalDpi xmlns:a14="http://schemas.microsoft.com/office/drawing/2010/main" xmlns="" val="0"/>
               </a:ext>
             </a:extLst>
           </a:blip>
@@ -5619,7 +5587,7 @@
           <a:noFill/>
           <a:extLst>
             <a:ext uri="{909E8E84-426E-40DD-AFC4-6F175D3DCCD1}">
-              <a14:hiddenFill xmlns:a14="http://schemas.microsoft.com/office/drawing/2010/main">
+              <a14:hiddenFill xmlns:a14="http://schemas.microsoft.com/office/drawing/2010/main" xmlns="">
                 <a:solidFill>
                   <a:srgbClr val="FFFFFF"/>
                 </a:solidFill>
@@ -5631,7 +5599,7 @@
     </p:spTree>
     <p:extLst>
       <p:ext uri="{BB962C8B-B14F-4D97-AF65-F5344CB8AC3E}">
-        <p14:creationId xmlns:p14="http://schemas.microsoft.com/office/powerpoint/2010/main" val="653294516"/>
+        <p14:creationId xmlns:p14="http://schemas.microsoft.com/office/powerpoint/2010/main" xmlns="" val="653294516"/>
       </p:ext>
     </p:extLst>
   </p:cSld>
@@ -5677,7 +5645,7 @@
           <a:blip r:embed="rId2" cstate="print">
             <a:extLst>
               <a:ext uri="{28A0092B-C50C-407E-A947-70E740481C1C}">
-                <a14:useLocalDpi xmlns:a14="http://schemas.microsoft.com/office/drawing/2010/main" val="0"/>
+                <a14:useLocalDpi xmlns:a14="http://schemas.microsoft.com/office/drawing/2010/main" xmlns="" val="0"/>
               </a:ext>
             </a:extLst>
           </a:blip>
@@ -5700,14 +5668,14 @@
           </a:ln>
           <a:extLst>
             <a:ext uri="{909E8E84-426E-40DD-AFC4-6F175D3DCCD1}">
-              <a14:hiddenFill xmlns:a14="http://schemas.microsoft.com/office/drawing/2010/main">
+              <a14:hiddenFill xmlns:a14="http://schemas.microsoft.com/office/drawing/2010/main" xmlns="">
                 <a:solidFill>
                   <a:schemeClr val="accent1"/>
                 </a:solidFill>
               </a14:hiddenFill>
             </a:ext>
             <a:ext uri="{91240B29-F687-4F45-9708-019B960494DF}">
-              <a14:hiddenLine xmlns:a14="http://schemas.microsoft.com/office/drawing/2010/main" w="9525">
+              <a14:hiddenLine xmlns:a14="http://schemas.microsoft.com/office/drawing/2010/main" xmlns="" w="9525">
                 <a:solidFill>
                   <a:schemeClr val="tx1"/>
                 </a:solidFill>
@@ -5776,7 +5744,7 @@
           <a:p>
             <a:pPr algn="ctr"/>
             <a:r>
-              <a:rPr lang="en-US" sz="2400" dirty="0" err="1" smtClean="0"/>
+              <a:rPr lang="en-US" sz="2400" dirty="0" smtClean="0"/>
               <a:t>PlaatSign</a:t>
             </a:r>
             <a:r>
@@ -6599,12 +6567,8 @@
           <a:p>
             <a:pPr algn="ctr"/>
             <a:r>
-              <a:rPr lang="en-US" sz="1200" dirty="0" err="1" smtClean="0"/>
-              <a:t>PlaatSign</a:t>
-            </a:r>
-            <a:r>
               <a:rPr lang="en-US" sz="1200" dirty="0" smtClean="0"/>
-              <a:t> digital content</a:t>
+              <a:t>PlaatSign digital content</a:t>
             </a:r>
             <a:r>
               <a:rPr lang="nl-NL" sz="1200" dirty="0"/>
@@ -6936,8 +6900,8 @@
         </p:nvSpPr>
         <p:spPr>
           <a:xfrm>
-            <a:off x="4045399" y="3942658"/>
-            <a:ext cx="972108" cy="276999"/>
+            <a:off x="4355976" y="3933056"/>
+            <a:ext cx="670617" cy="276999"/>
           </a:xfrm>
           <a:prstGeom prst="rect">
             <a:avLst/>
@@ -6952,7 +6916,7 @@
           <a:p>
             <a:r>
               <a:rPr lang="en-US" sz="1200" dirty="0" smtClean="0"/>
-              <a:t>Ethernet</a:t>
+              <a:t>Wifi</a:t>
             </a:r>
             <a:endParaRPr lang="nl-NL" sz="1200" dirty="0"/>
           </a:p>
@@ -7338,7 +7302,7 @@
     </p:spTree>
     <p:extLst>
       <p:ext uri="{BB962C8B-B14F-4D97-AF65-F5344CB8AC3E}">
-        <p14:creationId xmlns:p14="http://schemas.microsoft.com/office/powerpoint/2010/main" val="3173729759"/>
+        <p14:creationId xmlns:p14="http://schemas.microsoft.com/office/powerpoint/2010/main" xmlns="" val="3173729759"/>
       </p:ext>
     </p:extLst>
   </p:cSld>
@@ -7650,7 +7614,7 @@
     </p:spTree>
     <p:extLst>
       <p:ext uri="{BB962C8B-B14F-4D97-AF65-F5344CB8AC3E}">
-        <p14:creationId xmlns:p14="http://schemas.microsoft.com/office/powerpoint/2010/main" val="3179312057"/>
+        <p14:creationId xmlns:p14="http://schemas.microsoft.com/office/powerpoint/2010/main" xmlns="" val="3179312057"/>
       </p:ext>
     </p:extLst>
   </p:cSld>

--- a/doc/ppt/PlaatSign Design.pptx
+++ b/doc/ppt/PlaatSign Design.pptx
@@ -14,12 +14,12 @@
     <p:sldId id="293" r:id="rId5"/>
     <p:sldId id="303" r:id="rId6"/>
     <p:sldId id="300" r:id="rId7"/>
-    <p:sldId id="323" r:id="rId8"/>
-    <p:sldId id="324" r:id="rId9"/>
-    <p:sldId id="325" r:id="rId10"/>
-    <p:sldId id="331" r:id="rId11"/>
-    <p:sldId id="332" r:id="rId12"/>
-    <p:sldId id="333" r:id="rId13"/>
+    <p:sldId id="334" r:id="rId8"/>
+    <p:sldId id="323" r:id="rId9"/>
+    <p:sldId id="324" r:id="rId10"/>
+    <p:sldId id="325" r:id="rId11"/>
+    <p:sldId id="331" r:id="rId12"/>
+    <p:sldId id="332" r:id="rId13"/>
     <p:sldId id="317" r:id="rId14"/>
   </p:sldIdLst>
   <p:sldSz cx="9144000" cy="6858000" type="screen4x3"/>
@@ -205,7 +205,7 @@
             <a:fld id="{AAA9B6CD-1D48-452A-A7F2-8CBBE02CC7D2}" type="datetimeFigureOut">
               <a:rPr lang="nl-NL" smtClean="0"/>
               <a:pPr/>
-              <a:t>2-10-2016</a:t>
+              <a:t>3-10-2016</a:t>
             </a:fld>
             <a:endParaRPr lang="nl-NL"/>
           </a:p>
@@ -367,7 +367,7 @@
             <a:fld id="{3F950F4F-C5AF-4494-B3CA-9201F9D52D46}" type="slidenum">
               <a:rPr lang="nl-NL" smtClean="0"/>
               <a:pPr/>
-              <a:t>‹nr.›</a:t>
+              <a:t>‹#›</a:t>
             </a:fld>
             <a:endParaRPr lang="nl-NL"/>
           </a:p>
@@ -376,7 +376,7 @@
     </p:spTree>
     <p:extLst>
       <p:ext uri="{BB962C8B-B14F-4D97-AF65-F5344CB8AC3E}">
-        <p14:creationId xmlns:p14="http://schemas.microsoft.com/office/powerpoint/2010/main" xmlns="" val="758923214"/>
+        <p14:creationId xmlns:p14="http://schemas.microsoft.com/office/powerpoint/2010/main" val="758923214"/>
       </p:ext>
     </p:extLst>
   </p:cSld>
@@ -669,7 +669,7 @@
             <a:fld id="{96BAE843-BE96-40CB-B634-F63C679A4CF5}" type="datetimeFigureOut">
               <a:rPr lang="nl-NL" smtClean="0"/>
               <a:pPr/>
-              <a:t>2-10-2016</a:t>
+              <a:t>3-10-2016</a:t>
             </a:fld>
             <a:endParaRPr lang="nl-NL"/>
           </a:p>
@@ -693,7 +693,7 @@
             <a:fld id="{727BD2AF-9C77-4256-BC44-28E620F1C4BA}" type="slidenum">
               <a:rPr lang="nl-NL" smtClean="0"/>
               <a:pPr/>
-              <a:t>‹nr.›</a:t>
+              <a:t>‹#›</a:t>
             </a:fld>
             <a:endParaRPr lang="nl-NL"/>
           </a:p>
@@ -836,7 +836,7 @@
             <a:fld id="{96BAE843-BE96-40CB-B634-F63C679A4CF5}" type="datetimeFigureOut">
               <a:rPr lang="nl-NL" smtClean="0"/>
               <a:pPr/>
-              <a:t>2-10-2016</a:t>
+              <a:t>3-10-2016</a:t>
             </a:fld>
             <a:endParaRPr lang="nl-NL"/>
           </a:p>
@@ -879,7 +879,7 @@
             <a:fld id="{727BD2AF-9C77-4256-BC44-28E620F1C4BA}" type="slidenum">
               <a:rPr lang="nl-NL" smtClean="0"/>
               <a:pPr/>
-              <a:t>‹nr.›</a:t>
+              <a:t>‹#›</a:t>
             </a:fld>
             <a:endParaRPr lang="nl-NL"/>
           </a:p>
@@ -1013,7 +1013,7 @@
             <a:fld id="{96BAE843-BE96-40CB-B634-F63C679A4CF5}" type="datetimeFigureOut">
               <a:rPr lang="nl-NL" smtClean="0"/>
               <a:pPr/>
-              <a:t>2-10-2016</a:t>
+              <a:t>3-10-2016</a:t>
             </a:fld>
             <a:endParaRPr lang="nl-NL"/>
           </a:p>
@@ -1056,7 +1056,7 @@
             <a:fld id="{727BD2AF-9C77-4256-BC44-28E620F1C4BA}" type="slidenum">
               <a:rPr lang="nl-NL" smtClean="0"/>
               <a:pPr/>
-              <a:t>‹nr.›</a:t>
+              <a:t>‹#›</a:t>
             </a:fld>
             <a:endParaRPr lang="nl-NL"/>
           </a:p>
@@ -1198,7 +1198,7 @@
             <a:fld id="{96BAE843-BE96-40CB-B634-F63C679A4CF5}" type="datetimeFigureOut">
               <a:rPr lang="nl-NL" smtClean="0"/>
               <a:pPr/>
-              <a:t>2-10-2016</a:t>
+              <a:t>3-10-2016</a:t>
             </a:fld>
             <a:endParaRPr lang="nl-NL"/>
           </a:p>
@@ -1241,7 +1241,7 @@
             <a:fld id="{727BD2AF-9C77-4256-BC44-28E620F1C4BA}" type="slidenum">
               <a:rPr lang="nl-NL" smtClean="0"/>
               <a:pPr/>
-              <a:t>‹nr.›</a:t>
+              <a:t>‹#›</a:t>
             </a:fld>
             <a:endParaRPr lang="nl-NL"/>
           </a:p>
@@ -1462,7 +1462,7 @@
             <a:fld id="{96BAE843-BE96-40CB-B634-F63C679A4CF5}" type="datetimeFigureOut">
               <a:rPr lang="nl-NL" smtClean="0"/>
               <a:pPr/>
-              <a:t>2-10-2016</a:t>
+              <a:t>3-10-2016</a:t>
             </a:fld>
             <a:endParaRPr lang="nl-NL"/>
           </a:p>
@@ -1505,7 +1505,7 @@
             <a:fld id="{727BD2AF-9C77-4256-BC44-28E620F1C4BA}" type="slidenum">
               <a:rPr lang="nl-NL" smtClean="0"/>
               <a:pPr/>
-              <a:t>‹nr.›</a:t>
+              <a:t>‹#›</a:t>
             </a:fld>
             <a:endParaRPr lang="nl-NL"/>
           </a:p>
@@ -1812,7 +1812,7 @@
             <a:fld id="{96BAE843-BE96-40CB-B634-F63C679A4CF5}" type="datetimeFigureOut">
               <a:rPr lang="nl-NL" smtClean="0"/>
               <a:pPr/>
-              <a:t>2-10-2016</a:t>
+              <a:t>3-10-2016</a:t>
             </a:fld>
             <a:endParaRPr lang="nl-NL"/>
           </a:p>
@@ -1855,7 +1855,7 @@
             <a:fld id="{727BD2AF-9C77-4256-BC44-28E620F1C4BA}" type="slidenum">
               <a:rPr lang="nl-NL" smtClean="0"/>
               <a:pPr/>
-              <a:t>‹nr.›</a:t>
+              <a:t>‹#›</a:t>
             </a:fld>
             <a:endParaRPr lang="nl-NL"/>
           </a:p>
@@ -2122,7 +2122,7 @@
             <a:fld id="{96BAE843-BE96-40CB-B634-F63C679A4CF5}" type="datetimeFigureOut">
               <a:rPr lang="nl-NL" smtClean="0"/>
               <a:pPr/>
-              <a:t>2-10-2016</a:t>
+              <a:t>3-10-2016</a:t>
             </a:fld>
             <a:endParaRPr lang="nl-NL"/>
           </a:p>
@@ -2165,7 +2165,7 @@
             <a:fld id="{727BD2AF-9C77-4256-BC44-28E620F1C4BA}" type="slidenum">
               <a:rPr lang="nl-NL" smtClean="0"/>
               <a:pPr/>
-              <a:t>‹nr.›</a:t>
+              <a:t>‹#›</a:t>
             </a:fld>
             <a:endParaRPr lang="nl-NL"/>
           </a:p>
@@ -2351,7 +2351,7 @@
             <a:fld id="{96BAE843-BE96-40CB-B634-F63C679A4CF5}" type="datetimeFigureOut">
               <a:rPr lang="nl-NL" smtClean="0"/>
               <a:pPr/>
-              <a:t>2-10-2016</a:t>
+              <a:t>3-10-2016</a:t>
             </a:fld>
             <a:endParaRPr lang="nl-NL"/>
           </a:p>
@@ -2394,7 +2394,7 @@
             <a:fld id="{727BD2AF-9C77-4256-BC44-28E620F1C4BA}" type="slidenum">
               <a:rPr lang="nl-NL" smtClean="0"/>
               <a:pPr/>
-              <a:t>‹nr.›</a:t>
+              <a:t>‹#›</a:t>
             </a:fld>
             <a:endParaRPr lang="nl-NL"/>
           </a:p>
@@ -2443,7 +2443,7 @@
             <a:fld id="{96BAE843-BE96-40CB-B634-F63C679A4CF5}" type="datetimeFigureOut">
               <a:rPr lang="nl-NL" smtClean="0"/>
               <a:pPr/>
-              <a:t>2-10-2016</a:t>
+              <a:t>3-10-2016</a:t>
             </a:fld>
             <a:endParaRPr lang="nl-NL"/>
           </a:p>
@@ -2486,7 +2486,7 @@
             <a:fld id="{727BD2AF-9C77-4256-BC44-28E620F1C4BA}" type="slidenum">
               <a:rPr lang="nl-NL" smtClean="0"/>
               <a:pPr/>
-              <a:t>‹nr.›</a:t>
+              <a:t>‹#›</a:t>
             </a:fld>
             <a:endParaRPr lang="nl-NL"/>
           </a:p>
@@ -2733,7 +2733,7 @@
             <a:fld id="{96BAE843-BE96-40CB-B634-F63C679A4CF5}" type="datetimeFigureOut">
               <a:rPr lang="nl-NL" smtClean="0"/>
               <a:pPr/>
-              <a:t>2-10-2016</a:t>
+              <a:t>3-10-2016</a:t>
             </a:fld>
             <a:endParaRPr lang="nl-NL"/>
           </a:p>
@@ -2776,7 +2776,7 @@
             <a:fld id="{727BD2AF-9C77-4256-BC44-28E620F1C4BA}" type="slidenum">
               <a:rPr lang="nl-NL" smtClean="0"/>
               <a:pPr/>
-              <a:t>‹nr.›</a:t>
+              <a:t>‹#›</a:t>
             </a:fld>
             <a:endParaRPr lang="nl-NL"/>
           </a:p>
@@ -3004,7 +3004,7 @@
             <a:fld id="{96BAE843-BE96-40CB-B634-F63C679A4CF5}" type="datetimeFigureOut">
               <a:rPr lang="nl-NL" smtClean="0"/>
               <a:pPr/>
-              <a:t>2-10-2016</a:t>
+              <a:t>3-10-2016</a:t>
             </a:fld>
             <a:endParaRPr lang="nl-NL"/>
           </a:p>
@@ -3047,7 +3047,7 @@
             <a:fld id="{727BD2AF-9C77-4256-BC44-28E620F1C4BA}" type="slidenum">
               <a:rPr lang="nl-NL" smtClean="0"/>
               <a:pPr/>
-              <a:t>‹nr.›</a:t>
+              <a:t>‹#›</a:t>
             </a:fld>
             <a:endParaRPr lang="nl-NL"/>
           </a:p>
@@ -3216,7 +3216,7 @@
             <a:fld id="{96BAE843-BE96-40CB-B634-F63C679A4CF5}" type="datetimeFigureOut">
               <a:rPr lang="nl-NL" smtClean="0"/>
               <a:pPr/>
-              <a:t>2-10-2016</a:t>
+              <a:t>3-10-2016</a:t>
             </a:fld>
             <a:endParaRPr lang="nl-NL"/>
           </a:p>
@@ -3299,7 +3299,7 @@
             <a:fld id="{727BD2AF-9C77-4256-BC44-28E620F1C4BA}" type="slidenum">
               <a:rPr lang="nl-NL" smtClean="0"/>
               <a:pPr/>
-              <a:t>‹nr.›</a:t>
+              <a:t>‹#›</a:t>
             </a:fld>
             <a:endParaRPr lang="nl-NL"/>
           </a:p>
@@ -3869,7 +3869,7 @@
     </p:spTree>
     <p:extLst>
       <p:ext uri="{BB962C8B-B14F-4D97-AF65-F5344CB8AC3E}">
-        <p14:creationId xmlns:p14="http://schemas.microsoft.com/office/powerpoint/2010/main" xmlns="" val="1900872650"/>
+        <p14:creationId xmlns:p14="http://schemas.microsoft.com/office/powerpoint/2010/main" val="1900872650"/>
       </p:ext>
     </p:extLst>
   </p:cSld>
@@ -3905,7 +3905,7 @@
       </p:grpSpPr>
       <p:pic>
         <p:nvPicPr>
-          <p:cNvPr id="3074" name="Picture 2" descr="C:\sources\plaatsoft\plaatsign.git\trunk\screenshots\plaatsign-content2.png"/>
+          <p:cNvPr id="2" name="Picture 2" descr="C:\sources\plaatsoft\plaatsign.git\trunk\screenshots\plaatsign-content1.png"/>
           <p:cNvPicPr>
             <a:picLocks noChangeAspect="1" noChangeArrowheads="1"/>
           </p:cNvPicPr>
@@ -3921,7 +3921,7 @@
         <p:spPr bwMode="auto">
           <a:xfrm>
             <a:off x="0" y="0"/>
-            <a:ext cx="9144000" cy="3743325"/>
+            <a:ext cx="9144000" cy="6858000"/>
           </a:xfrm>
           <a:prstGeom prst="rect">
             <a:avLst/>
@@ -3954,47 +3954,9 @@
           <a:chExt cx="0" cy="0"/>
         </a:xfrm>
       </p:grpSpPr>
-      <p:sp>
-        <p:nvSpPr>
-          <p:cNvPr id="2" name="Titel 1"/>
-          <p:cNvSpPr>
-            <a:spLocks noGrp="1"/>
-          </p:cNvSpPr>
-          <p:nvPr>
-            <p:ph type="title"/>
-          </p:nvPr>
-        </p:nvSpPr>
-        <p:spPr/>
-        <p:txBody>
-          <a:bodyPr/>
-          <a:lstStyle/>
-          <a:p>
-            <a:endParaRPr lang="nl-NL"/>
-          </a:p>
-        </p:txBody>
-      </p:sp>
-      <p:sp>
-        <p:nvSpPr>
-          <p:cNvPr id="3" name="Tijdelijke aanduiding voor inhoud 2"/>
-          <p:cNvSpPr>
-            <a:spLocks noGrp="1"/>
-          </p:cNvSpPr>
-          <p:nvPr>
-            <p:ph idx="1"/>
-          </p:nvPr>
-        </p:nvSpPr>
-        <p:spPr/>
-        <p:txBody>
-          <a:bodyPr/>
-          <a:lstStyle/>
-          <a:p>
-            <a:endParaRPr lang="nl-NL"/>
-          </a:p>
-        </p:txBody>
-      </p:sp>
       <p:pic>
         <p:nvPicPr>
-          <p:cNvPr id="4098" name="Picture 2" descr="C:\sources\plaatsoft\plaatsign.git\trunk\screenshots\plaatsign-content3.png"/>
+          <p:cNvPr id="3074" name="Picture 2" descr="C:\sources\plaatsoft\plaatsign.git\trunk\screenshots\plaatsign-content2.png"/>
           <p:cNvPicPr>
             <a:picLocks noChangeAspect="1" noChangeArrowheads="1"/>
           </p:cNvPicPr>
@@ -4009,8 +3971,8 @@
         </p:blipFill>
         <p:spPr bwMode="auto">
           <a:xfrm>
-            <a:off x="8061" y="9525"/>
-            <a:ext cx="9135939" cy="6848475"/>
+            <a:off x="0" y="0"/>
+            <a:ext cx="9144000" cy="3743325"/>
           </a:xfrm>
           <a:prstGeom prst="rect">
             <a:avLst/>
@@ -4083,7 +4045,7 @@
       </p:sp>
       <p:pic>
         <p:nvPicPr>
-          <p:cNvPr id="6146" name="Picture 2" descr="C:\sources\plaatsoft\plaatsign.git\trunk\src\examples\images\background.jpg"/>
+          <p:cNvPr id="4098" name="Picture 2" descr="C:\sources\plaatsoft\plaatsign.git\trunk\screenshots\plaatsign-content3.png"/>
           <p:cNvPicPr>
             <a:picLocks noChangeAspect="1" noChangeArrowheads="1"/>
           </p:cNvPicPr>
@@ -4098,8 +4060,8 @@
         </p:blipFill>
         <p:spPr bwMode="auto">
           <a:xfrm>
-            <a:off x="-1" y="0"/>
-            <a:ext cx="9144001" cy="6858000"/>
+            <a:off x="8061" y="9525"/>
+            <a:ext cx="9135939" cy="6848475"/>
           </a:xfrm>
           <a:prstGeom prst="rect">
             <a:avLst/>
@@ -4410,7 +4372,7 @@
     </p:spTree>
     <p:extLst>
       <p:ext uri="{BB962C8B-B14F-4D97-AF65-F5344CB8AC3E}">
-        <p14:creationId xmlns:p14="http://schemas.microsoft.com/office/powerpoint/2010/main" xmlns="" val="3179312057"/>
+        <p14:creationId xmlns:p14="http://schemas.microsoft.com/office/powerpoint/2010/main" val="3179312057"/>
       </p:ext>
     </p:extLst>
   </p:cSld>
@@ -4516,7 +4478,7 @@
           <a:blip r:embed="rId2" cstate="print">
             <a:extLst>
               <a:ext uri="{28A0092B-C50C-407E-A947-70E740481C1C}">
-                <a14:useLocalDpi xmlns:a14="http://schemas.microsoft.com/office/drawing/2010/main" xmlns="" val="0"/>
+                <a14:useLocalDpi xmlns:a14="http://schemas.microsoft.com/office/drawing/2010/main" val="0"/>
               </a:ext>
             </a:extLst>
           </a:blip>
@@ -4539,14 +4501,14 @@
           </a:ln>
           <a:extLst>
             <a:ext uri="{909E8E84-426E-40DD-AFC4-6F175D3DCCD1}">
-              <a14:hiddenFill xmlns:a14="http://schemas.microsoft.com/office/drawing/2010/main" xmlns="">
+              <a14:hiddenFill xmlns:a14="http://schemas.microsoft.com/office/drawing/2010/main">
                 <a:solidFill>
                   <a:schemeClr val="accent1"/>
                 </a:solidFill>
               </a14:hiddenFill>
             </a:ext>
             <a:ext uri="{91240B29-F687-4F45-9708-019B960494DF}">
-              <a14:hiddenLine xmlns:a14="http://schemas.microsoft.com/office/drawing/2010/main" xmlns="" w="9525">
+              <a14:hiddenLine xmlns:a14="http://schemas.microsoft.com/office/drawing/2010/main" w="9525">
                 <a:solidFill>
                   <a:schemeClr val="tx1"/>
                 </a:solidFill>
@@ -4561,7 +4523,7 @@
     </p:spTree>
     <p:extLst>
       <p:ext uri="{BB962C8B-B14F-4D97-AF65-F5344CB8AC3E}">
-        <p14:creationId xmlns:p14="http://schemas.microsoft.com/office/powerpoint/2010/main" xmlns="" val="1402062280"/>
+        <p14:creationId xmlns:p14="http://schemas.microsoft.com/office/powerpoint/2010/main" val="1402062280"/>
       </p:ext>
     </p:extLst>
   </p:cSld>
@@ -4676,7 +4638,7 @@
           <a:blip r:embed="rId2" cstate="print">
             <a:extLst>
               <a:ext uri="{28A0092B-C50C-407E-A947-70E740481C1C}">
-                <a14:useLocalDpi xmlns:a14="http://schemas.microsoft.com/office/drawing/2010/main" xmlns="" val="0"/>
+                <a14:useLocalDpi xmlns:a14="http://schemas.microsoft.com/office/drawing/2010/main" val="0"/>
               </a:ext>
             </a:extLst>
           </a:blip>
@@ -4699,14 +4661,14 @@
           </a:ln>
           <a:extLst>
             <a:ext uri="{909E8E84-426E-40DD-AFC4-6F175D3DCCD1}">
-              <a14:hiddenFill xmlns:a14="http://schemas.microsoft.com/office/drawing/2010/main" xmlns="">
+              <a14:hiddenFill xmlns:a14="http://schemas.microsoft.com/office/drawing/2010/main">
                 <a:solidFill>
                   <a:schemeClr val="accent1"/>
                 </a:solidFill>
               </a14:hiddenFill>
             </a:ext>
             <a:ext uri="{91240B29-F687-4F45-9708-019B960494DF}">
-              <a14:hiddenLine xmlns:a14="http://schemas.microsoft.com/office/drawing/2010/main" xmlns="" w="9525">
+              <a14:hiddenLine xmlns:a14="http://schemas.microsoft.com/office/drawing/2010/main" w="9525">
                 <a:solidFill>
                   <a:schemeClr val="tx1"/>
                 </a:solidFill>
@@ -4730,7 +4692,7 @@
           <a:blip r:embed="rId3" cstate="print">
             <a:extLst>
               <a:ext uri="{28A0092B-C50C-407E-A947-70E740481C1C}">
-                <a14:useLocalDpi xmlns:a14="http://schemas.microsoft.com/office/drawing/2010/main" xmlns="" val="0"/>
+                <a14:useLocalDpi xmlns:a14="http://schemas.microsoft.com/office/drawing/2010/main" val="0"/>
               </a:ext>
             </a:extLst>
           </a:blip>
@@ -4753,14 +4715,14 @@
           </a:ln>
           <a:extLst>
             <a:ext uri="{909E8E84-426E-40DD-AFC4-6F175D3DCCD1}">
-              <a14:hiddenFill xmlns:a14="http://schemas.microsoft.com/office/drawing/2010/main" xmlns="">
+              <a14:hiddenFill xmlns:a14="http://schemas.microsoft.com/office/drawing/2010/main">
                 <a:solidFill>
                   <a:schemeClr val="accent1"/>
                 </a:solidFill>
               </a14:hiddenFill>
             </a:ext>
             <a:ext uri="{91240B29-F687-4F45-9708-019B960494DF}">
-              <a14:hiddenLine xmlns:a14="http://schemas.microsoft.com/office/drawing/2010/main" xmlns="" w="9525">
+              <a14:hiddenLine xmlns:a14="http://schemas.microsoft.com/office/drawing/2010/main" w="9525">
                 <a:solidFill>
                   <a:schemeClr val="tx1"/>
                 </a:solidFill>
@@ -4775,7 +4737,7 @@
     </p:spTree>
     <p:extLst>
       <p:ext uri="{BB962C8B-B14F-4D97-AF65-F5344CB8AC3E}">
-        <p14:creationId xmlns:p14="http://schemas.microsoft.com/office/powerpoint/2010/main" xmlns="" val="643864294"/>
+        <p14:creationId xmlns:p14="http://schemas.microsoft.com/office/powerpoint/2010/main" val="643864294"/>
       </p:ext>
     </p:extLst>
   </p:cSld>
@@ -4876,11 +4838,7 @@
             <a:pPr lvl="1"/>
             <a:r>
               <a:rPr lang="en-US" sz="2800" dirty="0" smtClean="0"/>
-              <a:t>MP4 </a:t>
-            </a:r>
-            <a:r>
-              <a:rPr lang="en-US" sz="2800" dirty="0" smtClean="0"/>
-              <a:t>Video</a:t>
+              <a:t>MP4 Video</a:t>
             </a:r>
           </a:p>
           <a:p>
@@ -4889,7 +4847,6 @@
               <a:rPr lang="en-US" sz="2800" dirty="0" smtClean="0"/>
               <a:t>Scripts</a:t>
             </a:r>
-            <a:endParaRPr lang="en-US" sz="2800" dirty="0" smtClean="0"/>
           </a:p>
           <a:p>
             <a:r>
@@ -4944,7 +4901,7 @@
           <a:noFill/>
           <a:extLst>
             <a:ext uri="{909E8E84-426E-40DD-AFC4-6F175D3DCCD1}">
-              <a14:hiddenFill xmlns:a14="http://schemas.microsoft.com/office/drawing/2010/main" xmlns="">
+              <a14:hiddenFill xmlns:a14="http://schemas.microsoft.com/office/drawing/2010/main">
                 <a:solidFill>
                   <a:srgbClr val="FFFFFF"/>
                 </a:solidFill>
@@ -4983,7 +4940,7 @@
           <a:noFill/>
           <a:extLst>
             <a:ext uri="{909E8E84-426E-40DD-AFC4-6F175D3DCCD1}">
-              <a14:hiddenFill xmlns:a14="http://schemas.microsoft.com/office/drawing/2010/main" xmlns="">
+              <a14:hiddenFill xmlns:a14="http://schemas.microsoft.com/office/drawing/2010/main">
                 <a:solidFill>
                   <a:srgbClr val="FFFFFF"/>
                 </a:solidFill>
@@ -5022,7 +4979,7 @@
           <a:noFill/>
           <a:extLst>
             <a:ext uri="{909E8E84-426E-40DD-AFC4-6F175D3DCCD1}">
-              <a14:hiddenFill xmlns:a14="http://schemas.microsoft.com/office/drawing/2010/main" xmlns="">
+              <a14:hiddenFill xmlns:a14="http://schemas.microsoft.com/office/drawing/2010/main">
                 <a:solidFill>
                   <a:srgbClr val="FFFFFF"/>
                 </a:solidFill>
@@ -5061,7 +5018,7 @@
           <a:noFill/>
           <a:extLst>
             <a:ext uri="{909E8E84-426E-40DD-AFC4-6F175D3DCCD1}">
-              <a14:hiddenFill xmlns:a14="http://schemas.microsoft.com/office/drawing/2010/main" xmlns="">
+              <a14:hiddenFill xmlns:a14="http://schemas.microsoft.com/office/drawing/2010/main">
                 <a:solidFill>
                   <a:srgbClr val="FFFFFF"/>
                 </a:solidFill>
@@ -5669,7 +5626,7 @@
     </p:spTree>
     <p:extLst>
       <p:ext uri="{BB962C8B-B14F-4D97-AF65-F5344CB8AC3E}">
-        <p14:creationId xmlns:p14="http://schemas.microsoft.com/office/powerpoint/2010/main" xmlns="" val="2896979787"/>
+        <p14:creationId xmlns:p14="http://schemas.microsoft.com/office/powerpoint/2010/main" val="2896979787"/>
       </p:ext>
     </p:extLst>
   </p:cSld>
@@ -5816,7 +5773,7 @@
           <a:noFill/>
           <a:extLst>
             <a:ext uri="{909E8E84-426E-40DD-AFC4-6F175D3DCCD1}">
-              <a14:hiddenFill xmlns:a14="http://schemas.microsoft.com/office/drawing/2010/main" xmlns="">
+              <a14:hiddenFill xmlns:a14="http://schemas.microsoft.com/office/drawing/2010/main">
                 <a:solidFill>
                   <a:srgbClr val="FFFFFF"/>
                 </a:solidFill>
@@ -5855,7 +5812,7 @@
           <a:noFill/>
           <a:extLst>
             <a:ext uri="{909E8E84-426E-40DD-AFC4-6F175D3DCCD1}">
-              <a14:hiddenFill xmlns:a14="http://schemas.microsoft.com/office/drawing/2010/main" xmlns="">
+              <a14:hiddenFill xmlns:a14="http://schemas.microsoft.com/office/drawing/2010/main">
                 <a:solidFill>
                   <a:srgbClr val="FFFFFF"/>
                 </a:solidFill>
@@ -5887,7 +5844,7 @@
           <a:blip r:embed="rId2" cstate="print">
             <a:extLst>
               <a:ext uri="{28A0092B-C50C-407E-A947-70E740481C1C}">
-                <a14:useLocalDpi xmlns:a14="http://schemas.microsoft.com/office/drawing/2010/main" xmlns="" val="0"/>
+                <a14:useLocalDpi xmlns:a14="http://schemas.microsoft.com/office/drawing/2010/main" val="0"/>
               </a:ext>
             </a:extLst>
           </a:blip>
@@ -5910,14 +5867,14 @@
           </a:ln>
           <a:extLst>
             <a:ext uri="{909E8E84-426E-40DD-AFC4-6F175D3DCCD1}">
-              <a14:hiddenFill xmlns:a14="http://schemas.microsoft.com/office/drawing/2010/main" xmlns="">
+              <a14:hiddenFill xmlns:a14="http://schemas.microsoft.com/office/drawing/2010/main">
                 <a:solidFill>
                   <a:schemeClr val="accent1"/>
                 </a:solidFill>
               </a14:hiddenFill>
             </a:ext>
             <a:ext uri="{91240B29-F687-4F45-9708-019B960494DF}">
-              <a14:hiddenLine xmlns:a14="http://schemas.microsoft.com/office/drawing/2010/main" xmlns="" w="9525">
+              <a14:hiddenLine xmlns:a14="http://schemas.microsoft.com/office/drawing/2010/main" w="9525">
                 <a:solidFill>
                   <a:schemeClr val="tx1"/>
                 </a:solidFill>
@@ -5941,7 +5898,7 @@
           <a:blip r:embed="rId3" cstate="print">
             <a:extLst>
               <a:ext uri="{28A0092B-C50C-407E-A947-70E740481C1C}">
-                <a14:useLocalDpi xmlns:a14="http://schemas.microsoft.com/office/drawing/2010/main" xmlns="" val="0"/>
+                <a14:useLocalDpi xmlns:a14="http://schemas.microsoft.com/office/drawing/2010/main" val="0"/>
               </a:ext>
             </a:extLst>
           </a:blip>
@@ -5964,14 +5921,14 @@
           </a:ln>
           <a:extLst>
             <a:ext uri="{909E8E84-426E-40DD-AFC4-6F175D3DCCD1}">
-              <a14:hiddenFill xmlns:a14="http://schemas.microsoft.com/office/drawing/2010/main" xmlns="">
+              <a14:hiddenFill xmlns:a14="http://schemas.microsoft.com/office/drawing/2010/main">
                 <a:solidFill>
                   <a:schemeClr val="accent1"/>
                 </a:solidFill>
               </a14:hiddenFill>
             </a:ext>
             <a:ext uri="{91240B29-F687-4F45-9708-019B960494DF}">
-              <a14:hiddenLine xmlns:a14="http://schemas.microsoft.com/office/drawing/2010/main" xmlns="" w="9525">
+              <a14:hiddenLine xmlns:a14="http://schemas.microsoft.com/office/drawing/2010/main" w="9525">
                 <a:solidFill>
                   <a:schemeClr val="tx1"/>
                 </a:solidFill>
@@ -5995,7 +5952,7 @@
           <a:blip r:embed="rId4" cstate="print">
             <a:extLst>
               <a:ext uri="{28A0092B-C50C-407E-A947-70E740481C1C}">
-                <a14:useLocalDpi xmlns:a14="http://schemas.microsoft.com/office/drawing/2010/main" xmlns="" val="0"/>
+                <a14:useLocalDpi xmlns:a14="http://schemas.microsoft.com/office/drawing/2010/main" val="0"/>
               </a:ext>
             </a:extLst>
           </a:blip>
@@ -6018,14 +5975,14 @@
           </a:ln>
           <a:extLst>
             <a:ext uri="{909E8E84-426E-40DD-AFC4-6F175D3DCCD1}">
-              <a14:hiddenFill xmlns:a14="http://schemas.microsoft.com/office/drawing/2010/main" xmlns="">
+              <a14:hiddenFill xmlns:a14="http://schemas.microsoft.com/office/drawing/2010/main">
                 <a:solidFill>
                   <a:schemeClr val="accent1"/>
                 </a:solidFill>
               </a14:hiddenFill>
             </a:ext>
             <a:ext uri="{91240B29-F687-4F45-9708-019B960494DF}">
-              <a14:hiddenLine xmlns:a14="http://schemas.microsoft.com/office/drawing/2010/main" xmlns="" w="9525">
+              <a14:hiddenLine xmlns:a14="http://schemas.microsoft.com/office/drawing/2010/main" w="9525">
                 <a:solidFill>
                   <a:schemeClr val="tx1"/>
                 </a:solidFill>
@@ -6049,7 +6006,7 @@
           <a:blip r:embed="rId5" cstate="print">
             <a:extLst>
               <a:ext uri="{28A0092B-C50C-407E-A947-70E740481C1C}">
-                <a14:useLocalDpi xmlns:a14="http://schemas.microsoft.com/office/drawing/2010/main" xmlns="" val="0"/>
+                <a14:useLocalDpi xmlns:a14="http://schemas.microsoft.com/office/drawing/2010/main" val="0"/>
               </a:ext>
             </a:extLst>
           </a:blip>
@@ -6072,14 +6029,14 @@
           </a:ln>
           <a:extLst>
             <a:ext uri="{909E8E84-426E-40DD-AFC4-6F175D3DCCD1}">
-              <a14:hiddenFill xmlns:a14="http://schemas.microsoft.com/office/drawing/2010/main" xmlns="">
+              <a14:hiddenFill xmlns:a14="http://schemas.microsoft.com/office/drawing/2010/main">
                 <a:solidFill>
                   <a:schemeClr val="accent1"/>
                 </a:solidFill>
               </a14:hiddenFill>
             </a:ext>
             <a:ext uri="{91240B29-F687-4F45-9708-019B960494DF}">
-              <a14:hiddenLine xmlns:a14="http://schemas.microsoft.com/office/drawing/2010/main" xmlns="" w="9525">
+              <a14:hiddenLine xmlns:a14="http://schemas.microsoft.com/office/drawing/2010/main" w="9525">
                 <a:solidFill>
                   <a:schemeClr val="tx1"/>
                 </a:solidFill>
@@ -6103,7 +6060,7 @@
           <a:blip r:embed="rId6" cstate="print">
             <a:extLst>
               <a:ext uri="{28A0092B-C50C-407E-A947-70E740481C1C}">
-                <a14:useLocalDpi xmlns:a14="http://schemas.microsoft.com/office/drawing/2010/main" xmlns="" val="0"/>
+                <a14:useLocalDpi xmlns:a14="http://schemas.microsoft.com/office/drawing/2010/main" val="0"/>
               </a:ext>
             </a:extLst>
           </a:blip>
@@ -6123,7 +6080,7 @@
           <a:noFill/>
           <a:extLst>
             <a:ext uri="{909E8E84-426E-40DD-AFC4-6F175D3DCCD1}">
-              <a14:hiddenFill xmlns:a14="http://schemas.microsoft.com/office/drawing/2010/main" xmlns="">
+              <a14:hiddenFill xmlns:a14="http://schemas.microsoft.com/office/drawing/2010/main">
                 <a:solidFill>
                   <a:srgbClr val="FFFFFF"/>
                 </a:solidFill>
@@ -6135,7 +6092,7 @@
     </p:spTree>
     <p:extLst>
       <p:ext uri="{BB962C8B-B14F-4D97-AF65-F5344CB8AC3E}">
-        <p14:creationId xmlns:p14="http://schemas.microsoft.com/office/powerpoint/2010/main" xmlns="" val="653294516"/>
+        <p14:creationId xmlns:p14="http://schemas.microsoft.com/office/powerpoint/2010/main" val="653294516"/>
       </p:ext>
     </p:extLst>
   </p:cSld>
@@ -6181,7 +6138,7 @@
           <a:blip r:embed="rId2" cstate="print">
             <a:extLst>
               <a:ext uri="{28A0092B-C50C-407E-A947-70E740481C1C}">
-                <a14:useLocalDpi xmlns:a14="http://schemas.microsoft.com/office/drawing/2010/main" xmlns="" val="0"/>
+                <a14:useLocalDpi xmlns:a14="http://schemas.microsoft.com/office/drawing/2010/main" val="0"/>
               </a:ext>
             </a:extLst>
           </a:blip>
@@ -6192,8 +6149,8 @@
         </p:blipFill>
         <p:spPr bwMode="auto">
           <a:xfrm>
-            <a:off x="5367729" y="5137211"/>
-            <a:ext cx="2368981" cy="1454226"/>
+            <a:off x="4407252" y="3325609"/>
+            <a:ext cx="3264531" cy="2003970"/>
           </a:xfrm>
           <a:prstGeom prst="rect">
             <a:avLst/>
@@ -6204,14 +6161,14 @@
           </a:ln>
           <a:extLst>
             <a:ext uri="{909E8E84-426E-40DD-AFC4-6F175D3DCCD1}">
-              <a14:hiddenFill xmlns:a14="http://schemas.microsoft.com/office/drawing/2010/main" xmlns="">
+              <a14:hiddenFill xmlns:a14="http://schemas.microsoft.com/office/drawing/2010/main">
                 <a:solidFill>
                   <a:schemeClr val="accent1"/>
                 </a:solidFill>
               </a14:hiddenFill>
             </a:ext>
             <a:ext uri="{91240B29-F687-4F45-9708-019B960494DF}">
-              <a14:hiddenLine xmlns:a14="http://schemas.microsoft.com/office/drawing/2010/main" xmlns="" w="9525">
+              <a14:hiddenLine xmlns:a14="http://schemas.microsoft.com/office/drawing/2010/main" w="9525">
                 <a:solidFill>
                   <a:schemeClr val="tx1"/>
                 </a:solidFill>
@@ -6231,8 +6188,8 @@
         </p:nvSpPr>
         <p:spPr>
           <a:xfrm>
-            <a:off x="5580112" y="3155570"/>
-            <a:ext cx="1944216" cy="1384995"/>
+            <a:off x="5060615" y="1653389"/>
+            <a:ext cx="1944216" cy="1015663"/>
           </a:xfrm>
           <a:prstGeom prst="rect">
             <a:avLst/>
@@ -6273,33 +6230,27 @@
           <a:p>
             <a:pPr algn="ctr"/>
             <a:r>
-              <a:rPr lang="en-US" sz="2400" dirty="0" smtClean="0"/>
-              <a:t>PlaatEnergy</a:t>
-            </a:r>
-          </a:p>
-          <a:p>
-            <a:pPr algn="ctr"/>
-            <a:r>
-              <a:rPr lang="en-US" sz="2400" dirty="0" smtClean="0"/>
+              <a:rPr lang="en-US" sz="2400" dirty="0" err="1" smtClean="0"/>
               <a:t>PlaatSign</a:t>
             </a:r>
             <a:r>
               <a:rPr lang="en-US" dirty="0" smtClean="0"/>
               <a:t> </a:t>
             </a:r>
-          </a:p>
-        </p:txBody>
-      </p:sp>
-      <p:sp>
-        <p:nvSpPr>
-          <p:cNvPr id="5" name="Tekstvak 5"/>
+            <a:endParaRPr lang="en-US" dirty="0" smtClean="0"/>
+          </a:p>
+        </p:txBody>
+      </p:sp>
+      <p:sp>
+        <p:nvSpPr>
+          <p:cNvPr id="17" name="Tekstvak 49"/>
           <p:cNvSpPr txBox="1"/>
           <p:nvPr/>
         </p:nvSpPr>
         <p:spPr>
           <a:xfrm>
-            <a:off x="251520" y="2728681"/>
-            <a:ext cx="1512168" cy="646331"/>
+            <a:off x="2151513" y="1969689"/>
+            <a:ext cx="1584176" cy="369332"/>
           </a:xfrm>
           <a:prstGeom prst="rect">
             <a:avLst/>
@@ -6330,29 +6281,198 @@
             <a:pPr algn="ctr"/>
             <a:r>
               <a:rPr lang="en-US" dirty="0" smtClean="0"/>
-              <a:t>Hosola Solar </a:t>
-            </a:r>
-          </a:p>
+              <a:t>Wifi Router</a:t>
+            </a:r>
+            <a:endParaRPr lang="nl-NL" dirty="0"/>
+          </a:p>
+        </p:txBody>
+      </p:sp>
+      <p:pic>
+        <p:nvPicPr>
+          <p:cNvPr id="18" name="Picture 9" descr="http://ic.tweakimg.net/ext/i/1272126825.jpeg"/>
+          <p:cNvPicPr>
+            <a:picLocks noChangeAspect="1" noChangeArrowheads="1"/>
+          </p:cNvPicPr>
+          <p:nvPr/>
+        </p:nvPicPr>
+        <p:blipFill>
+          <a:blip r:embed="rId3" cstate="print"/>
+          <a:srcRect/>
+          <a:stretch>
+            <a:fillRect/>
+          </a:stretch>
+        </p:blipFill>
+        <p:spPr bwMode="auto">
+          <a:xfrm>
+            <a:off x="2325009" y="4458825"/>
+            <a:ext cx="1643216" cy="1396733"/>
+          </a:xfrm>
+          <a:prstGeom prst="rect">
+            <a:avLst/>
+          </a:prstGeom>
+          <a:noFill/>
+        </p:spPr>
+      </p:pic>
+      <p:sp>
+        <p:nvSpPr>
+          <p:cNvPr id="20" name="Tekstvak 87"/>
+          <p:cNvSpPr txBox="1"/>
+          <p:nvPr/>
+        </p:nvSpPr>
+        <p:spPr>
+          <a:xfrm>
+            <a:off x="2979605" y="2424007"/>
+            <a:ext cx="1044116" cy="276999"/>
+          </a:xfrm>
+          <a:prstGeom prst="rect">
+            <a:avLst/>
+          </a:prstGeom>
+          <a:noFill/>
+        </p:spPr>
+        <p:txBody>
+          <a:bodyPr wrap="square" rtlCol="0">
+            <a:spAutoFit/>
+          </a:bodyPr>
+          <a:lstStyle/>
+          <a:p>
+            <a:r>
+              <a:rPr lang="en-US" sz="1200" dirty="0" smtClean="0"/>
+              <a:t>Ethernet</a:t>
+            </a:r>
+            <a:endParaRPr lang="nl-NL" sz="1200" dirty="0"/>
+          </a:p>
+        </p:txBody>
+      </p:sp>
+      <p:sp>
+        <p:nvSpPr>
+          <p:cNvPr id="28" name="Tekstvak 119"/>
+          <p:cNvSpPr txBox="1"/>
+          <p:nvPr/>
+        </p:nvSpPr>
+        <p:spPr>
+          <a:xfrm>
+            <a:off x="3274800" y="5589240"/>
+            <a:ext cx="1573165" cy="646331"/>
+          </a:xfrm>
+          <a:prstGeom prst="rect">
+            <a:avLst/>
+          </a:prstGeom>
+          <a:noFill/>
+        </p:spPr>
+        <p:txBody>
+          <a:bodyPr wrap="square" rtlCol="0">
+            <a:spAutoFit/>
+          </a:bodyPr>
+          <a:lstStyle/>
           <a:p>
             <a:pPr algn="ctr"/>
             <a:r>
-              <a:rPr lang="en-US" dirty="0" smtClean="0"/>
-              <a:t>Converter</a:t>
-            </a:r>
-            <a:endParaRPr lang="nl-NL" dirty="0"/>
-          </a:p>
-        </p:txBody>
-      </p:sp>
-      <p:sp>
-        <p:nvSpPr>
-          <p:cNvPr id="6" name="Tekstvak 6"/>
+              <a:rPr lang="en-US" sz="1200" dirty="0" smtClean="0"/>
+              <a:t>Digital </a:t>
+            </a:r>
+            <a:r>
+              <a:rPr lang="en-US" sz="1200" dirty="0" smtClean="0"/>
+              <a:t>content</a:t>
+            </a:r>
+            <a:r>
+              <a:rPr lang="nl-NL" sz="1200" dirty="0"/>
+              <a:t> </a:t>
+            </a:r>
+            <a:r>
+              <a:rPr lang="nl-NL" sz="1200" dirty="0" smtClean="0"/>
+              <a:t>can </a:t>
+            </a:r>
+            <a:r>
+              <a:rPr lang="nl-NL" sz="1200" dirty="0" err="1" smtClean="0"/>
+              <a:t>be</a:t>
+            </a:r>
+            <a:r>
+              <a:rPr lang="nl-NL" sz="1200" dirty="0" smtClean="0"/>
+              <a:t> </a:t>
+            </a:r>
+            <a:r>
+              <a:rPr lang="nl-NL" sz="1200" dirty="0" err="1" smtClean="0"/>
+              <a:t>managed</a:t>
+            </a:r>
+            <a:r>
+              <a:rPr lang="nl-NL" sz="1200" dirty="0" smtClean="0"/>
+              <a:t> </a:t>
+            </a:r>
+            <a:r>
+              <a:rPr lang="nl-NL" sz="1200" dirty="0" err="1" smtClean="0"/>
+              <a:t>remotely</a:t>
+            </a:r>
+            <a:endParaRPr lang="en-US" sz="1200" dirty="0" smtClean="0"/>
+          </a:p>
+        </p:txBody>
+      </p:sp>
+      <p:sp>
+        <p:nvSpPr>
+          <p:cNvPr id="29" name="Tekstvak 120"/>
           <p:cNvSpPr txBox="1"/>
           <p:nvPr/>
         </p:nvSpPr>
         <p:spPr>
           <a:xfrm>
-            <a:off x="7254376" y="1150022"/>
-            <a:ext cx="1673728" cy="646331"/>
+            <a:off x="5430658" y="5352584"/>
+            <a:ext cx="1332529" cy="646331"/>
+          </a:xfrm>
+          <a:prstGeom prst="rect">
+            <a:avLst/>
+          </a:prstGeom>
+          <a:noFill/>
+        </p:spPr>
+        <p:txBody>
+          <a:bodyPr wrap="square" rtlCol="0">
+            <a:spAutoFit/>
+          </a:bodyPr>
+          <a:lstStyle/>
+          <a:p>
+            <a:pPr algn="ctr"/>
+            <a:r>
+              <a:rPr lang="en-US" sz="1200" dirty="0" smtClean="0"/>
+              <a:t>Digital </a:t>
+            </a:r>
+            <a:r>
+              <a:rPr lang="en-US" sz="1200" dirty="0" smtClean="0"/>
+              <a:t>content</a:t>
+            </a:r>
+          </a:p>
+          <a:p>
+            <a:pPr algn="ctr"/>
+            <a:r>
+              <a:rPr lang="en-US" sz="1200" dirty="0"/>
+              <a:t>i</a:t>
+            </a:r>
+            <a:r>
+              <a:rPr lang="en-US" sz="1200" dirty="0" smtClean="0"/>
+              <a:t>s displayed </a:t>
+            </a:r>
+            <a:r>
+              <a:rPr lang="en-US" sz="1200" dirty="0" smtClean="0"/>
+              <a:t>on  </a:t>
+            </a:r>
+            <a:endParaRPr lang="en-US" sz="1200" dirty="0" smtClean="0"/>
+          </a:p>
+          <a:p>
+            <a:pPr algn="ctr"/>
+            <a:r>
+              <a:rPr lang="en-US" sz="1200" dirty="0" smtClean="0"/>
+              <a:t>monitor </a:t>
+            </a:r>
+          </a:p>
+        </p:txBody>
+      </p:sp>
+      <p:sp>
+        <p:nvSpPr>
+          <p:cNvPr id="31" name="Tekstvak 69"/>
+          <p:cNvSpPr txBox="1"/>
+          <p:nvPr/>
+        </p:nvSpPr>
+        <p:spPr>
+          <a:xfrm>
+            <a:off x="2151513" y="2747176"/>
+            <a:ext cx="1584176" cy="369332"/>
           </a:xfrm>
           <a:prstGeom prst="rect">
             <a:avLst/>
@@ -6383,936 +6503,7 @@
             <a:pPr algn="ctr"/>
             <a:r>
               <a:rPr lang="en-US" dirty="0" smtClean="0"/>
-              <a:t>Digital Energy</a:t>
-            </a:r>
-          </a:p>
-          <a:p>
-            <a:pPr algn="ctr"/>
-            <a:r>
-              <a:rPr lang="en-US" dirty="0" smtClean="0"/>
-              <a:t>Meter</a:t>
-            </a:r>
-          </a:p>
-        </p:txBody>
-      </p:sp>
-      <p:sp>
-        <p:nvSpPr>
-          <p:cNvPr id="7" name="Tekstvak 7"/>
-          <p:cNvSpPr txBox="1"/>
-          <p:nvPr/>
-        </p:nvSpPr>
-        <p:spPr>
-          <a:xfrm>
-            <a:off x="7254375" y="2230142"/>
-            <a:ext cx="1673728" cy="646331"/>
-          </a:xfrm>
-          <a:prstGeom prst="rect">
-            <a:avLst/>
-          </a:prstGeom>
-        </p:spPr>
-        <p:style>
-          <a:lnRef idx="2">
-            <a:schemeClr val="accent2">
-              <a:shade val="50000"/>
-            </a:schemeClr>
-          </a:lnRef>
-          <a:fillRef idx="1">
-            <a:schemeClr val="accent2"/>
-          </a:fillRef>
-          <a:effectRef idx="0">
-            <a:schemeClr val="accent2"/>
-          </a:effectRef>
-          <a:fontRef idx="minor">
-            <a:schemeClr val="lt1"/>
-          </a:fontRef>
-        </p:style>
-        <p:txBody>
-          <a:bodyPr wrap="square" rtlCol="0">
-            <a:spAutoFit/>
-          </a:bodyPr>
-          <a:lstStyle/>
-          <a:p>
-            <a:pPr algn="ctr"/>
-            <a:r>
-              <a:rPr lang="en-US" dirty="0" smtClean="0"/>
-              <a:t>Digital Gas</a:t>
-            </a:r>
-          </a:p>
-          <a:p>
-            <a:pPr algn="ctr"/>
-            <a:r>
-              <a:rPr lang="en-US" dirty="0" smtClean="0"/>
-              <a:t>Meter</a:t>
-            </a:r>
-          </a:p>
-        </p:txBody>
-      </p:sp>
-      <p:pic>
-        <p:nvPicPr>
-          <p:cNvPr id="8" name="Picture 7"/>
-          <p:cNvPicPr>
-            <a:picLocks noChangeAspect="1" noChangeArrowheads="1"/>
-          </p:cNvPicPr>
-          <p:nvPr/>
-        </p:nvPicPr>
-        <p:blipFill>
-          <a:blip r:embed="rId3" cstate="print"/>
-          <a:srcRect/>
-          <a:stretch>
-            <a:fillRect/>
-          </a:stretch>
-        </p:blipFill>
-        <p:spPr bwMode="auto">
-          <a:xfrm>
-            <a:off x="251520" y="1288521"/>
-            <a:ext cx="1584176" cy="1173480"/>
-          </a:xfrm>
-          <a:prstGeom prst="rect">
-            <a:avLst/>
-          </a:prstGeom>
-          <a:noFill/>
-          <a:ln w="9525">
-            <a:noFill/>
-            <a:miter lim="800000"/>
-            <a:headEnd/>
-            <a:tailEnd/>
-          </a:ln>
-        </p:spPr>
-      </p:pic>
-      <p:cxnSp>
-        <p:nvCxnSpPr>
-          <p:cNvPr id="9" name="Rechte verbindingslijn met pijl 23"/>
-          <p:cNvCxnSpPr/>
-          <p:nvPr/>
-        </p:nvCxnSpPr>
-        <p:spPr>
-          <a:xfrm>
-            <a:off x="6552219" y="1462154"/>
-            <a:ext cx="864096" cy="11033"/>
-          </a:xfrm>
-          <a:prstGeom prst="straightConnector1">
-            <a:avLst/>
-          </a:prstGeom>
-          <a:ln w="38100">
-            <a:headEnd type="none" w="med" len="med"/>
-            <a:tailEnd type="none" w="med" len="med"/>
-          </a:ln>
-        </p:spPr>
-        <p:style>
-          <a:lnRef idx="1">
-            <a:schemeClr val="accent2"/>
-          </a:lnRef>
-          <a:fillRef idx="0">
-            <a:schemeClr val="accent2"/>
-          </a:fillRef>
-          <a:effectRef idx="0">
-            <a:schemeClr val="accent2"/>
-          </a:effectRef>
-          <a:fontRef idx="minor">
-            <a:schemeClr val="tx1"/>
-          </a:fontRef>
-        </p:style>
-      </p:cxnSp>
-      <p:cxnSp>
-        <p:nvCxnSpPr>
-          <p:cNvPr id="10" name="Rechte verbindingslijn met pijl 36"/>
-          <p:cNvCxnSpPr>
-            <a:endCxn id="8" idx="2"/>
-          </p:cNvCxnSpPr>
-          <p:nvPr/>
-        </p:nvCxnSpPr>
-        <p:spPr>
-          <a:xfrm flipV="1">
-            <a:off x="1043608" y="2462001"/>
-            <a:ext cx="0" cy="266680"/>
-          </a:xfrm>
-          <a:prstGeom prst="straightConnector1">
-            <a:avLst/>
-          </a:prstGeom>
-          <a:ln w="38100">
-            <a:headEnd type="none" w="med" len="med"/>
-            <a:tailEnd type="none" w="med" len="med"/>
-          </a:ln>
-        </p:spPr>
-        <p:style>
-          <a:lnRef idx="1">
-            <a:schemeClr val="accent2"/>
-          </a:lnRef>
-          <a:fillRef idx="0">
-            <a:schemeClr val="accent2"/>
-          </a:fillRef>
-          <a:effectRef idx="0">
-            <a:schemeClr val="accent2"/>
-          </a:effectRef>
-          <a:fontRef idx="minor">
-            <a:schemeClr val="tx1"/>
-          </a:fontRef>
-        </p:style>
-      </p:cxnSp>
-      <p:sp>
-        <p:nvSpPr>
-          <p:cNvPr id="11" name="Tekstvak 37"/>
-          <p:cNvSpPr txBox="1"/>
-          <p:nvPr/>
-        </p:nvSpPr>
-        <p:spPr>
-          <a:xfrm>
-            <a:off x="3923928" y="2728681"/>
-            <a:ext cx="1512168" cy="646331"/>
-          </a:xfrm>
-          <a:prstGeom prst="rect">
-            <a:avLst/>
-          </a:prstGeom>
-        </p:spPr>
-        <p:style>
-          <a:lnRef idx="2">
-            <a:schemeClr val="accent2">
-              <a:shade val="50000"/>
-            </a:schemeClr>
-          </a:lnRef>
-          <a:fillRef idx="1">
-            <a:schemeClr val="accent2"/>
-          </a:fillRef>
-          <a:effectRef idx="0">
-            <a:schemeClr val="accent2"/>
-          </a:effectRef>
-          <a:fontRef idx="minor">
-            <a:schemeClr val="lt1"/>
-          </a:fontRef>
-        </p:style>
-        <p:txBody>
-          <a:bodyPr wrap="square" rtlCol="0">
-            <a:spAutoFit/>
-          </a:bodyPr>
-          <a:lstStyle/>
-          <a:p>
-            <a:pPr algn="ctr"/>
-            <a:r>
-              <a:rPr lang="en-US" dirty="0"/>
-              <a:t>Hosola Solar </a:t>
-            </a:r>
-            <a:endParaRPr lang="en-US" dirty="0" smtClean="0"/>
-          </a:p>
-          <a:p>
-            <a:pPr algn="ctr"/>
-            <a:r>
-              <a:rPr lang="en-US" dirty="0" smtClean="0"/>
-              <a:t>Converter</a:t>
-            </a:r>
-            <a:endParaRPr lang="nl-NL" dirty="0"/>
-          </a:p>
-        </p:txBody>
-      </p:sp>
-      <p:sp>
-        <p:nvSpPr>
-          <p:cNvPr id="12" name="Tekstvak 38"/>
-          <p:cNvSpPr txBox="1"/>
-          <p:nvPr/>
-        </p:nvSpPr>
-        <p:spPr>
-          <a:xfrm>
-            <a:off x="2051720" y="2728681"/>
-            <a:ext cx="1512168" cy="646331"/>
-          </a:xfrm>
-          <a:prstGeom prst="rect">
-            <a:avLst/>
-          </a:prstGeom>
-        </p:spPr>
-        <p:style>
-          <a:lnRef idx="2">
-            <a:schemeClr val="accent2">
-              <a:shade val="50000"/>
-            </a:schemeClr>
-          </a:lnRef>
-          <a:fillRef idx="1">
-            <a:schemeClr val="accent2"/>
-          </a:fillRef>
-          <a:effectRef idx="0">
-            <a:schemeClr val="accent2"/>
-          </a:effectRef>
-          <a:fontRef idx="minor">
-            <a:schemeClr val="lt1"/>
-          </a:fontRef>
-        </p:style>
-        <p:txBody>
-          <a:bodyPr wrap="square" rtlCol="0">
-            <a:spAutoFit/>
-          </a:bodyPr>
-          <a:lstStyle/>
-          <a:p>
-            <a:pPr algn="ctr"/>
-            <a:r>
-              <a:rPr lang="en-US" dirty="0"/>
-              <a:t>Hosola Solar </a:t>
-            </a:r>
-            <a:endParaRPr lang="en-US" dirty="0" smtClean="0"/>
-          </a:p>
-          <a:p>
-            <a:pPr algn="ctr"/>
-            <a:r>
-              <a:rPr lang="en-US" dirty="0" smtClean="0"/>
-              <a:t>Converter</a:t>
-            </a:r>
-            <a:endParaRPr lang="nl-NL" dirty="0"/>
-          </a:p>
-        </p:txBody>
-      </p:sp>
-      <p:pic>
-        <p:nvPicPr>
-          <p:cNvPr id="13" name="Picture 7"/>
-          <p:cNvPicPr>
-            <a:picLocks noChangeAspect="1" noChangeArrowheads="1"/>
-          </p:cNvPicPr>
-          <p:nvPr/>
-        </p:nvPicPr>
-        <p:blipFill>
-          <a:blip r:embed="rId3" cstate="print"/>
-          <a:srcRect/>
-          <a:stretch>
-            <a:fillRect/>
-          </a:stretch>
-        </p:blipFill>
-        <p:spPr bwMode="auto">
-          <a:xfrm>
-            <a:off x="1979712" y="1288521"/>
-            <a:ext cx="1584176" cy="1173480"/>
-          </a:xfrm>
-          <a:prstGeom prst="rect">
-            <a:avLst/>
-          </a:prstGeom>
-          <a:noFill/>
-          <a:ln w="9525">
-            <a:noFill/>
-            <a:miter lim="800000"/>
-            <a:headEnd/>
-            <a:tailEnd/>
-          </a:ln>
-        </p:spPr>
-      </p:pic>
-      <p:pic>
-        <p:nvPicPr>
-          <p:cNvPr id="14" name="Picture 7"/>
-          <p:cNvPicPr>
-            <a:picLocks noChangeAspect="1" noChangeArrowheads="1"/>
-          </p:cNvPicPr>
-          <p:nvPr/>
-        </p:nvPicPr>
-        <p:blipFill>
-          <a:blip r:embed="rId3" cstate="print"/>
-          <a:srcRect/>
-          <a:stretch>
-            <a:fillRect/>
-          </a:stretch>
-        </p:blipFill>
-        <p:spPr bwMode="auto">
-          <a:xfrm>
-            <a:off x="3851920" y="1283641"/>
-            <a:ext cx="1584176" cy="1173480"/>
-          </a:xfrm>
-          <a:prstGeom prst="rect">
-            <a:avLst/>
-          </a:prstGeom>
-          <a:noFill/>
-          <a:ln w="9525">
-            <a:noFill/>
-            <a:miter lim="800000"/>
-            <a:headEnd/>
-            <a:tailEnd/>
-          </a:ln>
-        </p:spPr>
-      </p:pic>
-      <p:cxnSp>
-        <p:nvCxnSpPr>
-          <p:cNvPr id="15" name="Rechte verbindingslijn met pijl 46"/>
-          <p:cNvCxnSpPr>
-            <a:endCxn id="13" idx="2"/>
-          </p:cNvCxnSpPr>
-          <p:nvPr/>
-        </p:nvCxnSpPr>
-        <p:spPr>
-          <a:xfrm flipV="1">
-            <a:off x="2771800" y="2462001"/>
-            <a:ext cx="0" cy="266680"/>
-          </a:xfrm>
-          <a:prstGeom prst="straightConnector1">
-            <a:avLst/>
-          </a:prstGeom>
-          <a:ln w="38100">
-            <a:headEnd type="none" w="med" len="med"/>
-            <a:tailEnd type="none" w="med" len="med"/>
-          </a:ln>
-        </p:spPr>
-        <p:style>
-          <a:lnRef idx="1">
-            <a:schemeClr val="accent2"/>
-          </a:lnRef>
-          <a:fillRef idx="0">
-            <a:schemeClr val="accent2"/>
-          </a:fillRef>
-          <a:effectRef idx="0">
-            <a:schemeClr val="accent2"/>
-          </a:effectRef>
-          <a:fontRef idx="minor">
-            <a:schemeClr val="tx1"/>
-          </a:fontRef>
-        </p:style>
-      </p:cxnSp>
-      <p:cxnSp>
-        <p:nvCxnSpPr>
-          <p:cNvPr id="16" name="Rechte verbindingslijn met pijl 47"/>
-          <p:cNvCxnSpPr>
-            <a:endCxn id="14" idx="2"/>
-          </p:cNvCxnSpPr>
-          <p:nvPr/>
-        </p:nvCxnSpPr>
-        <p:spPr>
-          <a:xfrm flipV="1">
-            <a:off x="4644008" y="2457121"/>
-            <a:ext cx="0" cy="266680"/>
-          </a:xfrm>
-          <a:prstGeom prst="straightConnector1">
-            <a:avLst/>
-          </a:prstGeom>
-          <a:ln w="38100">
-            <a:headEnd type="none" w="med" len="med"/>
-            <a:tailEnd type="none" w="med" len="med"/>
-          </a:ln>
-        </p:spPr>
-        <p:style>
-          <a:lnRef idx="1">
-            <a:schemeClr val="accent2"/>
-          </a:lnRef>
-          <a:fillRef idx="0">
-            <a:schemeClr val="accent2"/>
-          </a:fillRef>
-          <a:effectRef idx="0">
-            <a:schemeClr val="accent2"/>
-          </a:effectRef>
-          <a:fontRef idx="minor">
-            <a:schemeClr val="tx1"/>
-          </a:fontRef>
-        </p:style>
-      </p:cxnSp>
-      <p:sp>
-        <p:nvSpPr>
-          <p:cNvPr id="17" name="Tekstvak 49"/>
-          <p:cNvSpPr txBox="1"/>
-          <p:nvPr/>
-        </p:nvSpPr>
-        <p:spPr>
-          <a:xfrm>
-            <a:off x="1835696" y="4019666"/>
-            <a:ext cx="1584176" cy="369332"/>
-          </a:xfrm>
-          <a:prstGeom prst="rect">
-            <a:avLst/>
-          </a:prstGeom>
-        </p:spPr>
-        <p:style>
-          <a:lnRef idx="2">
-            <a:schemeClr val="accent2">
-              <a:shade val="50000"/>
-            </a:schemeClr>
-          </a:lnRef>
-          <a:fillRef idx="1">
-            <a:schemeClr val="accent2"/>
-          </a:fillRef>
-          <a:effectRef idx="0">
-            <a:schemeClr val="accent2"/>
-          </a:effectRef>
-          <a:fontRef idx="minor">
-            <a:schemeClr val="lt1"/>
-          </a:fontRef>
-        </p:style>
-        <p:txBody>
-          <a:bodyPr wrap="square" rtlCol="0">
-            <a:spAutoFit/>
-          </a:bodyPr>
-          <a:lstStyle/>
-          <a:p>
-            <a:pPr algn="ctr"/>
-            <a:r>
-              <a:rPr lang="en-US" dirty="0" smtClean="0"/>
-              <a:t>Wifi Router</a:t>
-            </a:r>
-            <a:endParaRPr lang="nl-NL" dirty="0"/>
-          </a:p>
-        </p:txBody>
-      </p:sp>
-      <p:pic>
-        <p:nvPicPr>
-          <p:cNvPr id="18" name="Picture 9" descr="http://ic.tweakimg.net/ext/i/1272126825.jpeg"/>
-          <p:cNvPicPr>
-            <a:picLocks noChangeAspect="1" noChangeArrowheads="1"/>
-          </p:cNvPicPr>
-          <p:nvPr/>
-        </p:nvPicPr>
-        <p:blipFill>
-          <a:blip r:embed="rId4" cstate="print"/>
-          <a:srcRect/>
-          <a:stretch>
-            <a:fillRect/>
-          </a:stretch>
-        </p:blipFill>
-        <p:spPr bwMode="auto">
-          <a:xfrm>
-            <a:off x="3592432" y="5186215"/>
-            <a:ext cx="1584176" cy="1346549"/>
-          </a:xfrm>
-          <a:prstGeom prst="rect">
-            <a:avLst/>
-          </a:prstGeom>
-          <a:noFill/>
-        </p:spPr>
-      </p:pic>
-      <p:pic>
-        <p:nvPicPr>
-          <p:cNvPr id="19" name="Picture 10"/>
-          <p:cNvPicPr>
-            <a:picLocks noChangeAspect="1" noChangeArrowheads="1"/>
-          </p:cNvPicPr>
-          <p:nvPr/>
-        </p:nvPicPr>
-        <p:blipFill>
-          <a:blip r:embed="rId5" cstate="print"/>
-          <a:srcRect/>
-          <a:stretch>
-            <a:fillRect/>
-          </a:stretch>
-        </p:blipFill>
-        <p:spPr bwMode="auto">
-          <a:xfrm>
-            <a:off x="3671900" y="5359644"/>
-            <a:ext cx="936104" cy="576064"/>
-          </a:xfrm>
-          <a:prstGeom prst="rect">
-            <a:avLst/>
-          </a:prstGeom>
-          <a:noFill/>
-          <a:ln w="9525">
-            <a:noFill/>
-            <a:miter lim="800000"/>
-            <a:headEnd/>
-            <a:tailEnd/>
-          </a:ln>
-        </p:spPr>
-      </p:pic>
-      <p:sp>
-        <p:nvSpPr>
-          <p:cNvPr id="20" name="Tekstvak 87"/>
-          <p:cNvSpPr txBox="1"/>
-          <p:nvPr/>
-        </p:nvSpPr>
-        <p:spPr>
-          <a:xfrm>
-            <a:off x="2663788" y="4473984"/>
-            <a:ext cx="1044116" cy="276999"/>
-          </a:xfrm>
-          <a:prstGeom prst="rect">
-            <a:avLst/>
-          </a:prstGeom>
-          <a:noFill/>
-        </p:spPr>
-        <p:txBody>
-          <a:bodyPr wrap="square" rtlCol="0">
-            <a:spAutoFit/>
-          </a:bodyPr>
-          <a:lstStyle/>
-          <a:p>
-            <a:r>
-              <a:rPr lang="en-US" sz="1200" dirty="0" smtClean="0"/>
-              <a:t>Ethernet</a:t>
-            </a:r>
-            <a:endParaRPr lang="nl-NL" sz="1200" dirty="0"/>
-          </a:p>
-        </p:txBody>
-      </p:sp>
-      <p:sp>
-        <p:nvSpPr>
-          <p:cNvPr id="21" name="Tekstvak 88"/>
-          <p:cNvSpPr txBox="1"/>
-          <p:nvPr/>
-        </p:nvSpPr>
-        <p:spPr>
-          <a:xfrm>
-            <a:off x="3563888" y="3417978"/>
-            <a:ext cx="576064" cy="276999"/>
-          </a:xfrm>
-          <a:prstGeom prst="rect">
-            <a:avLst/>
-          </a:prstGeom>
-          <a:noFill/>
-        </p:spPr>
-        <p:txBody>
-          <a:bodyPr wrap="square" rtlCol="0">
-            <a:spAutoFit/>
-          </a:bodyPr>
-          <a:lstStyle/>
-          <a:p>
-            <a:r>
-              <a:rPr lang="en-US" sz="1200" dirty="0" smtClean="0"/>
-              <a:t>Wifi</a:t>
-            </a:r>
-            <a:endParaRPr lang="nl-NL" sz="1200" dirty="0"/>
-          </a:p>
-        </p:txBody>
-      </p:sp>
-      <p:sp>
-        <p:nvSpPr>
-          <p:cNvPr id="22" name="Tekstvak 89"/>
-          <p:cNvSpPr txBox="1"/>
-          <p:nvPr/>
-        </p:nvSpPr>
-        <p:spPr>
-          <a:xfrm>
-            <a:off x="2716016" y="3433761"/>
-            <a:ext cx="576064" cy="276999"/>
-          </a:xfrm>
-          <a:prstGeom prst="rect">
-            <a:avLst/>
-          </a:prstGeom>
-          <a:noFill/>
-        </p:spPr>
-        <p:txBody>
-          <a:bodyPr wrap="square" rtlCol="0">
-            <a:spAutoFit/>
-          </a:bodyPr>
-          <a:lstStyle/>
-          <a:p>
-            <a:r>
-              <a:rPr lang="en-US" sz="1200" dirty="0" smtClean="0"/>
-              <a:t>Wifi</a:t>
-            </a:r>
-            <a:endParaRPr lang="nl-NL" sz="1200" dirty="0"/>
-          </a:p>
-        </p:txBody>
-      </p:sp>
-      <p:sp>
-        <p:nvSpPr>
-          <p:cNvPr id="23" name="Tekstvak 90"/>
-          <p:cNvSpPr txBox="1"/>
-          <p:nvPr/>
-        </p:nvSpPr>
-        <p:spPr>
-          <a:xfrm>
-            <a:off x="1691680" y="3465922"/>
-            <a:ext cx="576064" cy="276999"/>
-          </a:xfrm>
-          <a:prstGeom prst="rect">
-            <a:avLst/>
-          </a:prstGeom>
-          <a:noFill/>
-        </p:spPr>
-        <p:txBody>
-          <a:bodyPr wrap="square" rtlCol="0">
-            <a:spAutoFit/>
-          </a:bodyPr>
-          <a:lstStyle/>
-          <a:p>
-            <a:r>
-              <a:rPr lang="en-US" sz="1200" dirty="0" smtClean="0"/>
-              <a:t>Wifi</a:t>
-            </a:r>
-            <a:endParaRPr lang="nl-NL" sz="1200" dirty="0"/>
-          </a:p>
-        </p:txBody>
-      </p:sp>
-      <p:sp>
-        <p:nvSpPr>
-          <p:cNvPr id="26" name="Tekstvak 116"/>
-          <p:cNvSpPr txBox="1"/>
-          <p:nvPr/>
-        </p:nvSpPr>
-        <p:spPr>
-          <a:xfrm>
-            <a:off x="7254375" y="1875261"/>
-            <a:ext cx="864096" cy="276999"/>
-          </a:xfrm>
-          <a:prstGeom prst="rect">
-            <a:avLst/>
-          </a:prstGeom>
-          <a:noFill/>
-        </p:spPr>
-        <p:txBody>
-          <a:bodyPr wrap="square" rtlCol="0">
-            <a:spAutoFit/>
-          </a:bodyPr>
-          <a:lstStyle/>
-          <a:p>
-            <a:r>
-              <a:rPr lang="en-US" sz="1200" dirty="0" smtClean="0"/>
-              <a:t>Bluetooth</a:t>
-            </a:r>
-            <a:endParaRPr lang="nl-NL" sz="1200" dirty="0"/>
-          </a:p>
-        </p:txBody>
-      </p:sp>
-      <p:pic>
-        <p:nvPicPr>
-          <p:cNvPr id="27" name="Picture 10"/>
-          <p:cNvPicPr>
-            <a:picLocks noChangeAspect="1" noChangeArrowheads="1"/>
-          </p:cNvPicPr>
-          <p:nvPr/>
-        </p:nvPicPr>
-        <p:blipFill>
-          <a:blip r:embed="rId5" cstate="print"/>
-          <a:srcRect/>
-          <a:stretch>
-            <a:fillRect/>
-          </a:stretch>
-        </p:blipFill>
-        <p:spPr bwMode="auto">
-          <a:xfrm>
-            <a:off x="5487417" y="5212444"/>
-            <a:ext cx="2129605" cy="1276254"/>
-          </a:xfrm>
-          <a:prstGeom prst="rect">
-            <a:avLst/>
-          </a:prstGeom>
-          <a:noFill/>
-          <a:ln w="9525">
-            <a:noFill/>
-            <a:miter lim="800000"/>
-            <a:headEnd/>
-            <a:tailEnd/>
-          </a:ln>
-        </p:spPr>
-      </p:pic>
-      <p:sp>
-        <p:nvSpPr>
-          <p:cNvPr id="28" name="Tekstvak 119"/>
-          <p:cNvSpPr txBox="1"/>
-          <p:nvPr/>
-        </p:nvSpPr>
-        <p:spPr>
-          <a:xfrm>
-            <a:off x="3586265" y="4520154"/>
-            <a:ext cx="1573165" cy="646331"/>
-          </a:xfrm>
-          <a:prstGeom prst="rect">
-            <a:avLst/>
-          </a:prstGeom>
-          <a:noFill/>
-        </p:spPr>
-        <p:txBody>
-          <a:bodyPr wrap="square" rtlCol="0">
-            <a:spAutoFit/>
-          </a:bodyPr>
-          <a:lstStyle/>
-          <a:p>
-            <a:pPr algn="ctr"/>
-            <a:r>
-              <a:rPr lang="en-US" sz="1200" dirty="0" smtClean="0"/>
-              <a:t>PlaatSign digital content</a:t>
-            </a:r>
-            <a:r>
-              <a:rPr lang="nl-NL" sz="1200" dirty="0"/>
-              <a:t> </a:t>
-            </a:r>
-            <a:r>
-              <a:rPr lang="nl-NL" sz="1200" dirty="0" smtClean="0"/>
-              <a:t>can </a:t>
-            </a:r>
-            <a:r>
-              <a:rPr lang="nl-NL" sz="1200" dirty="0" err="1" smtClean="0"/>
-              <a:t>be</a:t>
-            </a:r>
-            <a:r>
-              <a:rPr lang="nl-NL" sz="1200" dirty="0" smtClean="0"/>
-              <a:t> </a:t>
-            </a:r>
-            <a:r>
-              <a:rPr lang="nl-NL" sz="1200" dirty="0" err="1" smtClean="0"/>
-              <a:t>managed</a:t>
-            </a:r>
-            <a:r>
-              <a:rPr lang="nl-NL" sz="1200" dirty="0" smtClean="0"/>
-              <a:t> </a:t>
-            </a:r>
-            <a:r>
-              <a:rPr lang="nl-NL" sz="1200" dirty="0" err="1" smtClean="0"/>
-              <a:t>remotely</a:t>
-            </a:r>
-            <a:endParaRPr lang="en-US" sz="1200" dirty="0" smtClean="0"/>
-          </a:p>
-        </p:txBody>
-      </p:sp>
-      <p:sp>
-        <p:nvSpPr>
-          <p:cNvPr id="29" name="Tekstvak 120"/>
-          <p:cNvSpPr txBox="1"/>
-          <p:nvPr/>
-        </p:nvSpPr>
-        <p:spPr>
-          <a:xfrm>
-            <a:off x="7703966" y="5435072"/>
-            <a:ext cx="1332529" cy="830997"/>
-          </a:xfrm>
-          <a:prstGeom prst="rect">
-            <a:avLst/>
-          </a:prstGeom>
-          <a:noFill/>
-        </p:spPr>
-        <p:txBody>
-          <a:bodyPr wrap="square" rtlCol="0">
-            <a:spAutoFit/>
-          </a:bodyPr>
-          <a:lstStyle/>
-          <a:p>
-            <a:pPr algn="ctr"/>
-            <a:r>
-              <a:rPr lang="en-US" sz="1200" dirty="0" err="1" smtClean="0"/>
-              <a:t>PlaatSign</a:t>
-            </a:r>
-            <a:endParaRPr lang="en-US" sz="1200" dirty="0" smtClean="0"/>
-          </a:p>
-          <a:p>
-            <a:pPr algn="ctr"/>
-            <a:r>
-              <a:rPr lang="en-US" sz="1200" dirty="0"/>
-              <a:t>d</a:t>
-            </a:r>
-            <a:r>
-              <a:rPr lang="en-US" sz="1200" dirty="0" smtClean="0"/>
-              <a:t>igital content</a:t>
-            </a:r>
-          </a:p>
-          <a:p>
-            <a:pPr algn="ctr"/>
-            <a:r>
-              <a:rPr lang="en-US" sz="1200" dirty="0"/>
-              <a:t>i</a:t>
-            </a:r>
-            <a:r>
-              <a:rPr lang="en-US" sz="1200" dirty="0" smtClean="0"/>
-              <a:t>s displayed at  </a:t>
-            </a:r>
-          </a:p>
-          <a:p>
-            <a:pPr algn="ctr"/>
-            <a:r>
-              <a:rPr lang="en-US" sz="1200" dirty="0" smtClean="0"/>
-              <a:t>monitor </a:t>
-            </a:r>
-          </a:p>
-        </p:txBody>
-      </p:sp>
-      <p:sp>
-        <p:nvSpPr>
-          <p:cNvPr id="30" name="Tekstvak 66"/>
-          <p:cNvSpPr txBox="1"/>
-          <p:nvPr/>
-        </p:nvSpPr>
-        <p:spPr>
-          <a:xfrm>
-            <a:off x="6509746" y="1150022"/>
-            <a:ext cx="870566" cy="276999"/>
-          </a:xfrm>
-          <a:prstGeom prst="rect">
-            <a:avLst/>
-          </a:prstGeom>
-          <a:noFill/>
-        </p:spPr>
-        <p:txBody>
-          <a:bodyPr wrap="square" rtlCol="0">
-            <a:spAutoFit/>
-          </a:bodyPr>
-          <a:lstStyle/>
-          <a:p>
-            <a:r>
-              <a:rPr lang="en-US" sz="1200" dirty="0" smtClean="0"/>
-              <a:t>P1 cable</a:t>
-            </a:r>
-            <a:endParaRPr lang="nl-NL" sz="1200" dirty="0"/>
-          </a:p>
-        </p:txBody>
-      </p:sp>
-      <p:sp>
-        <p:nvSpPr>
-          <p:cNvPr id="31" name="Tekstvak 69"/>
-          <p:cNvSpPr txBox="1"/>
-          <p:nvPr/>
-        </p:nvSpPr>
-        <p:spPr>
-          <a:xfrm>
-            <a:off x="1835696" y="4797153"/>
-            <a:ext cx="1584176" cy="369332"/>
-          </a:xfrm>
-          <a:prstGeom prst="rect">
-            <a:avLst/>
-          </a:prstGeom>
-        </p:spPr>
-        <p:style>
-          <a:lnRef idx="2">
-            <a:schemeClr val="accent2">
-              <a:shade val="50000"/>
-            </a:schemeClr>
-          </a:lnRef>
-          <a:fillRef idx="1">
-            <a:schemeClr val="accent2"/>
-          </a:fillRef>
-          <a:effectRef idx="0">
-            <a:schemeClr val="accent2"/>
-          </a:effectRef>
-          <a:fontRef idx="minor">
-            <a:schemeClr val="lt1"/>
-          </a:fontRef>
-        </p:style>
-        <p:txBody>
-          <a:bodyPr wrap="square" rtlCol="0">
-            <a:spAutoFit/>
-          </a:bodyPr>
-          <a:lstStyle/>
-          <a:p>
-            <a:pPr algn="ctr"/>
-            <a:r>
-              <a:rPr lang="en-US" dirty="0" smtClean="0"/>
               <a:t>ADSL Router</a:t>
-            </a:r>
-            <a:endParaRPr lang="nl-NL" dirty="0"/>
-          </a:p>
-        </p:txBody>
-      </p:sp>
-      <p:sp>
-        <p:nvSpPr>
-          <p:cNvPr id="32" name="Afgeronde rechthoek 70"/>
-          <p:cNvSpPr/>
-          <p:nvPr/>
-        </p:nvSpPr>
-        <p:spPr>
-          <a:xfrm>
-            <a:off x="1835696" y="5733256"/>
-            <a:ext cx="1584176" cy="576064"/>
-          </a:xfrm>
-          <a:prstGeom prst="roundRect">
-            <a:avLst/>
-          </a:prstGeom>
-        </p:spPr>
-        <p:style>
-          <a:lnRef idx="2">
-            <a:schemeClr val="accent1">
-              <a:shade val="50000"/>
-            </a:schemeClr>
-          </a:lnRef>
-          <a:fillRef idx="1">
-            <a:schemeClr val="accent1"/>
-          </a:fillRef>
-          <a:effectRef idx="0">
-            <a:schemeClr val="accent1"/>
-          </a:effectRef>
-          <a:fontRef idx="minor">
-            <a:schemeClr val="lt1"/>
-          </a:fontRef>
-        </p:style>
-        <p:txBody>
-          <a:bodyPr rtlCol="0" anchor="ctr"/>
-          <a:lstStyle/>
-          <a:p>
-            <a:pPr algn="ctr"/>
-            <a:r>
-              <a:rPr lang="en-US" dirty="0" smtClean="0"/>
-              <a:t>Internet</a:t>
             </a:r>
             <a:endParaRPr lang="nl-NL" dirty="0"/>
           </a:p>
@@ -7329,7 +6520,7 @@
         </p:nvCxnSpPr>
         <p:spPr>
           <a:xfrm flipV="1">
-            <a:off x="2627784" y="4388998"/>
+            <a:off x="2943601" y="2339021"/>
             <a:ext cx="0" cy="408155"/>
           </a:xfrm>
           <a:prstGeom prst="straightConnector1">
@@ -7366,8 +6557,8 @@
         </p:nvCxnSpPr>
         <p:spPr>
           <a:xfrm flipV="1">
-            <a:off x="2627784" y="5166485"/>
-            <a:ext cx="0" cy="566771"/>
+            <a:off x="2943601" y="3116508"/>
+            <a:ext cx="0" cy="481191"/>
           </a:xfrm>
           <a:prstGeom prst="straightConnector1">
             <a:avLst/>
@@ -7402,7 +6593,7 @@
         </p:nvCxnSpPr>
         <p:spPr>
           <a:xfrm flipH="1">
-            <a:off x="3419872" y="4204332"/>
+            <a:off x="3735689" y="2154355"/>
             <a:ext cx="2160240" cy="0"/>
           </a:xfrm>
           <a:prstGeom prst="straightConnector1">
@@ -7436,7 +6627,7 @@
         </p:nvSpPr>
         <p:spPr>
           <a:xfrm>
-            <a:off x="4355976" y="3933056"/>
+            <a:off x="4061382" y="1884221"/>
             <a:ext cx="670617" cy="276999"/>
           </a:xfrm>
           <a:prstGeom prst="rect">
@@ -7466,7 +6657,7 @@
         </p:nvSpPr>
         <p:spPr>
           <a:xfrm>
-            <a:off x="2699792" y="5373216"/>
+            <a:off x="3015609" y="3237659"/>
             <a:ext cx="892640" cy="274460"/>
           </a:xfrm>
           <a:prstGeom prst="rect">
@@ -7490,16 +6681,17 @@
       </p:sp>
       <p:cxnSp>
         <p:nvCxnSpPr>
-          <p:cNvPr id="38" name="Rechte verbindingslijn met pijl 23"/>
+          <p:cNvPr id="43" name="Rechte verbindingslijn met pijl 23"/>
           <p:cNvCxnSpPr>
-            <a:stCxn id="11" idx="2"/>
+            <a:stCxn id="4" idx="2"/>
+            <a:endCxn id="8194" idx="0"/>
           </p:cNvCxnSpPr>
           <p:nvPr/>
         </p:nvCxnSpPr>
         <p:spPr>
-          <a:xfrm flipH="1">
-            <a:off x="3068216" y="3375012"/>
-            <a:ext cx="1611796" cy="644653"/>
+          <a:xfrm>
+            <a:off x="6032723" y="2669052"/>
+            <a:ext cx="6795" cy="656557"/>
           </a:xfrm>
           <a:prstGeom prst="straightConnector1">
             <a:avLst/>
@@ -7524,16 +6716,86 @@
           </a:fontRef>
         </p:style>
       </p:cxnSp>
+      <p:sp>
+        <p:nvSpPr>
+          <p:cNvPr id="45" name="Title 1"/>
+          <p:cNvSpPr>
+            <a:spLocks noGrp="1"/>
+          </p:cNvSpPr>
+          <p:nvPr>
+            <p:ph type="title"/>
+          </p:nvPr>
+        </p:nvSpPr>
+        <p:spPr>
+          <a:xfrm>
+            <a:off x="0" y="-1"/>
+            <a:ext cx="9144000" cy="980729"/>
+          </a:xfrm>
+        </p:spPr>
+        <p:txBody>
+          <a:bodyPr/>
+          <a:lstStyle/>
+          <a:p>
+            <a:r>
+              <a:rPr lang="en-US" sz="4400" dirty="0"/>
+              <a:t>Hardware </a:t>
+            </a:r>
+            <a:r>
+              <a:rPr lang="en-US" sz="4400" dirty="0" smtClean="0"/>
+              <a:t>View </a:t>
+            </a:r>
+            <a:r>
+              <a:rPr lang="en-US" sz="4400" dirty="0"/>
+              <a:t>– </a:t>
+            </a:r>
+            <a:r>
+              <a:rPr lang="en-US" sz="4400" dirty="0" smtClean="0"/>
+              <a:t>Configuration 1</a:t>
+            </a:r>
+            <a:endParaRPr lang="nl-NL" sz="4400" dirty="0"/>
+          </a:p>
+        </p:txBody>
+      </p:sp>
+      <p:sp>
+        <p:nvSpPr>
+          <p:cNvPr id="47" name="Tekstvak 87"/>
+          <p:cNvSpPr txBox="1"/>
+          <p:nvPr/>
+        </p:nvSpPr>
+        <p:spPr>
+          <a:xfrm>
+            <a:off x="6096923" y="2858830"/>
+            <a:ext cx="972108" cy="276999"/>
+          </a:xfrm>
+          <a:prstGeom prst="rect">
+            <a:avLst/>
+          </a:prstGeom>
+          <a:noFill/>
+        </p:spPr>
+        <p:txBody>
+          <a:bodyPr wrap="square" rtlCol="0">
+            <a:spAutoFit/>
+          </a:bodyPr>
+          <a:lstStyle/>
+          <a:p>
+            <a:r>
+              <a:rPr lang="en-US" sz="1200" dirty="0" smtClean="0"/>
+              <a:t>HDMI</a:t>
+            </a:r>
+            <a:endParaRPr lang="nl-NL" sz="1200" dirty="0"/>
+          </a:p>
+        </p:txBody>
+      </p:sp>
       <p:cxnSp>
         <p:nvCxnSpPr>
-          <p:cNvPr id="39" name="Rechte verbindingslijn met pijl 23"/>
+          <p:cNvPr id="48" name="Rechte verbindingslijn met pijl 23"/>
           <p:cNvCxnSpPr/>
           <p:nvPr/>
         </p:nvCxnSpPr>
         <p:spPr>
-          <a:xfrm>
-            <a:off x="2680080" y="3375012"/>
-            <a:ext cx="0" cy="644653"/>
+          <a:xfrm flipV="1">
+            <a:off x="2943601" y="4128643"/>
+            <a:ext cx="0" cy="423904"/>
           </a:xfrm>
           <a:prstGeom prst="straightConnector1">
             <a:avLst/>
@@ -7558,287 +6820,121 @@
           </a:fontRef>
         </p:style>
       </p:cxnSp>
-      <p:cxnSp>
-        <p:nvCxnSpPr>
-          <p:cNvPr id="40" name="Rechte verbindingslijn met pijl 23"/>
-          <p:cNvCxnSpPr>
-            <a:stCxn id="5" idx="2"/>
-          </p:cNvCxnSpPr>
-          <p:nvPr/>
-        </p:nvCxnSpPr>
-        <p:spPr>
-          <a:xfrm>
-            <a:off x="1007604" y="3375012"/>
-            <a:ext cx="1260140" cy="644654"/>
-          </a:xfrm>
-          <a:prstGeom prst="straightConnector1">
-            <a:avLst/>
-          </a:prstGeom>
-          <a:ln w="38100">
-            <a:headEnd type="none" w="med" len="med"/>
-            <a:tailEnd type="none" w="med" len="med"/>
-          </a:ln>
+      <p:pic>
+        <p:nvPicPr>
+          <p:cNvPr id="49" name="Picture 2" descr="C:\sources\plaatsoft\plaatsign.git\src\examples\images\background.jpg"/>
+          <p:cNvPicPr>
+            <a:picLocks noChangeAspect="1" noChangeArrowheads="1"/>
+          </p:cNvPicPr>
+          <p:nvPr/>
+        </p:nvPicPr>
+        <p:blipFill>
+          <a:blip r:embed="rId4">
+            <a:extLst>
+              <a:ext uri="{28A0092B-C50C-407E-A947-70E740481C1C}">
+                <a14:useLocalDpi xmlns:a14="http://schemas.microsoft.com/office/drawing/2010/main" val="0"/>
+              </a:ext>
+            </a:extLst>
+          </a:blip>
+          <a:srcRect/>
+          <a:stretch>
+            <a:fillRect/>
+          </a:stretch>
+        </p:blipFill>
+        <p:spPr bwMode="auto">
+          <a:xfrm>
+            <a:off x="4572000" y="3486127"/>
+            <a:ext cx="2952328" cy="1671065"/>
+          </a:xfrm>
+          <a:prstGeom prst="rect">
+            <a:avLst/>
+          </a:prstGeom>
+          <a:noFill/>
+          <a:extLst>
+            <a:ext uri="{909E8E84-426E-40DD-AFC4-6F175D3DCCD1}">
+              <a14:hiddenFill xmlns:a14="http://schemas.microsoft.com/office/drawing/2010/main">
+                <a:solidFill>
+                  <a:srgbClr val="FFFFFF"/>
+                </a:solidFill>
+              </a14:hiddenFill>
+            </a:ext>
+          </a:extLst>
+        </p:spPr>
+      </p:pic>
+      <p:pic>
+        <p:nvPicPr>
+          <p:cNvPr id="50" name="Picture 2" descr="C:\sources\plaatsoft\plaatsign.git\trunk\screenshots\plaatsign-content1.png"/>
+          <p:cNvPicPr>
+            <a:picLocks noChangeAspect="1" noChangeArrowheads="1"/>
+          </p:cNvPicPr>
+          <p:nvPr/>
+        </p:nvPicPr>
+        <p:blipFill>
+          <a:blip r:embed="rId5" cstate="print"/>
+          <a:srcRect/>
+          <a:stretch>
+            <a:fillRect/>
+          </a:stretch>
+        </p:blipFill>
+        <p:spPr bwMode="auto">
+          <a:xfrm>
+            <a:off x="2460784" y="4659753"/>
+            <a:ext cx="935864" cy="674657"/>
+          </a:xfrm>
+          <a:prstGeom prst="rect">
+            <a:avLst/>
+          </a:prstGeom>
+          <a:noFill/>
+        </p:spPr>
+      </p:pic>
+      <p:sp>
+        <p:nvSpPr>
+          <p:cNvPr id="32" name="Afgeronde rechthoek 70"/>
+          <p:cNvSpPr/>
+          <p:nvPr/>
+        </p:nvSpPr>
+        <p:spPr>
+          <a:xfrm>
+            <a:off x="2151513" y="3597699"/>
+            <a:ext cx="1584176" cy="576064"/>
+          </a:xfrm>
+          <a:prstGeom prst="roundRect">
+            <a:avLst/>
+          </a:prstGeom>
         </p:spPr>
         <p:style>
-          <a:lnRef idx="1">
-            <a:schemeClr val="accent2"/>
+          <a:lnRef idx="2">
+            <a:schemeClr val="accent1">
+              <a:shade val="50000"/>
+            </a:schemeClr>
           </a:lnRef>
-          <a:fillRef idx="0">
-            <a:schemeClr val="accent2"/>
+          <a:fillRef idx="1">
+            <a:schemeClr val="accent1"/>
           </a:fillRef>
           <a:effectRef idx="0">
-            <a:schemeClr val="accent2"/>
+            <a:schemeClr val="accent1"/>
           </a:effectRef>
           <a:fontRef idx="minor">
-            <a:schemeClr val="tx1"/>
+            <a:schemeClr val="lt1"/>
           </a:fontRef>
         </p:style>
-      </p:cxnSp>
-      <p:cxnSp>
-        <p:nvCxnSpPr>
-          <p:cNvPr id="41" name="Rechte verbindingslijn met pijl 23"/>
-          <p:cNvCxnSpPr/>
-          <p:nvPr/>
-        </p:nvCxnSpPr>
-        <p:spPr>
-          <a:xfrm>
-            <a:off x="8172019" y="1796353"/>
-            <a:ext cx="0" cy="433789"/>
-          </a:xfrm>
-          <a:prstGeom prst="straightConnector1">
-            <a:avLst/>
-          </a:prstGeom>
-          <a:ln w="38100">
-            <a:headEnd type="none" w="med" len="med"/>
-            <a:tailEnd type="none" w="med" len="med"/>
-          </a:ln>
-        </p:spPr>
-        <p:style>
-          <a:lnRef idx="1">
-            <a:schemeClr val="accent2"/>
-          </a:lnRef>
-          <a:fillRef idx="0">
-            <a:schemeClr val="accent2"/>
-          </a:fillRef>
-          <a:effectRef idx="0">
-            <a:schemeClr val="accent2"/>
-          </a:effectRef>
-          <a:fontRef idx="minor">
-            <a:schemeClr val="tx1"/>
-          </a:fontRef>
-        </p:style>
-      </p:cxnSp>
-      <p:cxnSp>
-        <p:nvCxnSpPr>
-          <p:cNvPr id="42" name="Rechte verbindingslijn met pijl 23"/>
-          <p:cNvCxnSpPr>
-            <a:endCxn id="4" idx="0"/>
-          </p:cNvCxnSpPr>
-          <p:nvPr/>
-        </p:nvCxnSpPr>
-        <p:spPr>
-          <a:xfrm>
-            <a:off x="6552219" y="1462154"/>
-            <a:ext cx="1" cy="1693416"/>
-          </a:xfrm>
-          <a:prstGeom prst="straightConnector1">
-            <a:avLst/>
-          </a:prstGeom>
-          <a:ln w="38100">
-            <a:headEnd type="none" w="med" len="med"/>
-            <a:tailEnd type="none" w="med" len="med"/>
-          </a:ln>
-        </p:spPr>
-        <p:style>
-          <a:lnRef idx="1">
-            <a:schemeClr val="accent2"/>
-          </a:lnRef>
-          <a:fillRef idx="0">
-            <a:schemeClr val="accent2"/>
-          </a:fillRef>
-          <a:effectRef idx="0">
-            <a:schemeClr val="accent2"/>
-          </a:effectRef>
-          <a:fontRef idx="minor">
-            <a:schemeClr val="tx1"/>
-          </a:fontRef>
-        </p:style>
-      </p:cxnSp>
-      <p:cxnSp>
-        <p:nvCxnSpPr>
-          <p:cNvPr id="43" name="Rechte verbindingslijn met pijl 23"/>
-          <p:cNvCxnSpPr>
-            <a:stCxn id="4" idx="2"/>
-            <a:endCxn id="8194" idx="0"/>
-          </p:cNvCxnSpPr>
-          <p:nvPr/>
-        </p:nvCxnSpPr>
-        <p:spPr>
-          <a:xfrm>
-            <a:off x="6552220" y="4540565"/>
-            <a:ext cx="0" cy="596646"/>
-          </a:xfrm>
-          <a:prstGeom prst="straightConnector1">
-            <a:avLst/>
-          </a:prstGeom>
-          <a:ln w="38100">
-            <a:headEnd type="none" w="med" len="med"/>
-            <a:tailEnd type="none" w="med" len="med"/>
-          </a:ln>
-        </p:spPr>
-        <p:style>
-          <a:lnRef idx="1">
-            <a:schemeClr val="accent2"/>
-          </a:lnRef>
-          <a:fillRef idx="0">
-            <a:schemeClr val="accent2"/>
-          </a:fillRef>
-          <a:effectRef idx="0">
-            <a:schemeClr val="accent2"/>
-          </a:effectRef>
-          <a:fontRef idx="minor">
-            <a:schemeClr val="tx1"/>
-          </a:fontRef>
-        </p:style>
-      </p:cxnSp>
-      <p:sp>
-        <p:nvSpPr>
-          <p:cNvPr id="44" name="Tekstvak 57"/>
-          <p:cNvSpPr txBox="1"/>
-          <p:nvPr/>
-        </p:nvSpPr>
-        <p:spPr>
-          <a:xfrm>
-            <a:off x="6498213" y="2871313"/>
-            <a:ext cx="679765" cy="276999"/>
-          </a:xfrm>
-          <a:prstGeom prst="rect">
-            <a:avLst/>
-          </a:prstGeom>
-          <a:noFill/>
-        </p:spPr>
-        <p:txBody>
-          <a:bodyPr wrap="square" rtlCol="0">
-            <a:spAutoFit/>
-          </a:bodyPr>
-          <a:lstStyle/>
-          <a:p>
-            <a:r>
-              <a:rPr lang="en-US" sz="1200" dirty="0" smtClean="0"/>
-              <a:t>USB</a:t>
-            </a:r>
-            <a:endParaRPr lang="nl-NL" sz="1200" dirty="0"/>
-          </a:p>
-        </p:txBody>
-      </p:sp>
-      <p:sp>
-        <p:nvSpPr>
-          <p:cNvPr id="45" name="Title 1"/>
-          <p:cNvSpPr>
-            <a:spLocks noGrp="1"/>
-          </p:cNvSpPr>
-          <p:nvPr>
-            <p:ph type="title"/>
-          </p:nvPr>
-        </p:nvSpPr>
-        <p:spPr>
-          <a:xfrm>
-            <a:off x="0" y="-1"/>
-            <a:ext cx="9144000" cy="980729"/>
-          </a:xfrm>
-        </p:spPr>
-        <p:txBody>
-          <a:bodyPr/>
-          <a:lstStyle/>
-          <a:p>
-            <a:r>
-              <a:rPr lang="en-US" sz="4400" dirty="0"/>
-              <a:t>Hardware </a:t>
-            </a:r>
-            <a:r>
-              <a:rPr lang="en-US" sz="4400" dirty="0" smtClean="0"/>
-              <a:t>View </a:t>
-            </a:r>
-            <a:r>
-              <a:rPr lang="en-US" sz="4400" dirty="0"/>
-              <a:t>– </a:t>
-            </a:r>
-            <a:r>
-              <a:rPr lang="en-US" sz="4400" dirty="0" smtClean="0"/>
-              <a:t>Configuration</a:t>
-            </a:r>
-            <a:endParaRPr lang="nl-NL" sz="4400" dirty="0"/>
-          </a:p>
-        </p:txBody>
-      </p:sp>
-      <p:cxnSp>
-        <p:nvCxnSpPr>
-          <p:cNvPr id="46" name="Rechte verbindingslijn met pijl 23"/>
-          <p:cNvCxnSpPr/>
-          <p:nvPr/>
-        </p:nvCxnSpPr>
-        <p:spPr>
-          <a:xfrm>
-            <a:off x="3398952" y="5935708"/>
-            <a:ext cx="272948" cy="0"/>
-          </a:xfrm>
-          <a:prstGeom prst="straightConnector1">
-            <a:avLst/>
-          </a:prstGeom>
-          <a:ln w="38100">
-            <a:headEnd type="none" w="med" len="med"/>
-            <a:tailEnd type="none" w="med" len="med"/>
-          </a:ln>
-        </p:spPr>
-        <p:style>
-          <a:lnRef idx="1">
-            <a:schemeClr val="accent2"/>
-          </a:lnRef>
-          <a:fillRef idx="0">
-            <a:schemeClr val="accent2"/>
-          </a:fillRef>
-          <a:effectRef idx="0">
-            <a:schemeClr val="accent2"/>
-          </a:effectRef>
-          <a:fontRef idx="minor">
-            <a:schemeClr val="tx1"/>
-          </a:fontRef>
-        </p:style>
-      </p:cxnSp>
-      <p:sp>
-        <p:nvSpPr>
-          <p:cNvPr id="47" name="Tekstvak 87"/>
-          <p:cNvSpPr txBox="1"/>
-          <p:nvPr/>
-        </p:nvSpPr>
-        <p:spPr>
-          <a:xfrm>
-            <a:off x="6604620" y="4689351"/>
-            <a:ext cx="972108" cy="276999"/>
-          </a:xfrm>
-          <a:prstGeom prst="rect">
-            <a:avLst/>
-          </a:prstGeom>
-          <a:noFill/>
-        </p:spPr>
-        <p:txBody>
-          <a:bodyPr wrap="square" rtlCol="0">
-            <a:spAutoFit/>
-          </a:bodyPr>
-          <a:lstStyle/>
-          <a:p>
-            <a:r>
-              <a:rPr lang="en-US" sz="1200" dirty="0" smtClean="0"/>
-              <a:t>HDMI</a:t>
-            </a:r>
-            <a:endParaRPr lang="nl-NL" sz="1200" dirty="0"/>
+        <p:txBody>
+          <a:bodyPr rtlCol="0" anchor="ctr"/>
+          <a:lstStyle/>
+          <a:p>
+            <a:pPr algn="ctr"/>
+            <a:r>
+              <a:rPr lang="en-US" dirty="0" smtClean="0"/>
+              <a:t>Internet</a:t>
+            </a:r>
+            <a:endParaRPr lang="nl-NL" dirty="0"/>
           </a:p>
         </p:txBody>
       </p:sp>
     </p:spTree>
     <p:extLst>
       <p:ext uri="{BB962C8B-B14F-4D97-AF65-F5344CB8AC3E}">
-        <p14:creationId xmlns:p14="http://schemas.microsoft.com/office/powerpoint/2010/main" xmlns="" val="3173729759"/>
+        <p14:creationId xmlns:p14="http://schemas.microsoft.com/office/powerpoint/2010/main" val="2711514057"/>
       </p:ext>
     </p:extLst>
   </p:cSld>
@@ -7872,9 +6968,1507 @@
           <a:chExt cx="0" cy="0"/>
         </a:xfrm>
       </p:grpSpPr>
-      <p:sp>
-        <p:nvSpPr>
-          <p:cNvPr id="6" name="Title 1"/>
+      <p:pic>
+        <p:nvPicPr>
+          <p:cNvPr id="8194" name="Picture 2"/>
+          <p:cNvPicPr>
+            <a:picLocks noChangeAspect="1" noChangeArrowheads="1"/>
+          </p:cNvPicPr>
+          <p:nvPr/>
+        </p:nvPicPr>
+        <p:blipFill>
+          <a:blip r:embed="rId2" cstate="print">
+            <a:extLst>
+              <a:ext uri="{28A0092B-C50C-407E-A947-70E740481C1C}">
+                <a14:useLocalDpi xmlns:a14="http://schemas.microsoft.com/office/drawing/2010/main" val="0"/>
+              </a:ext>
+            </a:extLst>
+          </a:blip>
+          <a:srcRect/>
+          <a:stretch>
+            <a:fillRect/>
+          </a:stretch>
+        </p:blipFill>
+        <p:spPr bwMode="auto">
+          <a:xfrm>
+            <a:off x="5367729" y="5137211"/>
+            <a:ext cx="2368981" cy="1454226"/>
+          </a:xfrm>
+          <a:prstGeom prst="rect">
+            <a:avLst/>
+          </a:prstGeom>
+          <a:noFill/>
+          <a:ln>
+            <a:noFill/>
+          </a:ln>
+          <a:extLst>
+            <a:ext uri="{909E8E84-426E-40DD-AFC4-6F175D3DCCD1}">
+              <a14:hiddenFill xmlns:a14="http://schemas.microsoft.com/office/drawing/2010/main">
+                <a:solidFill>
+                  <a:schemeClr val="accent1"/>
+                </a:solidFill>
+              </a14:hiddenFill>
+            </a:ext>
+            <a:ext uri="{91240B29-F687-4F45-9708-019B960494DF}">
+              <a14:hiddenLine xmlns:a14="http://schemas.microsoft.com/office/drawing/2010/main" w="9525">
+                <a:solidFill>
+                  <a:schemeClr val="tx1"/>
+                </a:solidFill>
+                <a:miter lim="800000"/>
+                <a:headEnd/>
+                <a:tailEnd/>
+              </a14:hiddenLine>
+            </a:ext>
+          </a:extLst>
+        </p:spPr>
+      </p:pic>
+      <p:sp>
+        <p:nvSpPr>
+          <p:cNvPr id="4" name="Tekstvak 4"/>
+          <p:cNvSpPr txBox="1"/>
+          <p:nvPr/>
+        </p:nvSpPr>
+        <p:spPr>
+          <a:xfrm>
+            <a:off x="5580112" y="3155570"/>
+            <a:ext cx="1944216" cy="1384995"/>
+          </a:xfrm>
+          <a:prstGeom prst="rect">
+            <a:avLst/>
+          </a:prstGeom>
+        </p:spPr>
+        <p:style>
+          <a:lnRef idx="2">
+            <a:schemeClr val="accent2">
+              <a:shade val="50000"/>
+            </a:schemeClr>
+          </a:lnRef>
+          <a:fillRef idx="1">
+            <a:schemeClr val="accent2"/>
+          </a:fillRef>
+          <a:effectRef idx="0">
+            <a:schemeClr val="accent2"/>
+          </a:effectRef>
+          <a:fontRef idx="minor">
+            <a:schemeClr val="lt1"/>
+          </a:fontRef>
+        </p:style>
+        <p:txBody>
+          <a:bodyPr wrap="square" rtlCol="0">
+            <a:spAutoFit/>
+          </a:bodyPr>
+          <a:lstStyle/>
+          <a:p>
+            <a:pPr algn="ctr"/>
+            <a:r>
+              <a:rPr lang="en-US" dirty="0" smtClean="0"/>
+              <a:t>Raspberry Pi</a:t>
+            </a:r>
+          </a:p>
+          <a:p>
+            <a:pPr algn="ctr"/>
+            <a:endParaRPr lang="en-US" dirty="0" smtClean="0"/>
+          </a:p>
+          <a:p>
+            <a:pPr algn="ctr"/>
+            <a:r>
+              <a:rPr lang="en-US" sz="2400" dirty="0" smtClean="0"/>
+              <a:t>PlaatEnergy</a:t>
+            </a:r>
+          </a:p>
+          <a:p>
+            <a:pPr algn="ctr"/>
+            <a:r>
+              <a:rPr lang="en-US" sz="2400" dirty="0" smtClean="0"/>
+              <a:t>PlaatSign</a:t>
+            </a:r>
+            <a:r>
+              <a:rPr lang="en-US" dirty="0" smtClean="0"/>
+              <a:t> </a:t>
+            </a:r>
+          </a:p>
+        </p:txBody>
+      </p:sp>
+      <p:sp>
+        <p:nvSpPr>
+          <p:cNvPr id="5" name="Tekstvak 5"/>
+          <p:cNvSpPr txBox="1"/>
+          <p:nvPr/>
+        </p:nvSpPr>
+        <p:spPr>
+          <a:xfrm>
+            <a:off x="251520" y="2728681"/>
+            <a:ext cx="1512168" cy="646331"/>
+          </a:xfrm>
+          <a:prstGeom prst="rect">
+            <a:avLst/>
+          </a:prstGeom>
+        </p:spPr>
+        <p:style>
+          <a:lnRef idx="2">
+            <a:schemeClr val="accent2">
+              <a:shade val="50000"/>
+            </a:schemeClr>
+          </a:lnRef>
+          <a:fillRef idx="1">
+            <a:schemeClr val="accent2"/>
+          </a:fillRef>
+          <a:effectRef idx="0">
+            <a:schemeClr val="accent2"/>
+          </a:effectRef>
+          <a:fontRef idx="minor">
+            <a:schemeClr val="lt1"/>
+          </a:fontRef>
+        </p:style>
+        <p:txBody>
+          <a:bodyPr wrap="square" rtlCol="0">
+            <a:spAutoFit/>
+          </a:bodyPr>
+          <a:lstStyle/>
+          <a:p>
+            <a:pPr algn="ctr"/>
+            <a:r>
+              <a:rPr lang="en-US" dirty="0" smtClean="0"/>
+              <a:t>Hosola Solar </a:t>
+            </a:r>
+          </a:p>
+          <a:p>
+            <a:pPr algn="ctr"/>
+            <a:r>
+              <a:rPr lang="en-US" dirty="0" smtClean="0"/>
+              <a:t>Converter</a:t>
+            </a:r>
+            <a:endParaRPr lang="nl-NL" dirty="0"/>
+          </a:p>
+        </p:txBody>
+      </p:sp>
+      <p:sp>
+        <p:nvSpPr>
+          <p:cNvPr id="6" name="Tekstvak 6"/>
+          <p:cNvSpPr txBox="1"/>
+          <p:nvPr/>
+        </p:nvSpPr>
+        <p:spPr>
+          <a:xfrm>
+            <a:off x="7254376" y="1150022"/>
+            <a:ext cx="1673728" cy="646331"/>
+          </a:xfrm>
+          <a:prstGeom prst="rect">
+            <a:avLst/>
+          </a:prstGeom>
+        </p:spPr>
+        <p:style>
+          <a:lnRef idx="2">
+            <a:schemeClr val="accent2">
+              <a:shade val="50000"/>
+            </a:schemeClr>
+          </a:lnRef>
+          <a:fillRef idx="1">
+            <a:schemeClr val="accent2"/>
+          </a:fillRef>
+          <a:effectRef idx="0">
+            <a:schemeClr val="accent2"/>
+          </a:effectRef>
+          <a:fontRef idx="minor">
+            <a:schemeClr val="lt1"/>
+          </a:fontRef>
+        </p:style>
+        <p:txBody>
+          <a:bodyPr wrap="square" rtlCol="0">
+            <a:spAutoFit/>
+          </a:bodyPr>
+          <a:lstStyle/>
+          <a:p>
+            <a:pPr algn="ctr"/>
+            <a:r>
+              <a:rPr lang="en-US" dirty="0" smtClean="0"/>
+              <a:t>Digital Energy</a:t>
+            </a:r>
+          </a:p>
+          <a:p>
+            <a:pPr algn="ctr"/>
+            <a:r>
+              <a:rPr lang="en-US" dirty="0" smtClean="0"/>
+              <a:t>Meter</a:t>
+            </a:r>
+          </a:p>
+        </p:txBody>
+      </p:sp>
+      <p:sp>
+        <p:nvSpPr>
+          <p:cNvPr id="7" name="Tekstvak 7"/>
+          <p:cNvSpPr txBox="1"/>
+          <p:nvPr/>
+        </p:nvSpPr>
+        <p:spPr>
+          <a:xfrm>
+            <a:off x="7254375" y="2230142"/>
+            <a:ext cx="1673728" cy="646331"/>
+          </a:xfrm>
+          <a:prstGeom prst="rect">
+            <a:avLst/>
+          </a:prstGeom>
+        </p:spPr>
+        <p:style>
+          <a:lnRef idx="2">
+            <a:schemeClr val="accent2">
+              <a:shade val="50000"/>
+            </a:schemeClr>
+          </a:lnRef>
+          <a:fillRef idx="1">
+            <a:schemeClr val="accent2"/>
+          </a:fillRef>
+          <a:effectRef idx="0">
+            <a:schemeClr val="accent2"/>
+          </a:effectRef>
+          <a:fontRef idx="minor">
+            <a:schemeClr val="lt1"/>
+          </a:fontRef>
+        </p:style>
+        <p:txBody>
+          <a:bodyPr wrap="square" rtlCol="0">
+            <a:spAutoFit/>
+          </a:bodyPr>
+          <a:lstStyle/>
+          <a:p>
+            <a:pPr algn="ctr"/>
+            <a:r>
+              <a:rPr lang="en-US" dirty="0" smtClean="0"/>
+              <a:t>Digital Gas</a:t>
+            </a:r>
+          </a:p>
+          <a:p>
+            <a:pPr algn="ctr"/>
+            <a:r>
+              <a:rPr lang="en-US" dirty="0" smtClean="0"/>
+              <a:t>Meter</a:t>
+            </a:r>
+          </a:p>
+        </p:txBody>
+      </p:sp>
+      <p:pic>
+        <p:nvPicPr>
+          <p:cNvPr id="8" name="Picture 7"/>
+          <p:cNvPicPr>
+            <a:picLocks noChangeAspect="1" noChangeArrowheads="1"/>
+          </p:cNvPicPr>
+          <p:nvPr/>
+        </p:nvPicPr>
+        <p:blipFill>
+          <a:blip r:embed="rId3" cstate="print"/>
+          <a:srcRect/>
+          <a:stretch>
+            <a:fillRect/>
+          </a:stretch>
+        </p:blipFill>
+        <p:spPr bwMode="auto">
+          <a:xfrm>
+            <a:off x="251520" y="1288521"/>
+            <a:ext cx="1584176" cy="1173480"/>
+          </a:xfrm>
+          <a:prstGeom prst="rect">
+            <a:avLst/>
+          </a:prstGeom>
+          <a:noFill/>
+          <a:ln w="9525">
+            <a:noFill/>
+            <a:miter lim="800000"/>
+            <a:headEnd/>
+            <a:tailEnd/>
+          </a:ln>
+        </p:spPr>
+      </p:pic>
+      <p:cxnSp>
+        <p:nvCxnSpPr>
+          <p:cNvPr id="9" name="Rechte verbindingslijn met pijl 23"/>
+          <p:cNvCxnSpPr/>
+          <p:nvPr/>
+        </p:nvCxnSpPr>
+        <p:spPr>
+          <a:xfrm>
+            <a:off x="6552219" y="1462154"/>
+            <a:ext cx="864096" cy="11033"/>
+          </a:xfrm>
+          <a:prstGeom prst="straightConnector1">
+            <a:avLst/>
+          </a:prstGeom>
+          <a:ln w="38100">
+            <a:headEnd type="none" w="med" len="med"/>
+            <a:tailEnd type="none" w="med" len="med"/>
+          </a:ln>
+        </p:spPr>
+        <p:style>
+          <a:lnRef idx="1">
+            <a:schemeClr val="accent2"/>
+          </a:lnRef>
+          <a:fillRef idx="0">
+            <a:schemeClr val="accent2"/>
+          </a:fillRef>
+          <a:effectRef idx="0">
+            <a:schemeClr val="accent2"/>
+          </a:effectRef>
+          <a:fontRef idx="minor">
+            <a:schemeClr val="tx1"/>
+          </a:fontRef>
+        </p:style>
+      </p:cxnSp>
+      <p:cxnSp>
+        <p:nvCxnSpPr>
+          <p:cNvPr id="10" name="Rechte verbindingslijn met pijl 36"/>
+          <p:cNvCxnSpPr>
+            <a:endCxn id="8" idx="2"/>
+          </p:cNvCxnSpPr>
+          <p:nvPr/>
+        </p:nvCxnSpPr>
+        <p:spPr>
+          <a:xfrm flipV="1">
+            <a:off x="1043608" y="2462001"/>
+            <a:ext cx="0" cy="266680"/>
+          </a:xfrm>
+          <a:prstGeom prst="straightConnector1">
+            <a:avLst/>
+          </a:prstGeom>
+          <a:ln w="38100">
+            <a:headEnd type="none" w="med" len="med"/>
+            <a:tailEnd type="none" w="med" len="med"/>
+          </a:ln>
+        </p:spPr>
+        <p:style>
+          <a:lnRef idx="1">
+            <a:schemeClr val="accent2"/>
+          </a:lnRef>
+          <a:fillRef idx="0">
+            <a:schemeClr val="accent2"/>
+          </a:fillRef>
+          <a:effectRef idx="0">
+            <a:schemeClr val="accent2"/>
+          </a:effectRef>
+          <a:fontRef idx="minor">
+            <a:schemeClr val="tx1"/>
+          </a:fontRef>
+        </p:style>
+      </p:cxnSp>
+      <p:sp>
+        <p:nvSpPr>
+          <p:cNvPr id="11" name="Tekstvak 37"/>
+          <p:cNvSpPr txBox="1"/>
+          <p:nvPr/>
+        </p:nvSpPr>
+        <p:spPr>
+          <a:xfrm>
+            <a:off x="3923928" y="2728681"/>
+            <a:ext cx="1512168" cy="646331"/>
+          </a:xfrm>
+          <a:prstGeom prst="rect">
+            <a:avLst/>
+          </a:prstGeom>
+        </p:spPr>
+        <p:style>
+          <a:lnRef idx="2">
+            <a:schemeClr val="accent2">
+              <a:shade val="50000"/>
+            </a:schemeClr>
+          </a:lnRef>
+          <a:fillRef idx="1">
+            <a:schemeClr val="accent2"/>
+          </a:fillRef>
+          <a:effectRef idx="0">
+            <a:schemeClr val="accent2"/>
+          </a:effectRef>
+          <a:fontRef idx="minor">
+            <a:schemeClr val="lt1"/>
+          </a:fontRef>
+        </p:style>
+        <p:txBody>
+          <a:bodyPr wrap="square" rtlCol="0">
+            <a:spAutoFit/>
+          </a:bodyPr>
+          <a:lstStyle/>
+          <a:p>
+            <a:pPr algn="ctr"/>
+            <a:r>
+              <a:rPr lang="en-US" dirty="0"/>
+              <a:t>Hosola Solar </a:t>
+            </a:r>
+            <a:endParaRPr lang="en-US" dirty="0" smtClean="0"/>
+          </a:p>
+          <a:p>
+            <a:pPr algn="ctr"/>
+            <a:r>
+              <a:rPr lang="en-US" dirty="0" smtClean="0"/>
+              <a:t>Converter</a:t>
+            </a:r>
+            <a:endParaRPr lang="nl-NL" dirty="0"/>
+          </a:p>
+        </p:txBody>
+      </p:sp>
+      <p:sp>
+        <p:nvSpPr>
+          <p:cNvPr id="12" name="Tekstvak 38"/>
+          <p:cNvSpPr txBox="1"/>
+          <p:nvPr/>
+        </p:nvSpPr>
+        <p:spPr>
+          <a:xfrm>
+            <a:off x="2051720" y="2728681"/>
+            <a:ext cx="1512168" cy="646331"/>
+          </a:xfrm>
+          <a:prstGeom prst="rect">
+            <a:avLst/>
+          </a:prstGeom>
+        </p:spPr>
+        <p:style>
+          <a:lnRef idx="2">
+            <a:schemeClr val="accent2">
+              <a:shade val="50000"/>
+            </a:schemeClr>
+          </a:lnRef>
+          <a:fillRef idx="1">
+            <a:schemeClr val="accent2"/>
+          </a:fillRef>
+          <a:effectRef idx="0">
+            <a:schemeClr val="accent2"/>
+          </a:effectRef>
+          <a:fontRef idx="minor">
+            <a:schemeClr val="lt1"/>
+          </a:fontRef>
+        </p:style>
+        <p:txBody>
+          <a:bodyPr wrap="square" rtlCol="0">
+            <a:spAutoFit/>
+          </a:bodyPr>
+          <a:lstStyle/>
+          <a:p>
+            <a:pPr algn="ctr"/>
+            <a:r>
+              <a:rPr lang="en-US" dirty="0"/>
+              <a:t>Hosola Solar </a:t>
+            </a:r>
+            <a:endParaRPr lang="en-US" dirty="0" smtClean="0"/>
+          </a:p>
+          <a:p>
+            <a:pPr algn="ctr"/>
+            <a:r>
+              <a:rPr lang="en-US" dirty="0" smtClean="0"/>
+              <a:t>Converter</a:t>
+            </a:r>
+            <a:endParaRPr lang="nl-NL" dirty="0"/>
+          </a:p>
+        </p:txBody>
+      </p:sp>
+      <p:pic>
+        <p:nvPicPr>
+          <p:cNvPr id="13" name="Picture 7"/>
+          <p:cNvPicPr>
+            <a:picLocks noChangeAspect="1" noChangeArrowheads="1"/>
+          </p:cNvPicPr>
+          <p:nvPr/>
+        </p:nvPicPr>
+        <p:blipFill>
+          <a:blip r:embed="rId3" cstate="print"/>
+          <a:srcRect/>
+          <a:stretch>
+            <a:fillRect/>
+          </a:stretch>
+        </p:blipFill>
+        <p:spPr bwMode="auto">
+          <a:xfrm>
+            <a:off x="1979712" y="1288521"/>
+            <a:ext cx="1584176" cy="1173480"/>
+          </a:xfrm>
+          <a:prstGeom prst="rect">
+            <a:avLst/>
+          </a:prstGeom>
+          <a:noFill/>
+          <a:ln w="9525">
+            <a:noFill/>
+            <a:miter lim="800000"/>
+            <a:headEnd/>
+            <a:tailEnd/>
+          </a:ln>
+        </p:spPr>
+      </p:pic>
+      <p:pic>
+        <p:nvPicPr>
+          <p:cNvPr id="14" name="Picture 7"/>
+          <p:cNvPicPr>
+            <a:picLocks noChangeAspect="1" noChangeArrowheads="1"/>
+          </p:cNvPicPr>
+          <p:nvPr/>
+        </p:nvPicPr>
+        <p:blipFill>
+          <a:blip r:embed="rId3" cstate="print"/>
+          <a:srcRect/>
+          <a:stretch>
+            <a:fillRect/>
+          </a:stretch>
+        </p:blipFill>
+        <p:spPr bwMode="auto">
+          <a:xfrm>
+            <a:off x="3851920" y="1283641"/>
+            <a:ext cx="1584176" cy="1173480"/>
+          </a:xfrm>
+          <a:prstGeom prst="rect">
+            <a:avLst/>
+          </a:prstGeom>
+          <a:noFill/>
+          <a:ln w="9525">
+            <a:noFill/>
+            <a:miter lim="800000"/>
+            <a:headEnd/>
+            <a:tailEnd/>
+          </a:ln>
+        </p:spPr>
+      </p:pic>
+      <p:cxnSp>
+        <p:nvCxnSpPr>
+          <p:cNvPr id="15" name="Rechte verbindingslijn met pijl 46"/>
+          <p:cNvCxnSpPr>
+            <a:endCxn id="13" idx="2"/>
+          </p:cNvCxnSpPr>
+          <p:nvPr/>
+        </p:nvCxnSpPr>
+        <p:spPr>
+          <a:xfrm flipV="1">
+            <a:off x="2771800" y="2462001"/>
+            <a:ext cx="0" cy="266680"/>
+          </a:xfrm>
+          <a:prstGeom prst="straightConnector1">
+            <a:avLst/>
+          </a:prstGeom>
+          <a:ln w="38100">
+            <a:headEnd type="none" w="med" len="med"/>
+            <a:tailEnd type="none" w="med" len="med"/>
+          </a:ln>
+        </p:spPr>
+        <p:style>
+          <a:lnRef idx="1">
+            <a:schemeClr val="accent2"/>
+          </a:lnRef>
+          <a:fillRef idx="0">
+            <a:schemeClr val="accent2"/>
+          </a:fillRef>
+          <a:effectRef idx="0">
+            <a:schemeClr val="accent2"/>
+          </a:effectRef>
+          <a:fontRef idx="minor">
+            <a:schemeClr val="tx1"/>
+          </a:fontRef>
+        </p:style>
+      </p:cxnSp>
+      <p:cxnSp>
+        <p:nvCxnSpPr>
+          <p:cNvPr id="16" name="Rechte verbindingslijn met pijl 47"/>
+          <p:cNvCxnSpPr>
+            <a:endCxn id="14" idx="2"/>
+          </p:cNvCxnSpPr>
+          <p:nvPr/>
+        </p:nvCxnSpPr>
+        <p:spPr>
+          <a:xfrm flipV="1">
+            <a:off x="4644008" y="2457121"/>
+            <a:ext cx="0" cy="266680"/>
+          </a:xfrm>
+          <a:prstGeom prst="straightConnector1">
+            <a:avLst/>
+          </a:prstGeom>
+          <a:ln w="38100">
+            <a:headEnd type="none" w="med" len="med"/>
+            <a:tailEnd type="none" w="med" len="med"/>
+          </a:ln>
+        </p:spPr>
+        <p:style>
+          <a:lnRef idx="1">
+            <a:schemeClr val="accent2"/>
+          </a:lnRef>
+          <a:fillRef idx="0">
+            <a:schemeClr val="accent2"/>
+          </a:fillRef>
+          <a:effectRef idx="0">
+            <a:schemeClr val="accent2"/>
+          </a:effectRef>
+          <a:fontRef idx="minor">
+            <a:schemeClr val="tx1"/>
+          </a:fontRef>
+        </p:style>
+      </p:cxnSp>
+      <p:sp>
+        <p:nvSpPr>
+          <p:cNvPr id="17" name="Tekstvak 49"/>
+          <p:cNvSpPr txBox="1"/>
+          <p:nvPr/>
+        </p:nvSpPr>
+        <p:spPr>
+          <a:xfrm>
+            <a:off x="1835696" y="4019666"/>
+            <a:ext cx="1584176" cy="369332"/>
+          </a:xfrm>
+          <a:prstGeom prst="rect">
+            <a:avLst/>
+          </a:prstGeom>
+        </p:spPr>
+        <p:style>
+          <a:lnRef idx="2">
+            <a:schemeClr val="accent2">
+              <a:shade val="50000"/>
+            </a:schemeClr>
+          </a:lnRef>
+          <a:fillRef idx="1">
+            <a:schemeClr val="accent2"/>
+          </a:fillRef>
+          <a:effectRef idx="0">
+            <a:schemeClr val="accent2"/>
+          </a:effectRef>
+          <a:fontRef idx="minor">
+            <a:schemeClr val="lt1"/>
+          </a:fontRef>
+        </p:style>
+        <p:txBody>
+          <a:bodyPr wrap="square" rtlCol="0">
+            <a:spAutoFit/>
+          </a:bodyPr>
+          <a:lstStyle/>
+          <a:p>
+            <a:pPr algn="ctr"/>
+            <a:r>
+              <a:rPr lang="en-US" dirty="0" smtClean="0"/>
+              <a:t>Wifi Router</a:t>
+            </a:r>
+            <a:endParaRPr lang="nl-NL" dirty="0"/>
+          </a:p>
+        </p:txBody>
+      </p:sp>
+      <p:pic>
+        <p:nvPicPr>
+          <p:cNvPr id="18" name="Picture 9" descr="http://ic.tweakimg.net/ext/i/1272126825.jpeg"/>
+          <p:cNvPicPr>
+            <a:picLocks noChangeAspect="1" noChangeArrowheads="1"/>
+          </p:cNvPicPr>
+          <p:nvPr/>
+        </p:nvPicPr>
+        <p:blipFill>
+          <a:blip r:embed="rId4" cstate="print"/>
+          <a:srcRect/>
+          <a:stretch>
+            <a:fillRect/>
+          </a:stretch>
+        </p:blipFill>
+        <p:spPr bwMode="auto">
+          <a:xfrm>
+            <a:off x="3592432" y="5186215"/>
+            <a:ext cx="1584176" cy="1346549"/>
+          </a:xfrm>
+          <a:prstGeom prst="rect">
+            <a:avLst/>
+          </a:prstGeom>
+          <a:noFill/>
+        </p:spPr>
+      </p:pic>
+      <p:sp>
+        <p:nvSpPr>
+          <p:cNvPr id="20" name="Tekstvak 87"/>
+          <p:cNvSpPr txBox="1"/>
+          <p:nvPr/>
+        </p:nvSpPr>
+        <p:spPr>
+          <a:xfrm>
+            <a:off x="2663788" y="4473984"/>
+            <a:ext cx="1044116" cy="276999"/>
+          </a:xfrm>
+          <a:prstGeom prst="rect">
+            <a:avLst/>
+          </a:prstGeom>
+          <a:noFill/>
+        </p:spPr>
+        <p:txBody>
+          <a:bodyPr wrap="square" rtlCol="0">
+            <a:spAutoFit/>
+          </a:bodyPr>
+          <a:lstStyle/>
+          <a:p>
+            <a:r>
+              <a:rPr lang="en-US" sz="1200" dirty="0" smtClean="0"/>
+              <a:t>Ethernet</a:t>
+            </a:r>
+            <a:endParaRPr lang="nl-NL" sz="1200" dirty="0"/>
+          </a:p>
+        </p:txBody>
+      </p:sp>
+      <p:sp>
+        <p:nvSpPr>
+          <p:cNvPr id="21" name="Tekstvak 88"/>
+          <p:cNvSpPr txBox="1"/>
+          <p:nvPr/>
+        </p:nvSpPr>
+        <p:spPr>
+          <a:xfrm>
+            <a:off x="3563888" y="3417978"/>
+            <a:ext cx="576064" cy="276999"/>
+          </a:xfrm>
+          <a:prstGeom prst="rect">
+            <a:avLst/>
+          </a:prstGeom>
+          <a:noFill/>
+        </p:spPr>
+        <p:txBody>
+          <a:bodyPr wrap="square" rtlCol="0">
+            <a:spAutoFit/>
+          </a:bodyPr>
+          <a:lstStyle/>
+          <a:p>
+            <a:r>
+              <a:rPr lang="en-US" sz="1200" dirty="0" smtClean="0"/>
+              <a:t>Wifi</a:t>
+            </a:r>
+            <a:endParaRPr lang="nl-NL" sz="1200" dirty="0"/>
+          </a:p>
+        </p:txBody>
+      </p:sp>
+      <p:sp>
+        <p:nvSpPr>
+          <p:cNvPr id="22" name="Tekstvak 89"/>
+          <p:cNvSpPr txBox="1"/>
+          <p:nvPr/>
+        </p:nvSpPr>
+        <p:spPr>
+          <a:xfrm>
+            <a:off x="2716016" y="3433761"/>
+            <a:ext cx="576064" cy="276999"/>
+          </a:xfrm>
+          <a:prstGeom prst="rect">
+            <a:avLst/>
+          </a:prstGeom>
+          <a:noFill/>
+        </p:spPr>
+        <p:txBody>
+          <a:bodyPr wrap="square" rtlCol="0">
+            <a:spAutoFit/>
+          </a:bodyPr>
+          <a:lstStyle/>
+          <a:p>
+            <a:r>
+              <a:rPr lang="en-US" sz="1200" dirty="0" smtClean="0"/>
+              <a:t>Wifi</a:t>
+            </a:r>
+            <a:endParaRPr lang="nl-NL" sz="1200" dirty="0"/>
+          </a:p>
+        </p:txBody>
+      </p:sp>
+      <p:sp>
+        <p:nvSpPr>
+          <p:cNvPr id="23" name="Tekstvak 90"/>
+          <p:cNvSpPr txBox="1"/>
+          <p:nvPr/>
+        </p:nvSpPr>
+        <p:spPr>
+          <a:xfrm>
+            <a:off x="1691680" y="3465922"/>
+            <a:ext cx="576064" cy="276999"/>
+          </a:xfrm>
+          <a:prstGeom prst="rect">
+            <a:avLst/>
+          </a:prstGeom>
+          <a:noFill/>
+        </p:spPr>
+        <p:txBody>
+          <a:bodyPr wrap="square" rtlCol="0">
+            <a:spAutoFit/>
+          </a:bodyPr>
+          <a:lstStyle/>
+          <a:p>
+            <a:r>
+              <a:rPr lang="en-US" sz="1200" dirty="0" smtClean="0"/>
+              <a:t>Wifi</a:t>
+            </a:r>
+            <a:endParaRPr lang="nl-NL" sz="1200" dirty="0"/>
+          </a:p>
+        </p:txBody>
+      </p:sp>
+      <p:sp>
+        <p:nvSpPr>
+          <p:cNvPr id="26" name="Tekstvak 116"/>
+          <p:cNvSpPr txBox="1"/>
+          <p:nvPr/>
+        </p:nvSpPr>
+        <p:spPr>
+          <a:xfrm>
+            <a:off x="7254375" y="1875261"/>
+            <a:ext cx="864096" cy="276999"/>
+          </a:xfrm>
+          <a:prstGeom prst="rect">
+            <a:avLst/>
+          </a:prstGeom>
+          <a:noFill/>
+        </p:spPr>
+        <p:txBody>
+          <a:bodyPr wrap="square" rtlCol="0">
+            <a:spAutoFit/>
+          </a:bodyPr>
+          <a:lstStyle/>
+          <a:p>
+            <a:r>
+              <a:rPr lang="en-US" sz="1200" dirty="0" smtClean="0"/>
+              <a:t>Bluetooth</a:t>
+            </a:r>
+            <a:endParaRPr lang="nl-NL" sz="1200" dirty="0"/>
+          </a:p>
+        </p:txBody>
+      </p:sp>
+      <p:sp>
+        <p:nvSpPr>
+          <p:cNvPr id="28" name="Tekstvak 119"/>
+          <p:cNvSpPr txBox="1"/>
+          <p:nvPr/>
+        </p:nvSpPr>
+        <p:spPr>
+          <a:xfrm>
+            <a:off x="3535426" y="4566113"/>
+            <a:ext cx="1573165" cy="646331"/>
+          </a:xfrm>
+          <a:prstGeom prst="rect">
+            <a:avLst/>
+          </a:prstGeom>
+          <a:noFill/>
+        </p:spPr>
+        <p:txBody>
+          <a:bodyPr wrap="square" rtlCol="0">
+            <a:spAutoFit/>
+          </a:bodyPr>
+          <a:lstStyle/>
+          <a:p>
+            <a:pPr algn="ctr"/>
+            <a:r>
+              <a:rPr lang="en-US" sz="1200" dirty="0" smtClean="0"/>
+              <a:t>Digital </a:t>
+            </a:r>
+            <a:r>
+              <a:rPr lang="en-US" sz="1200" dirty="0" smtClean="0"/>
+              <a:t>content</a:t>
+            </a:r>
+            <a:r>
+              <a:rPr lang="nl-NL" sz="1200" dirty="0"/>
+              <a:t> </a:t>
+            </a:r>
+            <a:r>
+              <a:rPr lang="nl-NL" sz="1200" dirty="0" smtClean="0"/>
+              <a:t>can </a:t>
+            </a:r>
+            <a:r>
+              <a:rPr lang="nl-NL" sz="1200" dirty="0" err="1" smtClean="0"/>
+              <a:t>be</a:t>
+            </a:r>
+            <a:r>
+              <a:rPr lang="nl-NL" sz="1200" dirty="0" smtClean="0"/>
+              <a:t> </a:t>
+            </a:r>
+            <a:r>
+              <a:rPr lang="nl-NL" sz="1200" dirty="0" err="1" smtClean="0"/>
+              <a:t>managed</a:t>
+            </a:r>
+            <a:r>
+              <a:rPr lang="nl-NL" sz="1200" dirty="0" smtClean="0"/>
+              <a:t> </a:t>
+            </a:r>
+            <a:r>
+              <a:rPr lang="nl-NL" sz="1200" dirty="0" err="1" smtClean="0"/>
+              <a:t>remotely</a:t>
+            </a:r>
+            <a:endParaRPr lang="en-US" sz="1200" dirty="0" smtClean="0"/>
+          </a:p>
+        </p:txBody>
+      </p:sp>
+      <p:sp>
+        <p:nvSpPr>
+          <p:cNvPr id="29" name="Tekstvak 120"/>
+          <p:cNvSpPr txBox="1"/>
+          <p:nvPr/>
+        </p:nvSpPr>
+        <p:spPr>
+          <a:xfrm>
+            <a:off x="7703966" y="5435072"/>
+            <a:ext cx="1332529" cy="646331"/>
+          </a:xfrm>
+          <a:prstGeom prst="rect">
+            <a:avLst/>
+          </a:prstGeom>
+          <a:noFill/>
+        </p:spPr>
+        <p:txBody>
+          <a:bodyPr wrap="square" rtlCol="0">
+            <a:spAutoFit/>
+          </a:bodyPr>
+          <a:lstStyle/>
+          <a:p>
+            <a:pPr algn="ctr"/>
+            <a:r>
+              <a:rPr lang="en-US" sz="1200" dirty="0"/>
+              <a:t>D</a:t>
+            </a:r>
+            <a:r>
+              <a:rPr lang="en-US" sz="1200" dirty="0" smtClean="0"/>
+              <a:t>igital </a:t>
+            </a:r>
+            <a:r>
+              <a:rPr lang="en-US" sz="1200" dirty="0" smtClean="0"/>
+              <a:t>content</a:t>
+            </a:r>
+          </a:p>
+          <a:p>
+            <a:pPr algn="ctr"/>
+            <a:r>
+              <a:rPr lang="en-US" sz="1200" dirty="0"/>
+              <a:t>i</a:t>
+            </a:r>
+            <a:r>
+              <a:rPr lang="en-US" sz="1200" dirty="0" smtClean="0"/>
+              <a:t>s displayed at  </a:t>
+            </a:r>
+          </a:p>
+          <a:p>
+            <a:pPr algn="ctr"/>
+            <a:r>
+              <a:rPr lang="en-US" sz="1200" dirty="0" smtClean="0"/>
+              <a:t>monitor </a:t>
+            </a:r>
+          </a:p>
+        </p:txBody>
+      </p:sp>
+      <p:sp>
+        <p:nvSpPr>
+          <p:cNvPr id="30" name="Tekstvak 66"/>
+          <p:cNvSpPr txBox="1"/>
+          <p:nvPr/>
+        </p:nvSpPr>
+        <p:spPr>
+          <a:xfrm>
+            <a:off x="6509746" y="1150022"/>
+            <a:ext cx="870566" cy="276999"/>
+          </a:xfrm>
+          <a:prstGeom prst="rect">
+            <a:avLst/>
+          </a:prstGeom>
+          <a:noFill/>
+        </p:spPr>
+        <p:txBody>
+          <a:bodyPr wrap="square" rtlCol="0">
+            <a:spAutoFit/>
+          </a:bodyPr>
+          <a:lstStyle/>
+          <a:p>
+            <a:r>
+              <a:rPr lang="en-US" sz="1200" dirty="0" smtClean="0"/>
+              <a:t>P1 cable</a:t>
+            </a:r>
+            <a:endParaRPr lang="nl-NL" sz="1200" dirty="0"/>
+          </a:p>
+        </p:txBody>
+      </p:sp>
+      <p:sp>
+        <p:nvSpPr>
+          <p:cNvPr id="31" name="Tekstvak 69"/>
+          <p:cNvSpPr txBox="1"/>
+          <p:nvPr/>
+        </p:nvSpPr>
+        <p:spPr>
+          <a:xfrm>
+            <a:off x="1835696" y="4797153"/>
+            <a:ext cx="1584176" cy="369332"/>
+          </a:xfrm>
+          <a:prstGeom prst="rect">
+            <a:avLst/>
+          </a:prstGeom>
+        </p:spPr>
+        <p:style>
+          <a:lnRef idx="2">
+            <a:schemeClr val="accent2">
+              <a:shade val="50000"/>
+            </a:schemeClr>
+          </a:lnRef>
+          <a:fillRef idx="1">
+            <a:schemeClr val="accent2"/>
+          </a:fillRef>
+          <a:effectRef idx="0">
+            <a:schemeClr val="accent2"/>
+          </a:effectRef>
+          <a:fontRef idx="minor">
+            <a:schemeClr val="lt1"/>
+          </a:fontRef>
+        </p:style>
+        <p:txBody>
+          <a:bodyPr wrap="square" rtlCol="0">
+            <a:spAutoFit/>
+          </a:bodyPr>
+          <a:lstStyle/>
+          <a:p>
+            <a:pPr algn="ctr"/>
+            <a:r>
+              <a:rPr lang="en-US" dirty="0" smtClean="0"/>
+              <a:t>ADSL Router</a:t>
+            </a:r>
+            <a:endParaRPr lang="nl-NL" dirty="0"/>
+          </a:p>
+        </p:txBody>
+      </p:sp>
+      <p:sp>
+        <p:nvSpPr>
+          <p:cNvPr id="32" name="Afgeronde rechthoek 70"/>
+          <p:cNvSpPr/>
+          <p:nvPr/>
+        </p:nvSpPr>
+        <p:spPr>
+          <a:xfrm>
+            <a:off x="1835696" y="5733256"/>
+            <a:ext cx="1584176" cy="576064"/>
+          </a:xfrm>
+          <a:prstGeom prst="roundRect">
+            <a:avLst/>
+          </a:prstGeom>
+        </p:spPr>
+        <p:style>
+          <a:lnRef idx="2">
+            <a:schemeClr val="accent1">
+              <a:shade val="50000"/>
+            </a:schemeClr>
+          </a:lnRef>
+          <a:fillRef idx="1">
+            <a:schemeClr val="accent1"/>
+          </a:fillRef>
+          <a:effectRef idx="0">
+            <a:schemeClr val="accent1"/>
+          </a:effectRef>
+          <a:fontRef idx="minor">
+            <a:schemeClr val="lt1"/>
+          </a:fontRef>
+        </p:style>
+        <p:txBody>
+          <a:bodyPr rtlCol="0" anchor="ctr"/>
+          <a:lstStyle/>
+          <a:p>
+            <a:pPr algn="ctr"/>
+            <a:r>
+              <a:rPr lang="en-US" dirty="0" smtClean="0"/>
+              <a:t>Internet</a:t>
+            </a:r>
+            <a:endParaRPr lang="nl-NL" dirty="0"/>
+          </a:p>
+        </p:txBody>
+      </p:sp>
+      <p:cxnSp>
+        <p:nvCxnSpPr>
+          <p:cNvPr id="33" name="Rechte verbindingslijn met pijl 23"/>
+          <p:cNvCxnSpPr>
+            <a:stCxn id="31" idx="0"/>
+            <a:endCxn id="17" idx="2"/>
+          </p:cNvCxnSpPr>
+          <p:nvPr/>
+        </p:nvCxnSpPr>
+        <p:spPr>
+          <a:xfrm flipV="1">
+            <a:off x="2627784" y="4388998"/>
+            <a:ext cx="0" cy="408155"/>
+          </a:xfrm>
+          <a:prstGeom prst="straightConnector1">
+            <a:avLst/>
+          </a:prstGeom>
+          <a:ln w="38100">
+            <a:headEnd type="none" w="med" len="med"/>
+            <a:tailEnd type="none" w="med" len="med"/>
+          </a:ln>
+        </p:spPr>
+        <p:style>
+          <a:lnRef idx="1">
+            <a:schemeClr val="accent2"/>
+          </a:lnRef>
+          <a:fillRef idx="0">
+            <a:schemeClr val="accent2"/>
+          </a:fillRef>
+          <a:effectRef idx="0">
+            <a:schemeClr val="accent2"/>
+          </a:effectRef>
+          <a:fontRef idx="minor">
+            <a:schemeClr val="tx1"/>
+          </a:fontRef>
+        </p:style>
+      </p:cxnSp>
+      <p:cxnSp>
+        <p:nvCxnSpPr>
+          <p:cNvPr id="34" name="Rechte verbindingslijn met pijl 23"/>
+          <p:cNvCxnSpPr>
+            <a:stCxn id="32" idx="0"/>
+            <a:endCxn id="31" idx="2"/>
+          </p:cNvCxnSpPr>
+          <p:nvPr/>
+        </p:nvCxnSpPr>
+        <p:spPr>
+          <a:xfrm flipV="1">
+            <a:off x="2627784" y="5166485"/>
+            <a:ext cx="0" cy="566771"/>
+          </a:xfrm>
+          <a:prstGeom prst="straightConnector1">
+            <a:avLst/>
+          </a:prstGeom>
+          <a:ln w="38100">
+            <a:headEnd type="none" w="med" len="med"/>
+            <a:tailEnd type="none" w="med" len="med"/>
+          </a:ln>
+        </p:spPr>
+        <p:style>
+          <a:lnRef idx="1">
+            <a:schemeClr val="accent2"/>
+          </a:lnRef>
+          <a:fillRef idx="0">
+            <a:schemeClr val="accent2"/>
+          </a:fillRef>
+          <a:effectRef idx="0">
+            <a:schemeClr val="accent2"/>
+          </a:effectRef>
+          <a:fontRef idx="minor">
+            <a:schemeClr val="tx1"/>
+          </a:fontRef>
+        </p:style>
+      </p:cxnSp>
+      <p:cxnSp>
+        <p:nvCxnSpPr>
+          <p:cNvPr id="35" name="Rechte verbindingslijn met pijl 23"/>
+          <p:cNvCxnSpPr>
+            <a:endCxn id="17" idx="3"/>
+          </p:cNvCxnSpPr>
+          <p:nvPr/>
+        </p:nvCxnSpPr>
+        <p:spPr>
+          <a:xfrm flipH="1">
+            <a:off x="3419872" y="4204332"/>
+            <a:ext cx="2160240" cy="0"/>
+          </a:xfrm>
+          <a:prstGeom prst="straightConnector1">
+            <a:avLst/>
+          </a:prstGeom>
+          <a:ln w="38100">
+            <a:headEnd type="none" w="med" len="med"/>
+            <a:tailEnd type="none" w="med" len="med"/>
+          </a:ln>
+        </p:spPr>
+        <p:style>
+          <a:lnRef idx="1">
+            <a:schemeClr val="accent2"/>
+          </a:lnRef>
+          <a:fillRef idx="0">
+            <a:schemeClr val="accent2"/>
+          </a:fillRef>
+          <a:effectRef idx="0">
+            <a:schemeClr val="accent2"/>
+          </a:effectRef>
+          <a:fontRef idx="minor">
+            <a:schemeClr val="tx1"/>
+          </a:fontRef>
+        </p:style>
+      </p:cxnSp>
+      <p:sp>
+        <p:nvSpPr>
+          <p:cNvPr id="36" name="Tekstvak 87"/>
+          <p:cNvSpPr txBox="1"/>
+          <p:nvPr/>
+        </p:nvSpPr>
+        <p:spPr>
+          <a:xfrm>
+            <a:off x="4355976" y="3933056"/>
+            <a:ext cx="670617" cy="276999"/>
+          </a:xfrm>
+          <a:prstGeom prst="rect">
+            <a:avLst/>
+          </a:prstGeom>
+          <a:noFill/>
+        </p:spPr>
+        <p:txBody>
+          <a:bodyPr wrap="square" rtlCol="0">
+            <a:spAutoFit/>
+          </a:bodyPr>
+          <a:lstStyle/>
+          <a:p>
+            <a:r>
+              <a:rPr lang="en-US" sz="1200" dirty="0" smtClean="0"/>
+              <a:t>Wifi</a:t>
+            </a:r>
+            <a:endParaRPr lang="nl-NL" sz="1200" dirty="0"/>
+          </a:p>
+        </p:txBody>
+      </p:sp>
+      <p:sp>
+        <p:nvSpPr>
+          <p:cNvPr id="37" name="Tekstvak 87"/>
+          <p:cNvSpPr txBox="1"/>
+          <p:nvPr/>
+        </p:nvSpPr>
+        <p:spPr>
+          <a:xfrm>
+            <a:off x="2699792" y="5373216"/>
+            <a:ext cx="892640" cy="274460"/>
+          </a:xfrm>
+          <a:prstGeom prst="rect">
+            <a:avLst/>
+          </a:prstGeom>
+          <a:noFill/>
+        </p:spPr>
+        <p:txBody>
+          <a:bodyPr wrap="square" rtlCol="0">
+            <a:spAutoFit/>
+          </a:bodyPr>
+          <a:lstStyle/>
+          <a:p>
+            <a:r>
+              <a:rPr lang="en-US" sz="1200" dirty="0" smtClean="0"/>
+              <a:t>Ethernet</a:t>
+            </a:r>
+            <a:endParaRPr lang="nl-NL" sz="1200" dirty="0"/>
+          </a:p>
+        </p:txBody>
+      </p:sp>
+      <p:cxnSp>
+        <p:nvCxnSpPr>
+          <p:cNvPr id="38" name="Rechte verbindingslijn met pijl 23"/>
+          <p:cNvCxnSpPr>
+            <a:stCxn id="11" idx="2"/>
+          </p:cNvCxnSpPr>
+          <p:nvPr/>
+        </p:nvCxnSpPr>
+        <p:spPr>
+          <a:xfrm flipH="1">
+            <a:off x="3068216" y="3375012"/>
+            <a:ext cx="1611796" cy="644653"/>
+          </a:xfrm>
+          <a:prstGeom prst="straightConnector1">
+            <a:avLst/>
+          </a:prstGeom>
+          <a:ln w="38100">
+            <a:headEnd type="none" w="med" len="med"/>
+            <a:tailEnd type="none" w="med" len="med"/>
+          </a:ln>
+        </p:spPr>
+        <p:style>
+          <a:lnRef idx="1">
+            <a:schemeClr val="accent2"/>
+          </a:lnRef>
+          <a:fillRef idx="0">
+            <a:schemeClr val="accent2"/>
+          </a:fillRef>
+          <a:effectRef idx="0">
+            <a:schemeClr val="accent2"/>
+          </a:effectRef>
+          <a:fontRef idx="minor">
+            <a:schemeClr val="tx1"/>
+          </a:fontRef>
+        </p:style>
+      </p:cxnSp>
+      <p:cxnSp>
+        <p:nvCxnSpPr>
+          <p:cNvPr id="39" name="Rechte verbindingslijn met pijl 23"/>
+          <p:cNvCxnSpPr/>
+          <p:nvPr/>
+        </p:nvCxnSpPr>
+        <p:spPr>
+          <a:xfrm>
+            <a:off x="2680080" y="3375012"/>
+            <a:ext cx="0" cy="644653"/>
+          </a:xfrm>
+          <a:prstGeom prst="straightConnector1">
+            <a:avLst/>
+          </a:prstGeom>
+          <a:ln w="38100">
+            <a:headEnd type="none" w="med" len="med"/>
+            <a:tailEnd type="none" w="med" len="med"/>
+          </a:ln>
+        </p:spPr>
+        <p:style>
+          <a:lnRef idx="1">
+            <a:schemeClr val="accent2"/>
+          </a:lnRef>
+          <a:fillRef idx="0">
+            <a:schemeClr val="accent2"/>
+          </a:fillRef>
+          <a:effectRef idx="0">
+            <a:schemeClr val="accent2"/>
+          </a:effectRef>
+          <a:fontRef idx="minor">
+            <a:schemeClr val="tx1"/>
+          </a:fontRef>
+        </p:style>
+      </p:cxnSp>
+      <p:cxnSp>
+        <p:nvCxnSpPr>
+          <p:cNvPr id="40" name="Rechte verbindingslijn met pijl 23"/>
+          <p:cNvCxnSpPr>
+            <a:stCxn id="5" idx="2"/>
+          </p:cNvCxnSpPr>
+          <p:nvPr/>
+        </p:nvCxnSpPr>
+        <p:spPr>
+          <a:xfrm>
+            <a:off x="1007604" y="3375012"/>
+            <a:ext cx="1260140" cy="644654"/>
+          </a:xfrm>
+          <a:prstGeom prst="straightConnector1">
+            <a:avLst/>
+          </a:prstGeom>
+          <a:ln w="38100">
+            <a:headEnd type="none" w="med" len="med"/>
+            <a:tailEnd type="none" w="med" len="med"/>
+          </a:ln>
+        </p:spPr>
+        <p:style>
+          <a:lnRef idx="1">
+            <a:schemeClr val="accent2"/>
+          </a:lnRef>
+          <a:fillRef idx="0">
+            <a:schemeClr val="accent2"/>
+          </a:fillRef>
+          <a:effectRef idx="0">
+            <a:schemeClr val="accent2"/>
+          </a:effectRef>
+          <a:fontRef idx="minor">
+            <a:schemeClr val="tx1"/>
+          </a:fontRef>
+        </p:style>
+      </p:cxnSp>
+      <p:cxnSp>
+        <p:nvCxnSpPr>
+          <p:cNvPr id="41" name="Rechte verbindingslijn met pijl 23"/>
+          <p:cNvCxnSpPr/>
+          <p:nvPr/>
+        </p:nvCxnSpPr>
+        <p:spPr>
+          <a:xfrm>
+            <a:off x="8172019" y="1796353"/>
+            <a:ext cx="0" cy="433789"/>
+          </a:xfrm>
+          <a:prstGeom prst="straightConnector1">
+            <a:avLst/>
+          </a:prstGeom>
+          <a:ln w="38100">
+            <a:headEnd type="none" w="med" len="med"/>
+            <a:tailEnd type="none" w="med" len="med"/>
+          </a:ln>
+        </p:spPr>
+        <p:style>
+          <a:lnRef idx="1">
+            <a:schemeClr val="accent2"/>
+          </a:lnRef>
+          <a:fillRef idx="0">
+            <a:schemeClr val="accent2"/>
+          </a:fillRef>
+          <a:effectRef idx="0">
+            <a:schemeClr val="accent2"/>
+          </a:effectRef>
+          <a:fontRef idx="minor">
+            <a:schemeClr val="tx1"/>
+          </a:fontRef>
+        </p:style>
+      </p:cxnSp>
+      <p:cxnSp>
+        <p:nvCxnSpPr>
+          <p:cNvPr id="42" name="Rechte verbindingslijn met pijl 23"/>
+          <p:cNvCxnSpPr>
+            <a:endCxn id="4" idx="0"/>
+          </p:cNvCxnSpPr>
+          <p:nvPr/>
+        </p:nvCxnSpPr>
+        <p:spPr>
+          <a:xfrm>
+            <a:off x="6552219" y="1462154"/>
+            <a:ext cx="1" cy="1693416"/>
+          </a:xfrm>
+          <a:prstGeom prst="straightConnector1">
+            <a:avLst/>
+          </a:prstGeom>
+          <a:ln w="38100">
+            <a:headEnd type="none" w="med" len="med"/>
+            <a:tailEnd type="none" w="med" len="med"/>
+          </a:ln>
+        </p:spPr>
+        <p:style>
+          <a:lnRef idx="1">
+            <a:schemeClr val="accent2"/>
+          </a:lnRef>
+          <a:fillRef idx="0">
+            <a:schemeClr val="accent2"/>
+          </a:fillRef>
+          <a:effectRef idx="0">
+            <a:schemeClr val="accent2"/>
+          </a:effectRef>
+          <a:fontRef idx="minor">
+            <a:schemeClr val="tx1"/>
+          </a:fontRef>
+        </p:style>
+      </p:cxnSp>
+      <p:cxnSp>
+        <p:nvCxnSpPr>
+          <p:cNvPr id="43" name="Rechte verbindingslijn met pijl 23"/>
+          <p:cNvCxnSpPr>
+            <a:stCxn id="4" idx="2"/>
+            <a:endCxn id="8194" idx="0"/>
+          </p:cNvCxnSpPr>
+          <p:nvPr/>
+        </p:nvCxnSpPr>
+        <p:spPr>
+          <a:xfrm>
+            <a:off x="6552220" y="4540565"/>
+            <a:ext cx="0" cy="596646"/>
+          </a:xfrm>
+          <a:prstGeom prst="straightConnector1">
+            <a:avLst/>
+          </a:prstGeom>
+          <a:ln w="38100">
+            <a:headEnd type="none" w="med" len="med"/>
+            <a:tailEnd type="none" w="med" len="med"/>
+          </a:ln>
+        </p:spPr>
+        <p:style>
+          <a:lnRef idx="1">
+            <a:schemeClr val="accent2"/>
+          </a:lnRef>
+          <a:fillRef idx="0">
+            <a:schemeClr val="accent2"/>
+          </a:fillRef>
+          <a:effectRef idx="0">
+            <a:schemeClr val="accent2"/>
+          </a:effectRef>
+          <a:fontRef idx="minor">
+            <a:schemeClr val="tx1"/>
+          </a:fontRef>
+        </p:style>
+      </p:cxnSp>
+      <p:sp>
+        <p:nvSpPr>
+          <p:cNvPr id="44" name="Tekstvak 57"/>
+          <p:cNvSpPr txBox="1"/>
+          <p:nvPr/>
+        </p:nvSpPr>
+        <p:spPr>
+          <a:xfrm>
+            <a:off x="6498213" y="2871313"/>
+            <a:ext cx="679765" cy="276999"/>
+          </a:xfrm>
+          <a:prstGeom prst="rect">
+            <a:avLst/>
+          </a:prstGeom>
+          <a:noFill/>
+        </p:spPr>
+        <p:txBody>
+          <a:bodyPr wrap="square" rtlCol="0">
+            <a:spAutoFit/>
+          </a:bodyPr>
+          <a:lstStyle/>
+          <a:p>
+            <a:r>
+              <a:rPr lang="en-US" sz="1200" dirty="0" smtClean="0"/>
+              <a:t>USB</a:t>
+            </a:r>
+            <a:endParaRPr lang="nl-NL" sz="1200" dirty="0"/>
+          </a:p>
+        </p:txBody>
+      </p:sp>
+      <p:sp>
+        <p:nvSpPr>
+          <p:cNvPr id="45" name="Title 1"/>
           <p:cNvSpPr>
             <a:spLocks noGrp="1"/>
           </p:cNvSpPr>
@@ -7893,23 +8487,99 @@
           <a:lstStyle/>
           <a:p>
             <a:r>
+              <a:rPr lang="en-US" sz="4400" dirty="0"/>
+              <a:t>Hardware </a:t>
+            </a:r>
+            <a:r>
               <a:rPr lang="en-US" sz="4400" dirty="0" smtClean="0"/>
-              <a:t>Screenshots</a:t>
+              <a:t>View </a:t>
+            </a:r>
+            <a:r>
+              <a:rPr lang="en-US" sz="4400" dirty="0"/>
+              <a:t>– </a:t>
+            </a:r>
+            <a:r>
+              <a:rPr lang="en-US" sz="4400" dirty="0" smtClean="0"/>
+              <a:t>Configuration 2</a:t>
             </a:r>
             <a:endParaRPr lang="nl-NL" sz="4400" dirty="0"/>
+          </a:p>
+        </p:txBody>
+      </p:sp>
+      <p:cxnSp>
+        <p:nvCxnSpPr>
+          <p:cNvPr id="46" name="Rechte verbindingslijn met pijl 23"/>
+          <p:cNvCxnSpPr/>
+          <p:nvPr/>
+        </p:nvCxnSpPr>
+        <p:spPr>
+          <a:xfrm>
+            <a:off x="3398952" y="5935708"/>
+            <a:ext cx="272948" cy="0"/>
+          </a:xfrm>
+          <a:prstGeom prst="straightConnector1">
+            <a:avLst/>
+          </a:prstGeom>
+          <a:ln w="38100">
+            <a:headEnd type="none" w="med" len="med"/>
+            <a:tailEnd type="none" w="med" len="med"/>
+          </a:ln>
+        </p:spPr>
+        <p:style>
+          <a:lnRef idx="1">
+            <a:schemeClr val="accent2"/>
+          </a:lnRef>
+          <a:fillRef idx="0">
+            <a:schemeClr val="accent2"/>
+          </a:fillRef>
+          <a:effectRef idx="0">
+            <a:schemeClr val="accent2"/>
+          </a:effectRef>
+          <a:fontRef idx="minor">
+            <a:schemeClr val="tx1"/>
+          </a:fontRef>
+        </p:style>
+      </p:cxnSp>
+      <p:sp>
+        <p:nvSpPr>
+          <p:cNvPr id="47" name="Tekstvak 87"/>
+          <p:cNvSpPr txBox="1"/>
+          <p:nvPr/>
+        </p:nvSpPr>
+        <p:spPr>
+          <a:xfrm>
+            <a:off x="6604620" y="4689351"/>
+            <a:ext cx="972108" cy="276999"/>
+          </a:xfrm>
+          <a:prstGeom prst="rect">
+            <a:avLst/>
+          </a:prstGeom>
+          <a:noFill/>
+        </p:spPr>
+        <p:txBody>
+          <a:bodyPr wrap="square" rtlCol="0">
+            <a:spAutoFit/>
+          </a:bodyPr>
+          <a:lstStyle/>
+          <a:p>
+            <a:r>
+              <a:rPr lang="en-US" sz="1200" dirty="0" smtClean="0"/>
+              <a:t>HDMI</a:t>
+            </a:r>
+            <a:endParaRPr lang="nl-NL" sz="1200" dirty="0"/>
           </a:p>
         </p:txBody>
       </p:sp>
       <p:pic>
         <p:nvPicPr>
-          <p:cNvPr id="2" name="Picture 2" descr="C:\sources\plaatsoft\plaatsign.git\trunk\screenshots\plaatsign-login.png"/>
+          <p:cNvPr id="48" name="Picture 2" descr="C:\sources\plaatsoft\plaatsign.git\trunk\screenshots\plaatsign-content1.png"/>
           <p:cNvPicPr>
             <a:picLocks noChangeAspect="1" noChangeArrowheads="1"/>
           </p:cNvPicPr>
           <p:nvPr/>
         </p:nvPicPr>
         <p:blipFill>
-          <a:blip r:embed="rId2" cstate="print"/>
+          <a:blip r:embed="rId5" cstate="print"/>
           <a:srcRect/>
           <a:stretch>
             <a:fillRect/>
@@ -7917,20 +8587,73 @@
         </p:blipFill>
         <p:spPr bwMode="auto">
           <a:xfrm>
-            <a:off x="827584" y="1628800"/>
-            <a:ext cx="7557542" cy="3981078"/>
+            <a:off x="3713625" y="5386208"/>
+            <a:ext cx="880964" cy="635080"/>
           </a:xfrm>
           <a:prstGeom prst="rect">
             <a:avLst/>
           </a:prstGeom>
           <a:noFill/>
+        </p:spPr>
+      </p:pic>
+      <p:pic>
+        <p:nvPicPr>
+          <p:cNvPr id="49" name="Picture 2" descr="C:\sources\plaatsoft\plaatsign.git\src\examples\images\background.jpg"/>
+          <p:cNvPicPr>
+            <a:picLocks noChangeAspect="1" noChangeArrowheads="1"/>
+          </p:cNvPicPr>
+          <p:nvPr/>
+        </p:nvPicPr>
+        <p:blipFill>
+          <a:blip r:embed="rId6">
+            <a:extLst>
+              <a:ext uri="{28A0092B-C50C-407E-A947-70E740481C1C}">
+                <a14:useLocalDpi xmlns:a14="http://schemas.microsoft.com/office/drawing/2010/main" val="0"/>
+              </a:ext>
+            </a:extLst>
+          </a:blip>
+          <a:srcRect/>
+          <a:stretch>
+            <a:fillRect/>
+          </a:stretch>
+        </p:blipFill>
+        <p:spPr bwMode="auto">
+          <a:xfrm>
+            <a:off x="5456827" y="5238082"/>
+            <a:ext cx="2178320" cy="1219345"/>
+          </a:xfrm>
+          <a:prstGeom prst="rect">
+            <a:avLst/>
+          </a:prstGeom>
+          <a:noFill/>
+          <a:extLst>
+            <a:ext uri="{909E8E84-426E-40DD-AFC4-6F175D3DCCD1}">
+              <a14:hiddenFill xmlns:a14="http://schemas.microsoft.com/office/drawing/2010/main">
+                <a:solidFill>
+                  <a:srgbClr val="FFFFFF"/>
+                </a:solidFill>
+              </a14:hiddenFill>
+            </a:ext>
+          </a:extLst>
         </p:spPr>
       </p:pic>
     </p:spTree>
+    <p:extLst>
+      <p:ext uri="{BB962C8B-B14F-4D97-AF65-F5344CB8AC3E}">
+        <p14:creationId xmlns:p14="http://schemas.microsoft.com/office/powerpoint/2010/main" val="3173729759"/>
+      </p:ext>
+    </p:extLst>
   </p:cSld>
   <p:clrMapOvr>
     <a:masterClrMapping/>
   </p:clrMapOvr>
+  <p:timing>
+    <p:tnLst>
+      <p:par>
+        <p:cTn id="1" dur="indefinite" restart="never" nodeType="tmRoot"/>
+      </p:par>
+    </p:tnLst>
+  </p:timing>
 </p:sld>
 </file>
 
@@ -7951,9 +8674,37 @@
           <a:chExt cx="0" cy="0"/>
         </a:xfrm>
       </p:grpSpPr>
+      <p:sp>
+        <p:nvSpPr>
+          <p:cNvPr id="6" name="Title 1"/>
+          <p:cNvSpPr>
+            <a:spLocks noGrp="1"/>
+          </p:cNvSpPr>
+          <p:nvPr>
+            <p:ph type="title"/>
+          </p:nvPr>
+        </p:nvSpPr>
+        <p:spPr>
+          <a:xfrm>
+            <a:off x="0" y="-1"/>
+            <a:ext cx="9144000" cy="980729"/>
+          </a:xfrm>
+        </p:spPr>
+        <p:txBody>
+          <a:bodyPr/>
+          <a:lstStyle/>
+          <a:p>
+            <a:r>
+              <a:rPr lang="en-US" sz="4400" dirty="0" smtClean="0"/>
+              <a:t>Screenshots</a:t>
+            </a:r>
+            <a:endParaRPr lang="nl-NL" sz="4400" dirty="0"/>
+          </a:p>
+        </p:txBody>
+      </p:sp>
       <p:pic>
         <p:nvPicPr>
-          <p:cNvPr id="2" name="Picture 2" descr="C:\sources\plaatsoft\plaatsign.git\trunk\screenshots\plaatsign-content1.png"/>
+          <p:cNvPr id="2" name="Picture 2" descr="C:\sources\plaatsoft\plaatsign.git\trunk\screenshots\plaatsign-login.png"/>
           <p:cNvPicPr>
             <a:picLocks noChangeAspect="1" noChangeArrowheads="1"/>
           </p:cNvPicPr>
@@ -7968,8 +8719,8 @@
         </p:blipFill>
         <p:spPr bwMode="auto">
           <a:xfrm>
-            <a:off x="0" y="0"/>
-            <a:ext cx="9144000" cy="6858000"/>
+            <a:off x="827584" y="1628800"/>
+            <a:ext cx="7557542" cy="3981078"/>
           </a:xfrm>
           <a:prstGeom prst="rect">
             <a:avLst/>

--- a/doc/ppt/PlaatSign Design.pptx
+++ b/doc/ppt/PlaatSign Design.pptx
@@ -5,7 +5,7 @@
     <p:sldMasterId id="2147483900" r:id="rId1"/>
   </p:sldMasterIdLst>
   <p:notesMasterIdLst>
-    <p:notesMasterId r:id="rId15"/>
+    <p:notesMasterId r:id="rId16"/>
   </p:notesMasterIdLst>
   <p:sldIdLst>
     <p:sldId id="301" r:id="rId2"/>
@@ -20,7 +20,8 @@
     <p:sldId id="325" r:id="rId11"/>
     <p:sldId id="331" r:id="rId12"/>
     <p:sldId id="332" r:id="rId13"/>
-    <p:sldId id="317" r:id="rId14"/>
+    <p:sldId id="335" r:id="rId14"/>
+    <p:sldId id="317" r:id="rId15"/>
   </p:sldIdLst>
   <p:sldSz cx="9144000" cy="6858000" type="screen4x3"/>
   <p:notesSz cx="6858000" cy="9144000"/>
@@ -205,7 +206,7 @@
             <a:fld id="{AAA9B6CD-1D48-452A-A7F2-8CBBE02CC7D2}" type="datetimeFigureOut">
               <a:rPr lang="nl-NL" smtClean="0"/>
               <a:pPr/>
-              <a:t>3-10-2016</a:t>
+              <a:t>6-10-2016</a:t>
             </a:fld>
             <a:endParaRPr lang="nl-NL"/>
           </a:p>
@@ -669,7 +670,7 @@
             <a:fld id="{96BAE843-BE96-40CB-B634-F63C679A4CF5}" type="datetimeFigureOut">
               <a:rPr lang="nl-NL" smtClean="0"/>
               <a:pPr/>
-              <a:t>3-10-2016</a:t>
+              <a:t>6-10-2016</a:t>
             </a:fld>
             <a:endParaRPr lang="nl-NL"/>
           </a:p>
@@ -836,7 +837,7 @@
             <a:fld id="{96BAE843-BE96-40CB-B634-F63C679A4CF5}" type="datetimeFigureOut">
               <a:rPr lang="nl-NL" smtClean="0"/>
               <a:pPr/>
-              <a:t>3-10-2016</a:t>
+              <a:t>6-10-2016</a:t>
             </a:fld>
             <a:endParaRPr lang="nl-NL"/>
           </a:p>
@@ -1013,7 +1014,7 @@
             <a:fld id="{96BAE843-BE96-40CB-B634-F63C679A4CF5}" type="datetimeFigureOut">
               <a:rPr lang="nl-NL" smtClean="0"/>
               <a:pPr/>
-              <a:t>3-10-2016</a:t>
+              <a:t>6-10-2016</a:t>
             </a:fld>
             <a:endParaRPr lang="nl-NL"/>
           </a:p>
@@ -1198,7 +1199,7 @@
             <a:fld id="{96BAE843-BE96-40CB-B634-F63C679A4CF5}" type="datetimeFigureOut">
               <a:rPr lang="nl-NL" smtClean="0"/>
               <a:pPr/>
-              <a:t>3-10-2016</a:t>
+              <a:t>6-10-2016</a:t>
             </a:fld>
             <a:endParaRPr lang="nl-NL"/>
           </a:p>
@@ -1462,7 +1463,7 @@
             <a:fld id="{96BAE843-BE96-40CB-B634-F63C679A4CF5}" type="datetimeFigureOut">
               <a:rPr lang="nl-NL" smtClean="0"/>
               <a:pPr/>
-              <a:t>3-10-2016</a:t>
+              <a:t>6-10-2016</a:t>
             </a:fld>
             <a:endParaRPr lang="nl-NL"/>
           </a:p>
@@ -1812,7 +1813,7 @@
             <a:fld id="{96BAE843-BE96-40CB-B634-F63C679A4CF5}" type="datetimeFigureOut">
               <a:rPr lang="nl-NL" smtClean="0"/>
               <a:pPr/>
-              <a:t>3-10-2016</a:t>
+              <a:t>6-10-2016</a:t>
             </a:fld>
             <a:endParaRPr lang="nl-NL"/>
           </a:p>
@@ -2122,7 +2123,7 @@
             <a:fld id="{96BAE843-BE96-40CB-B634-F63C679A4CF5}" type="datetimeFigureOut">
               <a:rPr lang="nl-NL" smtClean="0"/>
               <a:pPr/>
-              <a:t>3-10-2016</a:t>
+              <a:t>6-10-2016</a:t>
             </a:fld>
             <a:endParaRPr lang="nl-NL"/>
           </a:p>
@@ -2351,7 +2352,7 @@
             <a:fld id="{96BAE843-BE96-40CB-B634-F63C679A4CF5}" type="datetimeFigureOut">
               <a:rPr lang="nl-NL" smtClean="0"/>
               <a:pPr/>
-              <a:t>3-10-2016</a:t>
+              <a:t>6-10-2016</a:t>
             </a:fld>
             <a:endParaRPr lang="nl-NL"/>
           </a:p>
@@ -2443,7 +2444,7 @@
             <a:fld id="{96BAE843-BE96-40CB-B634-F63C679A4CF5}" type="datetimeFigureOut">
               <a:rPr lang="nl-NL" smtClean="0"/>
               <a:pPr/>
-              <a:t>3-10-2016</a:t>
+              <a:t>6-10-2016</a:t>
             </a:fld>
             <a:endParaRPr lang="nl-NL"/>
           </a:p>
@@ -2733,7 +2734,7 @@
             <a:fld id="{96BAE843-BE96-40CB-B634-F63C679A4CF5}" type="datetimeFigureOut">
               <a:rPr lang="nl-NL" smtClean="0"/>
               <a:pPr/>
-              <a:t>3-10-2016</a:t>
+              <a:t>6-10-2016</a:t>
             </a:fld>
             <a:endParaRPr lang="nl-NL"/>
           </a:p>
@@ -3004,7 +3005,7 @@
             <a:fld id="{96BAE843-BE96-40CB-B634-F63C679A4CF5}" type="datetimeFigureOut">
               <a:rPr lang="nl-NL" smtClean="0"/>
               <a:pPr/>
-              <a:t>3-10-2016</a:t>
+              <a:t>6-10-2016</a:t>
             </a:fld>
             <a:endParaRPr lang="nl-NL"/>
           </a:p>
@@ -3216,7 +3217,7 @@
             <a:fld id="{96BAE843-BE96-40CB-B634-F63C679A4CF5}" type="datetimeFigureOut">
               <a:rPr lang="nl-NL" smtClean="0"/>
               <a:pPr/>
-              <a:t>3-10-2016</a:t>
+              <a:t>6-10-2016</a:t>
             </a:fld>
             <a:endParaRPr lang="nl-NL"/>
           </a:p>
@@ -3905,14 +3906,20 @@
       </p:grpSpPr>
       <p:pic>
         <p:nvPicPr>
-          <p:cNvPr id="2" name="Picture 2" descr="C:\sources\plaatsoft\plaatsign.git\trunk\screenshots\plaatsign-content1.png"/>
+          <p:cNvPr id="2050" name="Picture 2" descr="C:\sources\plaatsoft\plaatsign.git\screenshots\plaatsign-content1.png"/>
           <p:cNvPicPr>
             <a:picLocks noChangeAspect="1" noChangeArrowheads="1"/>
           </p:cNvPicPr>
           <p:nvPr/>
         </p:nvPicPr>
         <p:blipFill>
-          <a:blip r:embed="rId2" cstate="print"/>
+          <a:blip r:embed="rId2">
+            <a:extLst>
+              <a:ext uri="{28A0092B-C50C-407E-A947-70E740481C1C}">
+                <a14:useLocalDpi xmlns:a14="http://schemas.microsoft.com/office/drawing/2010/main" val="0"/>
+              </a:ext>
+            </a:extLst>
+          </a:blip>
           <a:srcRect/>
           <a:stretch>
             <a:fillRect/>
@@ -3920,13 +3927,22 @@
         </p:blipFill>
         <p:spPr bwMode="auto">
           <a:xfrm>
-            <a:off x="0" y="0"/>
-            <a:ext cx="9144000" cy="6858000"/>
+            <a:off x="0" y="-3103"/>
+            <a:ext cx="9144000" cy="6867771"/>
           </a:xfrm>
           <a:prstGeom prst="rect">
             <a:avLst/>
           </a:prstGeom>
           <a:noFill/>
+          <a:extLst>
+            <a:ext uri="{909E8E84-426E-40DD-AFC4-6F175D3DCCD1}">
+              <a14:hiddenFill xmlns:a14="http://schemas.microsoft.com/office/drawing/2010/main">
+                <a:solidFill>
+                  <a:srgbClr val="FFFFFF"/>
+                </a:solidFill>
+              </a14:hiddenFill>
+            </a:ext>
+          </a:extLst>
         </p:spPr>
       </p:pic>
     </p:spTree>
@@ -3985,6 +4001,13 @@
   <p:clrMapOvr>
     <a:masterClrMapping/>
   </p:clrMapOvr>
+  <p:timing>
+    <p:tnLst>
+      <p:par>
+        <p:cTn id="1" dur="indefinite" restart="never" nodeType="tmRoot"/>
+      </p:par>
+    </p:tnLst>
+  </p:timing>
 </p:sld>
 </file>
 
@@ -4005,9 +4028,122 @@
           <a:chExt cx="0" cy="0"/>
         </a:xfrm>
       </p:grpSpPr>
-      <p:sp>
-        <p:nvSpPr>
-          <p:cNvPr id="2" name="Titel 1"/>
+      <p:pic>
+        <p:nvPicPr>
+          <p:cNvPr id="3074" name="Picture 2" descr="C:\sources\plaatsoft\plaatsign.git\screenshots\plaatsign-content3.png"/>
+          <p:cNvPicPr>
+            <a:picLocks noChangeAspect="1" noChangeArrowheads="1"/>
+          </p:cNvPicPr>
+          <p:nvPr/>
+        </p:nvPicPr>
+        <p:blipFill>
+          <a:blip r:embed="rId2">
+            <a:extLst>
+              <a:ext uri="{28A0092B-C50C-407E-A947-70E740481C1C}">
+                <a14:useLocalDpi xmlns:a14="http://schemas.microsoft.com/office/drawing/2010/main" val="0"/>
+              </a:ext>
+            </a:extLst>
+          </a:blip>
+          <a:srcRect/>
+          <a:stretch>
+            <a:fillRect/>
+          </a:stretch>
+        </p:blipFill>
+        <p:spPr bwMode="auto">
+          <a:xfrm>
+            <a:off x="-2" y="-30212"/>
+            <a:ext cx="9144001" cy="6888212"/>
+          </a:xfrm>
+          <a:prstGeom prst="rect">
+            <a:avLst/>
+          </a:prstGeom>
+          <a:noFill/>
+          <a:extLst>
+            <a:ext uri="{909E8E84-426E-40DD-AFC4-6F175D3DCCD1}">
+              <a14:hiddenFill xmlns:a14="http://schemas.microsoft.com/office/drawing/2010/main">
+                <a:solidFill>
+                  <a:srgbClr val="FFFFFF"/>
+                </a:solidFill>
+              </a14:hiddenFill>
+            </a:ext>
+          </a:extLst>
+        </p:spPr>
+      </p:pic>
+      <p:sp>
+        <p:nvSpPr>
+          <p:cNvPr id="4" name="TextBox 3"/>
+          <p:cNvSpPr txBox="1"/>
+          <p:nvPr/>
+        </p:nvSpPr>
+        <p:spPr>
+          <a:xfrm>
+            <a:off x="827584" y="1844823"/>
+            <a:ext cx="1261884" cy="646331"/>
+          </a:xfrm>
+          <a:prstGeom prst="rect">
+            <a:avLst/>
+          </a:prstGeom>
+          <a:noFill/>
+        </p:spPr>
+        <p:txBody>
+          <a:bodyPr wrap="none" rtlCol="0">
+            <a:spAutoFit/>
+          </a:bodyPr>
+          <a:lstStyle/>
+          <a:p>
+            <a:r>
+              <a:rPr lang="nl-NL" dirty="0" smtClean="0"/>
+              <a:t>02-10-2016</a:t>
+            </a:r>
+          </a:p>
+          <a:p>
+            <a:r>
+              <a:rPr lang="nl-NL" dirty="0"/>
+              <a:t> </a:t>
+            </a:r>
+            <a:r>
+              <a:rPr lang="nl-NL" dirty="0" smtClean="0"/>
+              <a:t>     20:45</a:t>
+            </a:r>
+            <a:endParaRPr lang="nl-NL" dirty="0"/>
+          </a:p>
+        </p:txBody>
+      </p:sp>
+    </p:spTree>
+  </p:cSld>
+  <p:clrMapOvr>
+    <a:masterClrMapping/>
+  </p:clrMapOvr>
+  <p:timing>
+    <p:tnLst>
+      <p:par>
+        <p:cTn id="1" dur="indefinite" restart="never" nodeType="tmRoot"/>
+      </p:par>
+    </p:tnLst>
+  </p:timing>
+</p:sld>
+</file>
+
+<file path=ppt/slides/slide13.xml><?xml version="1.0" encoding="utf-8"?>
+<p:sld xmlns:a="http://schemas.openxmlformats.org/drawingml/2006/main" xmlns:r="http://schemas.openxmlformats.org/officeDocument/2006/relationships" xmlns:p="http://schemas.openxmlformats.org/presentationml/2006/main">
+  <p:cSld>
+    <p:spTree>
+      <p:nvGrpSpPr>
+        <p:cNvPr id="1" name=""/>
+        <p:cNvGrpSpPr/>
+        <p:nvPr/>
+      </p:nvGrpSpPr>
+      <p:grpSpPr>
+        <a:xfrm>
+          <a:off x="0" y="0"/>
+          <a:ext cx="0" cy="0"/>
+          <a:chOff x="0" y="0"/>
+          <a:chExt cx="0" cy="0"/>
+        </a:xfrm>
+      </p:grpSpPr>
+      <p:sp>
+        <p:nvSpPr>
+          <p:cNvPr id="2" name="Title 1"/>
           <p:cNvSpPr>
             <a:spLocks noGrp="1"/>
           </p:cNvSpPr>
@@ -4015,18 +4151,27 @@
             <p:ph type="title"/>
           </p:nvPr>
         </p:nvSpPr>
-        <p:spPr/>
+        <p:spPr>
+          <a:xfrm>
+            <a:off x="457200" y="0"/>
+            <a:ext cx="8229600" cy="980728"/>
+          </a:xfrm>
+        </p:spPr>
         <p:txBody>
           <a:bodyPr/>
           <a:lstStyle/>
           <a:p>
-            <a:endParaRPr lang="nl-NL"/>
-          </a:p>
-        </p:txBody>
-      </p:sp>
-      <p:sp>
-        <p:nvSpPr>
-          <p:cNvPr id="3" name="Tijdelijke aanduiding voor inhoud 2"/>
+            <a:r>
+              <a:rPr lang="nl-NL" dirty="0" smtClean="0"/>
+              <a:t>Conclusion</a:t>
+            </a:r>
+            <a:endParaRPr lang="nl-NL" dirty="0"/>
+          </a:p>
+        </p:txBody>
+      </p:sp>
+      <p:sp>
+        <p:nvSpPr>
+          <p:cNvPr id="3" name="Content Placeholder 2"/>
           <p:cNvSpPr>
             <a:spLocks noGrp="1"/>
           </p:cNvSpPr>
@@ -4039,45 +4184,70 @@
           <a:bodyPr/>
           <a:lstStyle/>
           <a:p>
-            <a:endParaRPr lang="nl-NL"/>
-          </a:p>
-        </p:txBody>
-      </p:sp>
-      <p:pic>
-        <p:nvPicPr>
-          <p:cNvPr id="4098" name="Picture 2" descr="C:\sources\plaatsoft\plaatsign.git\trunk\screenshots\plaatsign-content3.png"/>
-          <p:cNvPicPr>
-            <a:picLocks noChangeAspect="1" noChangeArrowheads="1"/>
-          </p:cNvPicPr>
-          <p:nvPr/>
-        </p:nvPicPr>
-        <p:blipFill>
-          <a:blip r:embed="rId2" cstate="print"/>
-          <a:srcRect/>
-          <a:stretch>
-            <a:fillRect/>
-          </a:stretch>
-        </p:blipFill>
-        <p:spPr bwMode="auto">
-          <a:xfrm>
-            <a:off x="8061" y="9525"/>
-            <a:ext cx="9135939" cy="6848475"/>
-          </a:xfrm>
-          <a:prstGeom prst="rect">
-            <a:avLst/>
-          </a:prstGeom>
-          <a:noFill/>
-        </p:spPr>
-      </p:pic>
+            <a:r>
+              <a:rPr lang="en-US" sz="3200" dirty="0" smtClean="0"/>
+              <a:t>PlaatSign offers a free digital content viewer platform for the Raspberry Pi</a:t>
+            </a:r>
+          </a:p>
+          <a:p>
+            <a:r>
+              <a:rPr lang="en-US" sz="3200" dirty="0" smtClean="0"/>
+              <a:t>Following content types are supported:</a:t>
+            </a:r>
+          </a:p>
+          <a:p>
+            <a:pPr lvl="1"/>
+            <a:r>
+              <a:rPr lang="en-US" sz="2000" dirty="0" smtClean="0"/>
+              <a:t>Images</a:t>
+            </a:r>
+          </a:p>
+          <a:p>
+            <a:pPr lvl="1"/>
+            <a:r>
+              <a:rPr lang="en-US" sz="2000" dirty="0" smtClean="0"/>
+              <a:t>Videos</a:t>
+            </a:r>
+          </a:p>
+          <a:p>
+            <a:pPr lvl="1"/>
+            <a:r>
+              <a:rPr lang="en-US" sz="2000" dirty="0" smtClean="0"/>
+              <a:t>Scripts</a:t>
+            </a:r>
+          </a:p>
+          <a:p>
+            <a:r>
+              <a:rPr lang="en-US" sz="3200" dirty="0" smtClean="0"/>
+              <a:t>New features will be added soon</a:t>
+            </a:r>
+          </a:p>
+          <a:p>
+            <a:endParaRPr lang="nl-NL" dirty="0"/>
+          </a:p>
+        </p:txBody>
+      </p:sp>
     </p:spTree>
+    <p:extLst>
+      <p:ext uri="{BB962C8B-B14F-4D97-AF65-F5344CB8AC3E}">
+        <p14:creationId xmlns:p14="http://schemas.microsoft.com/office/powerpoint/2010/main" val="2363378007"/>
+      </p:ext>
+    </p:extLst>
   </p:cSld>
   <p:clrMapOvr>
     <a:masterClrMapping/>
   </p:clrMapOvr>
+  <p:timing>
+    <p:tnLst>
+      <p:par>
+        <p:cTn id="1" dur="indefinite" restart="never" nodeType="tmRoot"/>
+      </p:par>
+    </p:tnLst>
+  </p:timing>
 </p:sld>
 </file>
 
-<file path=ppt/slides/slide13.xml><?xml version="1.0" encoding="utf-8"?>
+<file path=ppt/slides/slide14.xml><?xml version="1.0" encoding="utf-8"?>
 <p:sld xmlns:a="http://schemas.openxmlformats.org/drawingml/2006/main" xmlns:r="http://schemas.openxmlformats.org/officeDocument/2006/relationships" xmlns:p="http://schemas.openxmlformats.org/presentationml/2006/main">
   <p:cSld>
     <p:spTree>
@@ -4845,8 +5015,9 @@
             <a:pPr lvl="1"/>
             <a:r>
               <a:rPr lang="en-US" sz="2800" dirty="0" smtClean="0"/>
-              <a:t>Scripts</a:t>
-            </a:r>
+              <a:t>PHP Scripts</a:t>
+            </a:r>
+            <a:endParaRPr lang="en-US" sz="2800" dirty="0" smtClean="0"/>
           </a:p>
           <a:p>
             <a:r>
@@ -5240,7 +5411,14 @@
             <a:pPr algn="ctr"/>
             <a:r>
               <a:rPr lang="nl-NL" dirty="0" smtClean="0"/>
-              <a:t>Script Engine</a:t>
+              <a:t>PHP Script </a:t>
+            </a:r>
+          </a:p>
+          <a:p>
+            <a:pPr algn="ctr"/>
+            <a:r>
+              <a:rPr lang="nl-NL" dirty="0" smtClean="0"/>
+              <a:t>Engine</a:t>
             </a:r>
             <a:endParaRPr lang="nl-NL" dirty="0"/>
           </a:p>
@@ -5492,7 +5670,11 @@
           <a:p>
             <a:r>
               <a:rPr lang="en-US" dirty="0" smtClean="0"/>
-              <a:t> Linux Tools</a:t>
+              <a:t>Linux </a:t>
+            </a:r>
+            <a:r>
+              <a:rPr lang="en-US" dirty="0" smtClean="0"/>
+              <a:t>Tools</a:t>
             </a:r>
             <a:endParaRPr lang="nl-NL" dirty="0"/>
           </a:p>
@@ -6230,14 +6412,13 @@
           <a:p>
             <a:pPr algn="ctr"/>
             <a:r>
-              <a:rPr lang="en-US" sz="2400" dirty="0" err="1" smtClean="0"/>
+              <a:rPr lang="en-US" sz="2400" dirty="0" smtClean="0"/>
               <a:t>PlaatSign</a:t>
             </a:r>
             <a:r>
               <a:rPr lang="en-US" dirty="0" smtClean="0"/>
               <a:t> </a:t>
             </a:r>
-            <a:endParaRPr lang="en-US" dirty="0" smtClean="0"/>
           </a:p>
         </p:txBody>
       </p:sp>
@@ -6368,11 +6549,7 @@
             <a:pPr algn="ctr"/>
             <a:r>
               <a:rPr lang="en-US" sz="1200" dirty="0" smtClean="0"/>
-              <a:t>Digital </a:t>
-            </a:r>
-            <a:r>
-              <a:rPr lang="en-US" sz="1200" dirty="0" smtClean="0"/>
-              <a:t>content</a:t>
+              <a:t>Digital content</a:t>
             </a:r>
             <a:r>
               <a:rPr lang="nl-NL" sz="1200" dirty="0"/>
@@ -6431,11 +6608,7 @@
             <a:pPr algn="ctr"/>
             <a:r>
               <a:rPr lang="en-US" sz="1200" dirty="0" smtClean="0"/>
-              <a:t>Digital </a:t>
-            </a:r>
-            <a:r>
-              <a:rPr lang="en-US" sz="1200" dirty="0" smtClean="0"/>
-              <a:t>content</a:t>
+              <a:t>Digital content</a:t>
             </a:r>
           </a:p>
           <a:p>
@@ -6446,13 +6619,8 @@
             </a:r>
             <a:r>
               <a:rPr lang="en-US" sz="1200" dirty="0" smtClean="0"/>
-              <a:t>s displayed </a:t>
-            </a:r>
-            <a:r>
-              <a:rPr lang="en-US" sz="1200" dirty="0" smtClean="0"/>
-              <a:t>on  </a:t>
-            </a:r>
-            <a:endParaRPr lang="en-US" sz="1200" dirty="0" smtClean="0"/>
+              <a:t>s displayed on  </a:t>
+            </a:r>
           </a:p>
           <a:p>
             <a:pPr algn="ctr"/>
@@ -7839,11 +8007,7 @@
             <a:pPr algn="ctr"/>
             <a:r>
               <a:rPr lang="en-US" sz="1200" dirty="0" smtClean="0"/>
-              <a:t>Digital </a:t>
-            </a:r>
-            <a:r>
-              <a:rPr lang="en-US" sz="1200" dirty="0" smtClean="0"/>
-              <a:t>content</a:t>
+              <a:t>Digital content</a:t>
             </a:r>
             <a:r>
               <a:rPr lang="nl-NL" sz="1200" dirty="0"/>
@@ -7906,11 +8070,7 @@
             </a:r>
             <a:r>
               <a:rPr lang="en-US" sz="1200" dirty="0" smtClean="0"/>
-              <a:t>igital </a:t>
-            </a:r>
-            <a:r>
-              <a:rPr lang="en-US" sz="1200" dirty="0" smtClean="0"/>
-              <a:t>content</a:t>
+              <a:t>igital content</a:t>
             </a:r>
           </a:p>
           <a:p>
@@ -8704,14 +8864,20 @@
       </p:sp>
       <p:pic>
         <p:nvPicPr>
-          <p:cNvPr id="2" name="Picture 2" descr="C:\sources\plaatsoft\plaatsign.git\trunk\screenshots\plaatsign-login.png"/>
+          <p:cNvPr id="1026" name="Picture 2" descr="C:\sources\plaatsoft\plaatsign.git\screenshots\plaatsign-login.png"/>
           <p:cNvPicPr>
             <a:picLocks noChangeAspect="1" noChangeArrowheads="1"/>
           </p:cNvPicPr>
           <p:nvPr/>
         </p:nvPicPr>
         <p:blipFill>
-          <a:blip r:embed="rId2" cstate="print"/>
+          <a:blip r:embed="rId2">
+            <a:extLst>
+              <a:ext uri="{28A0092B-C50C-407E-A947-70E740481C1C}">
+                <a14:useLocalDpi xmlns:a14="http://schemas.microsoft.com/office/drawing/2010/main" val="0"/>
+              </a:ext>
+            </a:extLst>
+          </a:blip>
           <a:srcRect/>
           <a:stretch>
             <a:fillRect/>
@@ -8719,13 +8885,22 @@
         </p:blipFill>
         <p:spPr bwMode="auto">
           <a:xfrm>
-            <a:off x="827584" y="1628800"/>
-            <a:ext cx="7557542" cy="3981078"/>
+            <a:off x="0" y="980728"/>
+            <a:ext cx="9144000" cy="5157192"/>
           </a:xfrm>
           <a:prstGeom prst="rect">
             <a:avLst/>
           </a:prstGeom>
           <a:noFill/>
+          <a:extLst>
+            <a:ext uri="{909E8E84-426E-40DD-AFC4-6F175D3DCCD1}">
+              <a14:hiddenFill xmlns:a14="http://schemas.microsoft.com/office/drawing/2010/main">
+                <a:solidFill>
+                  <a:srgbClr val="FFFFFF"/>
+                </a:solidFill>
+              </a14:hiddenFill>
+            </a:ext>
+          </a:extLst>
         </p:spPr>
       </p:pic>
     </p:spTree>
